--- a/slides/figures/figures.pptx
+++ b/slides/figures/figures.pptx
@@ -260,7 +260,7 @@
           <a:p>
             <a:fld id="{EA449A28-E23D-4843-A1CF-FF26226DBC7E}" type="datetimeFigureOut">
               <a:rPr lang="en-GB" smtClean="0"/>
-              <a:t>10/04/2020</a:t>
+              <a:t>18/04/2020</a:t>
             </a:fld>
             <a:endParaRPr lang="en-GB"/>
           </a:p>
@@ -458,7 +458,7 @@
           <a:p>
             <a:fld id="{EA449A28-E23D-4843-A1CF-FF26226DBC7E}" type="datetimeFigureOut">
               <a:rPr lang="en-GB" smtClean="0"/>
-              <a:t>10/04/2020</a:t>
+              <a:t>18/04/2020</a:t>
             </a:fld>
             <a:endParaRPr lang="en-GB"/>
           </a:p>
@@ -666,7 +666,7 @@
           <a:p>
             <a:fld id="{EA449A28-E23D-4843-A1CF-FF26226DBC7E}" type="datetimeFigureOut">
               <a:rPr lang="en-GB" smtClean="0"/>
-              <a:t>10/04/2020</a:t>
+              <a:t>18/04/2020</a:t>
             </a:fld>
             <a:endParaRPr lang="en-GB"/>
           </a:p>
@@ -864,7 +864,7 @@
           <a:p>
             <a:fld id="{EA449A28-E23D-4843-A1CF-FF26226DBC7E}" type="datetimeFigureOut">
               <a:rPr lang="en-GB" smtClean="0"/>
-              <a:t>10/04/2020</a:t>
+              <a:t>18/04/2020</a:t>
             </a:fld>
             <a:endParaRPr lang="en-GB"/>
           </a:p>
@@ -1139,7 +1139,7 @@
           <a:p>
             <a:fld id="{EA449A28-E23D-4843-A1CF-FF26226DBC7E}" type="datetimeFigureOut">
               <a:rPr lang="en-GB" smtClean="0"/>
-              <a:t>10/04/2020</a:t>
+              <a:t>18/04/2020</a:t>
             </a:fld>
             <a:endParaRPr lang="en-GB"/>
           </a:p>
@@ -1404,7 +1404,7 @@
           <a:p>
             <a:fld id="{EA449A28-E23D-4843-A1CF-FF26226DBC7E}" type="datetimeFigureOut">
               <a:rPr lang="en-GB" smtClean="0"/>
-              <a:t>10/04/2020</a:t>
+              <a:t>18/04/2020</a:t>
             </a:fld>
             <a:endParaRPr lang="en-GB"/>
           </a:p>
@@ -1816,7 +1816,7 @@
           <a:p>
             <a:fld id="{EA449A28-E23D-4843-A1CF-FF26226DBC7E}" type="datetimeFigureOut">
               <a:rPr lang="en-GB" smtClean="0"/>
-              <a:t>10/04/2020</a:t>
+              <a:t>18/04/2020</a:t>
             </a:fld>
             <a:endParaRPr lang="en-GB"/>
           </a:p>
@@ -1957,7 +1957,7 @@
           <a:p>
             <a:fld id="{EA449A28-E23D-4843-A1CF-FF26226DBC7E}" type="datetimeFigureOut">
               <a:rPr lang="en-GB" smtClean="0"/>
-              <a:t>10/04/2020</a:t>
+              <a:t>18/04/2020</a:t>
             </a:fld>
             <a:endParaRPr lang="en-GB"/>
           </a:p>
@@ -2070,7 +2070,7 @@
           <a:p>
             <a:fld id="{EA449A28-E23D-4843-A1CF-FF26226DBC7E}" type="datetimeFigureOut">
               <a:rPr lang="en-GB" smtClean="0"/>
-              <a:t>10/04/2020</a:t>
+              <a:t>18/04/2020</a:t>
             </a:fld>
             <a:endParaRPr lang="en-GB"/>
           </a:p>
@@ -2381,7 +2381,7 @@
           <a:p>
             <a:fld id="{EA449A28-E23D-4843-A1CF-FF26226DBC7E}" type="datetimeFigureOut">
               <a:rPr lang="en-GB" smtClean="0"/>
-              <a:t>10/04/2020</a:t>
+              <a:t>18/04/2020</a:t>
             </a:fld>
             <a:endParaRPr lang="en-GB"/>
           </a:p>
@@ -2669,7 +2669,7 @@
           <a:p>
             <a:fld id="{EA449A28-E23D-4843-A1CF-FF26226DBC7E}" type="datetimeFigureOut">
               <a:rPr lang="en-GB" smtClean="0"/>
-              <a:t>10/04/2020</a:t>
+              <a:t>18/04/2020</a:t>
             </a:fld>
             <a:endParaRPr lang="en-GB"/>
           </a:p>
@@ -2910,7 +2910,7 @@
           <a:p>
             <a:fld id="{EA449A28-E23D-4843-A1CF-FF26226DBC7E}" type="datetimeFigureOut">
               <a:rPr lang="en-GB" smtClean="0"/>
-              <a:t>10/04/2020</a:t>
+              <a:t>18/04/2020</a:t>
             </a:fld>
             <a:endParaRPr lang="en-GB"/>
           </a:p>
@@ -3343,7 +3343,7 @@
             </p:nvSpPr>
             <p:spPr>
               <a:xfrm>
-                <a:off x="1027076" y="2954679"/>
+                <a:off x="726357" y="3161507"/>
                 <a:ext cx="1680271" cy="1001860"/>
               </a:xfrm>
               <a:custGeom>
@@ -3515,46 +3515,50 @@
                       <m:jc m:val="centerGroup"/>
                     </m:oMathParaPr>
                     <m:oMath xmlns:m="http://schemas.openxmlformats.org/officeDocument/2006/math">
-                      <m:sSub>
-                        <m:sSubPr>
-                          <m:ctrlPr>
-                            <a:rPr lang="en-GB" sz="1900" i="1" kern="1200" smtClean="0">
-                              <a:solidFill>
-                                <a:prstClr val="black"/>
-                              </a:solidFill>
-                              <a:latin typeface="Cambria Math" panose="02040503050406030204" pitchFamily="18" charset="0"/>
-                              <a:ea typeface="+mn-ea"/>
-                              <a:cs typeface="+mn-cs"/>
-                            </a:rPr>
-                          </m:ctrlPr>
-                        </m:sSubPr>
-                        <m:e>
-                          <m:r>
-                            <a:rPr lang="en-GB" sz="1900" b="0" i="1" kern="1200" smtClean="0">
-                              <a:solidFill>
-                                <a:prstClr val="black"/>
-                              </a:solidFill>
-                              <a:latin typeface="Cambria Math" panose="02040503050406030204" pitchFamily="18" charset="0"/>
-                              <a:ea typeface="+mn-ea"/>
-                              <a:cs typeface="+mn-cs"/>
-                            </a:rPr>
-                            <m:t>𝑆</m:t>
-                          </m:r>
-                        </m:e>
-                        <m:sub>
-                          <m:r>
-                            <a:rPr lang="en-GB" sz="1900" b="0" i="1" kern="1200" smtClean="0">
-                              <a:solidFill>
-                                <a:prstClr val="black"/>
-                              </a:solidFill>
-                              <a:latin typeface="Cambria Math" panose="02040503050406030204" pitchFamily="18" charset="0"/>
-                              <a:ea typeface="+mn-ea"/>
-                              <a:cs typeface="+mn-cs"/>
-                            </a:rPr>
-                            <m:t>𝑡</m:t>
-                          </m:r>
-                        </m:sub>
-                      </m:sSub>
+                      <m:r>
+                        <a:rPr lang="en-GB" sz="1900" b="0" i="1" kern="1200" smtClean="0">
+                          <a:solidFill>
+                            <a:prstClr val="black"/>
+                          </a:solidFill>
+                          <a:latin typeface="Cambria Math" panose="02040503050406030204" pitchFamily="18" charset="0"/>
+                          <a:ea typeface="+mn-ea"/>
+                          <a:cs typeface="+mn-cs"/>
+                        </a:rPr>
+                        <m:t>𝑆</m:t>
+                      </m:r>
+                      <m:r>
+                        <a:rPr lang="en-GB" sz="1900" b="0" i="1" kern="1200" smtClean="0">
+                          <a:solidFill>
+                            <a:prstClr val="black"/>
+                          </a:solidFill>
+                          <a:latin typeface="Cambria Math" panose="02040503050406030204" pitchFamily="18" charset="0"/>
+                          <a:ea typeface="+mn-ea"/>
+                          <a:cs typeface="+mn-cs"/>
+                        </a:rPr>
+                        <m:t>(</m:t>
+                      </m:r>
+                      <m:r>
+                        <a:rPr lang="en-GB" sz="1900" b="0" i="1" kern="1200" smtClean="0">
+                          <a:solidFill>
+                            <a:prstClr val="black"/>
+                          </a:solidFill>
+                          <a:latin typeface="Cambria Math" panose="02040503050406030204" pitchFamily="18" charset="0"/>
+                          <a:ea typeface="+mn-ea"/>
+                          <a:cs typeface="+mn-cs"/>
+                        </a:rPr>
+                        <m:t>𝑡</m:t>
+                      </m:r>
+                      <m:r>
+                        <a:rPr lang="en-GB" sz="1900" b="0" i="1" kern="1200" smtClean="0">
+                          <a:solidFill>
+                            <a:prstClr val="black"/>
+                          </a:solidFill>
+                          <a:latin typeface="Cambria Math" panose="02040503050406030204" pitchFamily="18" charset="0"/>
+                          <a:ea typeface="+mn-ea"/>
+                          <a:cs typeface="+mn-cs"/>
+                        </a:rPr>
+                        <m:t>)</m:t>
+                      </m:r>
                     </m:oMath>
                   </m:oMathPara>
                 </a14:m>
@@ -3587,7 +3591,7 @@
             </p:nvSpPr>
             <p:spPr>
               <a:xfrm>
-                <a:off x="1027076" y="2954679"/>
+                <a:off x="726357" y="3161507"/>
                 <a:ext cx="1680271" cy="1001860"/>
               </a:xfrm>
               <a:custGeom>
@@ -3728,8 +3732,8 @@
         </p:nvSpPr>
         <p:spPr>
           <a:xfrm>
-            <a:off x="2748829" y="3248558"/>
-            <a:ext cx="609306" cy="414102"/>
+            <a:off x="2466434" y="3455386"/>
+            <a:ext cx="815501" cy="414102"/>
           </a:xfrm>
           <a:custGeom>
             <a:avLst/>
@@ -3878,7 +3882,7 @@
             </p:nvSpPr>
             <p:spPr>
               <a:xfrm>
-                <a:off x="3379455" y="2954679"/>
+                <a:off x="3314141" y="3161507"/>
                 <a:ext cx="1680271" cy="1001860"/>
               </a:xfrm>
               <a:custGeom>
@@ -4032,7 +4036,7 @@
                 </a:r>
               </a:p>
               <a:p>
-                <a:pPr marL="0" lvl="0" indent="0" algn="ctr" defTabSz="844550">
+                <a:pPr lvl="0" algn="ctr" defTabSz="844550">
                   <a:lnSpc>
                     <a:spcPct val="90000"/>
                   </a:lnSpc>
@@ -4042,7 +4046,6 @@
                   <a:spcAft>
                     <a:spcPct val="35000"/>
                   </a:spcAft>
-                  <a:buNone/>
                 </a:pPr>
                 <a14:m>
                   <m:oMathPara xmlns:m="http://schemas.openxmlformats.org/officeDocument/2006/math">
@@ -4050,46 +4053,42 @@
                       <m:jc m:val="centerGroup"/>
                     </m:oMathParaPr>
                     <m:oMath xmlns:m="http://schemas.openxmlformats.org/officeDocument/2006/math">
-                      <m:sSub>
-                        <m:sSubPr>
-                          <m:ctrlPr>
-                            <a:rPr lang="en-GB" sz="1900" i="1" kern="1200" smtClean="0">
-                              <a:solidFill>
-                                <a:prstClr val="black"/>
-                              </a:solidFill>
-                              <a:latin typeface="Cambria Math" panose="02040503050406030204" pitchFamily="18" charset="0"/>
-                              <a:ea typeface="+mn-ea"/>
-                              <a:cs typeface="+mn-cs"/>
-                            </a:rPr>
-                          </m:ctrlPr>
-                        </m:sSubPr>
-                        <m:e>
-                          <m:r>
-                            <a:rPr lang="en-GB" sz="1900" b="0" i="1" kern="1200" smtClean="0">
-                              <a:solidFill>
-                                <a:prstClr val="black"/>
-                              </a:solidFill>
-                              <a:latin typeface="Cambria Math" panose="02040503050406030204" pitchFamily="18" charset="0"/>
-                              <a:ea typeface="+mn-ea"/>
-                              <a:cs typeface="+mn-cs"/>
-                            </a:rPr>
-                            <m:t>𝐸</m:t>
-                          </m:r>
-                        </m:e>
-                        <m:sub>
-                          <m:r>
-                            <a:rPr lang="en-GB" sz="1900" b="0" i="1" kern="1200" smtClean="0">
-                              <a:solidFill>
-                                <a:prstClr val="black"/>
-                              </a:solidFill>
-                              <a:latin typeface="Cambria Math" panose="02040503050406030204" pitchFamily="18" charset="0"/>
-                              <a:ea typeface="+mn-ea"/>
-                              <a:cs typeface="+mn-cs"/>
-                            </a:rPr>
-                            <m:t>𝑡</m:t>
-                          </m:r>
-                        </m:sub>
-                      </m:sSub>
+                      <m:r>
+                        <a:rPr lang="en-GB" sz="1900" b="0" i="1" smtClean="0">
+                          <a:solidFill>
+                            <a:prstClr val="black"/>
+                          </a:solidFill>
+                          <a:latin typeface="Cambria Math" panose="02040503050406030204" pitchFamily="18" charset="0"/>
+                        </a:rPr>
+                        <m:t>𝐸</m:t>
+                      </m:r>
+                      <m:r>
+                        <a:rPr lang="en-GB" sz="1900" i="1">
+                          <a:solidFill>
+                            <a:prstClr val="black"/>
+                          </a:solidFill>
+                          <a:latin typeface="Cambria Math" panose="02040503050406030204" pitchFamily="18" charset="0"/>
+                        </a:rPr>
+                        <m:t>(</m:t>
+                      </m:r>
+                      <m:r>
+                        <a:rPr lang="en-GB" sz="1900" i="1">
+                          <a:solidFill>
+                            <a:prstClr val="black"/>
+                          </a:solidFill>
+                          <a:latin typeface="Cambria Math" panose="02040503050406030204" pitchFamily="18" charset="0"/>
+                        </a:rPr>
+                        <m:t>𝑡</m:t>
+                      </m:r>
+                      <m:r>
+                        <a:rPr lang="en-GB" sz="1900" i="1">
+                          <a:solidFill>
+                            <a:prstClr val="black"/>
+                          </a:solidFill>
+                          <a:latin typeface="Cambria Math" panose="02040503050406030204" pitchFamily="18" charset="0"/>
+                        </a:rPr>
+                        <m:t>)</m:t>
+                      </m:r>
                     </m:oMath>
                   </m:oMathPara>
                 </a14:m>
@@ -4122,7 +4121,7 @@
             </p:nvSpPr>
             <p:spPr>
               <a:xfrm>
-                <a:off x="3379455" y="2954679"/>
+                <a:off x="3314141" y="3161507"/>
                 <a:ext cx="1680271" cy="1001860"/>
               </a:xfrm>
               <a:custGeom>
@@ -4263,8 +4262,8 @@
         </p:nvSpPr>
         <p:spPr>
           <a:xfrm>
-            <a:off x="5091265" y="3248558"/>
-            <a:ext cx="629193" cy="414102"/>
+            <a:off x="5028389" y="3455386"/>
+            <a:ext cx="805910" cy="414102"/>
           </a:xfrm>
           <a:custGeom>
             <a:avLst/>
@@ -4413,7 +4412,7 @@
             </p:nvSpPr>
             <p:spPr>
               <a:xfrm>
-                <a:off x="5731835" y="2954679"/>
+                <a:off x="5842119" y="3161507"/>
                 <a:ext cx="1680271" cy="1001860"/>
               </a:xfrm>
               <a:custGeom>
@@ -4567,7 +4566,7 @@
                 </a:r>
               </a:p>
               <a:p>
-                <a:pPr marL="0" lvl="0" indent="0" algn="ctr" defTabSz="844550">
+                <a:pPr lvl="0" algn="ctr" defTabSz="844550">
                   <a:lnSpc>
                     <a:spcPct val="90000"/>
                   </a:lnSpc>
@@ -4577,7 +4576,6 @@
                   <a:spcAft>
                     <a:spcPct val="35000"/>
                   </a:spcAft>
-                  <a:buNone/>
                 </a:pPr>
                 <a14:m>
                   <m:oMathPara xmlns:m="http://schemas.openxmlformats.org/officeDocument/2006/math">
@@ -4585,46 +4583,42 @@
                       <m:jc m:val="centerGroup"/>
                     </m:oMathParaPr>
                     <m:oMath xmlns:m="http://schemas.openxmlformats.org/officeDocument/2006/math">
-                      <m:sSub>
-                        <m:sSubPr>
-                          <m:ctrlPr>
-                            <a:rPr lang="en-GB" sz="1900" i="1" kern="1200" smtClean="0">
-                              <a:solidFill>
-                                <a:prstClr val="black"/>
-                              </a:solidFill>
-                              <a:latin typeface="Cambria Math" panose="02040503050406030204" pitchFamily="18" charset="0"/>
-                              <a:ea typeface="+mn-ea"/>
-                              <a:cs typeface="+mn-cs"/>
-                            </a:rPr>
-                          </m:ctrlPr>
-                        </m:sSubPr>
-                        <m:e>
-                          <m:r>
-                            <a:rPr lang="en-GB" sz="1900" b="0" i="1" kern="1200" smtClean="0">
-                              <a:solidFill>
-                                <a:prstClr val="black"/>
-                              </a:solidFill>
-                              <a:latin typeface="Cambria Math" panose="02040503050406030204" pitchFamily="18" charset="0"/>
-                              <a:ea typeface="+mn-ea"/>
-                              <a:cs typeface="+mn-cs"/>
-                            </a:rPr>
-                            <m:t>𝐼</m:t>
-                          </m:r>
-                        </m:e>
-                        <m:sub>
-                          <m:r>
-                            <a:rPr lang="en-GB" sz="1900" b="0" i="1" kern="1200" smtClean="0">
-                              <a:solidFill>
-                                <a:prstClr val="black"/>
-                              </a:solidFill>
-                              <a:latin typeface="Cambria Math" panose="02040503050406030204" pitchFamily="18" charset="0"/>
-                              <a:ea typeface="+mn-ea"/>
-                              <a:cs typeface="+mn-cs"/>
-                            </a:rPr>
-                            <m:t>𝑡</m:t>
-                          </m:r>
-                        </m:sub>
-                      </m:sSub>
+                      <m:r>
+                        <a:rPr lang="en-GB" sz="1900" b="0" i="1" smtClean="0">
+                          <a:solidFill>
+                            <a:prstClr val="black"/>
+                          </a:solidFill>
+                          <a:latin typeface="Cambria Math" panose="02040503050406030204" pitchFamily="18" charset="0"/>
+                        </a:rPr>
+                        <m:t>𝐼</m:t>
+                      </m:r>
+                      <m:r>
+                        <a:rPr lang="en-GB" sz="1900" i="1">
+                          <a:solidFill>
+                            <a:prstClr val="black"/>
+                          </a:solidFill>
+                          <a:latin typeface="Cambria Math" panose="02040503050406030204" pitchFamily="18" charset="0"/>
+                        </a:rPr>
+                        <m:t>(</m:t>
+                      </m:r>
+                      <m:r>
+                        <a:rPr lang="en-GB" sz="1900" i="1">
+                          <a:solidFill>
+                            <a:prstClr val="black"/>
+                          </a:solidFill>
+                          <a:latin typeface="Cambria Math" panose="02040503050406030204" pitchFamily="18" charset="0"/>
+                        </a:rPr>
+                        <m:t>𝑡</m:t>
+                      </m:r>
+                      <m:r>
+                        <a:rPr lang="en-GB" sz="1900" i="1">
+                          <a:solidFill>
+                            <a:prstClr val="black"/>
+                          </a:solidFill>
+                          <a:latin typeface="Cambria Math" panose="02040503050406030204" pitchFamily="18" charset="0"/>
+                        </a:rPr>
+                        <m:t>)</m:t>
+                      </m:r>
                     </m:oMath>
                   </m:oMathPara>
                 </a14:m>
@@ -4657,7 +4651,7 @@
             </p:nvSpPr>
             <p:spPr>
               <a:xfrm>
-                <a:off x="5731835" y="2954679"/>
+                <a:off x="5842119" y="3161507"/>
                 <a:ext cx="1680271" cy="1001860"/>
               </a:xfrm>
               <a:custGeom>
@@ -4800,7 +4794,7 @@
             </p:nvSpPr>
             <p:spPr>
               <a:xfrm>
-                <a:off x="8138641" y="2954679"/>
+                <a:off x="8445671" y="3161507"/>
                 <a:ext cx="1680271" cy="1001860"/>
               </a:xfrm>
               <a:custGeom>
@@ -4953,7 +4947,7 @@
                 </a:r>
               </a:p>
               <a:p>
-                <a:pPr marL="0" lvl="0" indent="0" algn="ctr" defTabSz="889000">
+                <a:pPr lvl="0" algn="ctr" defTabSz="889000">
                   <a:lnSpc>
                     <a:spcPct val="90000"/>
                   </a:lnSpc>
@@ -4963,50 +4957,45 @@
                   <a:spcAft>
                     <a:spcPct val="35000"/>
                   </a:spcAft>
-                  <a:buNone/>
                 </a:pPr>
+                <a:r>
+                  <a:rPr lang="en-GB" sz="2000" dirty="0">
+                    <a:solidFill>
+                      <a:prstClr val="black"/>
+                    </a:solidFill>
+                  </a:rPr>
+                  <a:t>R</a:t>
+                </a:r>
                 <a14:m>
-                  <m:oMathPara xmlns:m="http://schemas.openxmlformats.org/officeDocument/2006/math">
-                    <m:oMathParaPr>
-                      <m:jc m:val="centerGroup"/>
-                    </m:oMathParaPr>
-                    <m:oMath xmlns:m="http://schemas.openxmlformats.org/officeDocument/2006/math">
-                      <m:sSub>
-                        <m:sSubPr>
-                          <m:ctrlPr>
-                            <a:rPr lang="en-GB" sz="2000" i="1" kern="1200" smtClean="0">
-                              <a:solidFill>
-                                <a:schemeClr val="tx1"/>
-                              </a:solidFill>
-                              <a:latin typeface="Cambria Math" panose="02040503050406030204" pitchFamily="18" charset="0"/>
-                            </a:rPr>
-                          </m:ctrlPr>
-                        </m:sSubPr>
-                        <m:e>
-                          <m:r>
-                            <a:rPr lang="en-GB" sz="2000" b="0" i="1" kern="1200" smtClean="0">
-                              <a:solidFill>
-                                <a:schemeClr val="tx1"/>
-                              </a:solidFill>
-                              <a:latin typeface="Cambria Math" panose="02040503050406030204" pitchFamily="18" charset="0"/>
-                            </a:rPr>
-                            <m:t>𝑅</m:t>
-                          </m:r>
-                        </m:e>
-                        <m:sub>
-                          <m:r>
-                            <a:rPr lang="en-GB" sz="2000" b="0" i="1" kern="1200" smtClean="0">
-                              <a:solidFill>
-                                <a:schemeClr val="tx1"/>
-                              </a:solidFill>
-                              <a:latin typeface="Cambria Math" panose="02040503050406030204" pitchFamily="18" charset="0"/>
-                            </a:rPr>
-                            <m:t>𝑡</m:t>
-                          </m:r>
-                        </m:sub>
-                      </m:sSub>
-                    </m:oMath>
-                  </m:oMathPara>
+                  <m:oMath xmlns:m="http://schemas.openxmlformats.org/officeDocument/2006/math">
+                    <m:r>
+                      <a:rPr lang="en-GB" sz="2000" i="1">
+                        <a:solidFill>
+                          <a:prstClr val="black"/>
+                        </a:solidFill>
+                        <a:latin typeface="Cambria Math" panose="02040503050406030204" pitchFamily="18" charset="0"/>
+                      </a:rPr>
+                      <m:t>(</m:t>
+                    </m:r>
+                    <m:r>
+                      <a:rPr lang="en-GB" sz="2000" i="1">
+                        <a:solidFill>
+                          <a:prstClr val="black"/>
+                        </a:solidFill>
+                        <a:latin typeface="Cambria Math" panose="02040503050406030204" pitchFamily="18" charset="0"/>
+                      </a:rPr>
+                      <m:t>𝑡</m:t>
+                    </m:r>
+                    <m:r>
+                      <a:rPr lang="en-GB" sz="2000" i="1">
+                        <a:solidFill>
+                          <a:prstClr val="black"/>
+                        </a:solidFill>
+                        <a:latin typeface="Cambria Math" panose="02040503050406030204" pitchFamily="18" charset="0"/>
+                      </a:rPr>
+                      <m:t>)</m:t>
+                    </m:r>
+                  </m:oMath>
                 </a14:m>
                 <a:endParaRPr lang="en-GB" sz="2000" kern="1200" dirty="0">
                   <a:solidFill>
@@ -5034,7 +5023,7 @@
             </p:nvSpPr>
             <p:spPr>
               <a:xfrm>
-                <a:off x="8138641" y="2954679"/>
+                <a:off x="8445671" y="3161507"/>
                 <a:ext cx="1680271" cy="1001860"/>
               </a:xfrm>
               <a:custGeom>
@@ -5158,8 +5147,8 @@
           </p:sp>
         </mc:Fallback>
       </mc:AlternateContent>
-      <mc:AlternateContent xmlns:mc="http://schemas.openxmlformats.org/markup-compatibility/2006" xmlns:a14="http://schemas.microsoft.com/office/drawing/2010/main">
-        <mc:Choice Requires="a14">
+      <mc:AlternateContent xmlns:mc="http://schemas.openxmlformats.org/markup-compatibility/2006">
+        <mc:Choice xmlns:a14="http://schemas.microsoft.com/office/drawing/2010/main" Requires="a14">
           <p:sp>
             <p:nvSpPr>
               <p:cNvPr id="3" name="TextBox 2">
@@ -5174,8 +5163,8 @@
             </p:nvSpPr>
             <p:spPr>
               <a:xfrm>
-                <a:off x="2710542" y="2906486"/>
-                <a:ext cx="348343" cy="369332"/>
+                <a:off x="2472626" y="3153100"/>
+                <a:ext cx="348343" cy="307777"/>
               </a:xfrm>
               <a:prstGeom prst="rect">
                 <a:avLst/>
@@ -5195,66 +5184,85 @@
                       <m:jc m:val="centerGroup"/>
                     </m:oMathParaPr>
                     <m:oMath xmlns:m="http://schemas.openxmlformats.org/officeDocument/2006/math">
-                      <m:sSub>
-                        <m:sSubPr>
+                      <m:r>
+                        <a:rPr lang="en-GB" sz="1400" i="1" smtClean="0">
+                          <a:solidFill>
+                            <a:prstClr val="black"/>
+                          </a:solidFill>
+                          <a:latin typeface="Cambria Math" panose="02040503050406030204" pitchFamily="18" charset="0"/>
+                          <a:ea typeface="Cambria Math" panose="02040503050406030204" pitchFamily="18" charset="0"/>
+                        </a:rPr>
+                        <m:t>𝜆</m:t>
+                      </m:r>
+                      <m:d>
+                        <m:dPr>
                           <m:ctrlPr>
-                            <a:rPr lang="en-GB" i="1" smtClean="0">
-                              <a:latin typeface="Cambria Math" panose="02040503050406030204" pitchFamily="18" charset="0"/>
-                            </a:rPr>
-                          </m:ctrlPr>
-                        </m:sSubPr>
-                        <m:e>
-                          <m:r>
-                            <a:rPr lang="en-GB" i="1" smtClean="0">
+                            <a:rPr lang="en-GB" sz="1400" i="1" smtClean="0">
+                              <a:solidFill>
+                                <a:prstClr val="black"/>
+                              </a:solidFill>
                               <a:latin typeface="Cambria Math" panose="02040503050406030204" pitchFamily="18" charset="0"/>
                               <a:ea typeface="Cambria Math" panose="02040503050406030204" pitchFamily="18" charset="0"/>
                             </a:rPr>
-                            <m:t>𝜆</m:t>
-                          </m:r>
-                        </m:e>
-                        <m:sub>
+                          </m:ctrlPr>
+                        </m:dPr>
+                        <m:e>
                           <m:r>
-                            <a:rPr lang="en-GB" b="0" i="1" smtClean="0">
+                            <a:rPr lang="en-GB" sz="1400" i="1">
+                              <a:solidFill>
+                                <a:prstClr val="black"/>
+                              </a:solidFill>
                               <a:latin typeface="Cambria Math" panose="02040503050406030204" pitchFamily="18" charset="0"/>
                             </a:rPr>
                             <m:t>𝑡</m:t>
                           </m:r>
-                        </m:sub>
-                      </m:sSub>
-                      <m:sSub>
-                        <m:sSubPr>
-                          <m:ctrlPr>
-                            <a:rPr lang="en-GB" i="1" smtClean="0">
-                              <a:latin typeface="Cambria Math" panose="02040503050406030204" pitchFamily="18" charset="0"/>
-                            </a:rPr>
-                          </m:ctrlPr>
-                        </m:sSubPr>
-                        <m:e>
-                          <m:r>
-                            <a:rPr lang="en-GB" b="0" i="1" smtClean="0">
-                              <a:latin typeface="Cambria Math" panose="02040503050406030204" pitchFamily="18" charset="0"/>
-                            </a:rPr>
-                            <m:t>𝑆</m:t>
-                          </m:r>
                         </m:e>
-                        <m:sub>
-                          <m:r>
-                            <a:rPr lang="en-GB" b="0" i="1" smtClean="0">
-                              <a:latin typeface="Cambria Math" panose="02040503050406030204" pitchFamily="18" charset="0"/>
-                            </a:rPr>
-                            <m:t>𝑡</m:t>
-                          </m:r>
-                        </m:sub>
-                      </m:sSub>
+                      </m:d>
+                      <m:r>
+                        <a:rPr lang="en-GB" sz="1400" b="0" i="1" smtClean="0">
+                          <a:solidFill>
+                            <a:prstClr val="black"/>
+                          </a:solidFill>
+                          <a:latin typeface="Cambria Math" panose="02040503050406030204" pitchFamily="18" charset="0"/>
+                        </a:rPr>
+                        <m:t>𝑆</m:t>
+                      </m:r>
+                      <m:r>
+                        <a:rPr lang="en-GB" sz="1400" b="0" i="1" smtClean="0">
+                          <a:solidFill>
+                            <a:prstClr val="black"/>
+                          </a:solidFill>
+                          <a:latin typeface="Cambria Math" panose="02040503050406030204" pitchFamily="18" charset="0"/>
+                        </a:rPr>
+                        <m:t>(</m:t>
+                      </m:r>
+                      <m:r>
+                        <a:rPr lang="en-GB" sz="1400" b="0" i="1" smtClean="0">
+                          <a:solidFill>
+                            <a:prstClr val="black"/>
+                          </a:solidFill>
+                          <a:latin typeface="Cambria Math" panose="02040503050406030204" pitchFamily="18" charset="0"/>
+                        </a:rPr>
+                        <m:t>𝑡</m:t>
+                      </m:r>
+                      <m:r>
+                        <a:rPr lang="en-GB" sz="1400" b="0" i="1" smtClean="0">
+                          <a:solidFill>
+                            <a:prstClr val="black"/>
+                          </a:solidFill>
+                          <a:latin typeface="Cambria Math" panose="02040503050406030204" pitchFamily="18" charset="0"/>
+                        </a:rPr>
+                        <m:t>)</m:t>
+                      </m:r>
                     </m:oMath>
                   </m:oMathPara>
                 </a14:m>
-                <a:endParaRPr lang="en-GB" dirty="0"/>
+                <a:endParaRPr lang="en-GB" sz="1400" dirty="0"/>
               </a:p>
             </p:txBody>
           </p:sp>
         </mc:Choice>
-        <mc:Fallback xmlns="">
+        <mc:Fallback>
           <p:sp>
             <p:nvSpPr>
               <p:cNvPr id="3" name="TextBox 2">
@@ -5271,131 +5279,16 @@
             </p:nvSpPr>
             <p:spPr>
               <a:xfrm>
-                <a:off x="2710542" y="2906486"/>
-                <a:ext cx="348343" cy="369332"/>
+                <a:off x="2472626" y="3153100"/>
+                <a:ext cx="348343" cy="307777"/>
               </a:xfrm>
               <a:prstGeom prst="rect">
                 <a:avLst/>
               </a:prstGeom>
               <a:blipFill>
-                <a:blip r:embed="rId8"/>
+                <a:blip r:embed="rId6"/>
                 <a:stretch>
-                  <a:fillRect r="-48276"/>
-                </a:stretch>
-              </a:blipFill>
-            </p:spPr>
-            <p:txBody>
-              <a:bodyPr/>
-              <a:lstStyle/>
-              <a:p>
-                <a:r>
-                  <a:rPr lang="en-GB">
-                    <a:noFill/>
-                  </a:rPr>
-                  <a:t> </a:t>
-                </a:r>
-              </a:p>
-            </p:txBody>
-          </p:sp>
-        </mc:Fallback>
-      </mc:AlternateContent>
-      <mc:AlternateContent xmlns:mc="http://schemas.openxmlformats.org/markup-compatibility/2006" xmlns:a14="http://schemas.microsoft.com/office/drawing/2010/main">
-        <mc:Choice Requires="a14">
-          <p:sp>
-            <p:nvSpPr>
-              <p:cNvPr id="4" name="TextBox 3">
-                <a:extLst>
-                  <a:ext uri="{FF2B5EF4-FFF2-40B4-BE49-F238E27FC236}">
-                    <a16:creationId xmlns:a16="http://schemas.microsoft.com/office/drawing/2014/main" id="{FA6CB9A6-FB23-DA45-BA18-234D551FBB03}"/>
-                  </a:ext>
-                </a:extLst>
-              </p:cNvPr>
-              <p:cNvSpPr txBox="1"/>
-              <p:nvPr/>
-            </p:nvSpPr>
-            <p:spPr>
-              <a:xfrm>
-                <a:off x="5051878" y="2906486"/>
-                <a:ext cx="478972" cy="369332"/>
-              </a:xfrm>
-              <a:prstGeom prst="rect">
-                <a:avLst/>
-              </a:prstGeom>
-              <a:noFill/>
-            </p:spPr>
-            <p:txBody>
-              <a:bodyPr wrap="square" rtlCol="0">
-                <a:spAutoFit/>
-              </a:bodyPr>
-              <a:lstStyle/>
-              <a:p>
-                <a:pPr/>
-                <a14:m>
-                  <m:oMathPara xmlns:m="http://schemas.openxmlformats.org/officeDocument/2006/math">
-                    <m:oMathParaPr>
-                      <m:jc m:val="centerGroup"/>
-                    </m:oMathParaPr>
-                    <m:oMath xmlns:m="http://schemas.openxmlformats.org/officeDocument/2006/math">
-                      <m:sSub>
-                        <m:sSubPr>
-                          <m:ctrlPr>
-                            <a:rPr lang="en-GB" i="1" smtClean="0">
-                              <a:latin typeface="Cambria Math" panose="02040503050406030204" pitchFamily="18" charset="0"/>
-                            </a:rPr>
-                          </m:ctrlPr>
-                        </m:sSubPr>
-                        <m:e>
-                          <m:r>
-                            <a:rPr lang="en-GB" b="0" i="1" smtClean="0">
-                              <a:latin typeface="Cambria Math" panose="02040503050406030204" pitchFamily="18" charset="0"/>
-                            </a:rPr>
-                            <m:t>𝑓𝐸</m:t>
-                          </m:r>
-                        </m:e>
-                        <m:sub>
-                          <m:r>
-                            <a:rPr lang="en-GB" b="0" i="1" smtClean="0">
-                              <a:latin typeface="Cambria Math" panose="02040503050406030204" pitchFamily="18" charset="0"/>
-                            </a:rPr>
-                            <m:t>𝑡</m:t>
-                          </m:r>
-                        </m:sub>
-                      </m:sSub>
-                    </m:oMath>
-                  </m:oMathPara>
-                </a14:m>
-                <a:endParaRPr lang="en-GB" dirty="0"/>
-              </a:p>
-            </p:txBody>
-          </p:sp>
-        </mc:Choice>
-        <mc:Fallback xmlns="">
-          <p:sp>
-            <p:nvSpPr>
-              <p:cNvPr id="4" name="TextBox 3">
-                <a:extLst>
-                  <a:ext uri="{FF2B5EF4-FFF2-40B4-BE49-F238E27FC236}">
-                    <a16:creationId xmlns:a16="http://schemas.microsoft.com/office/drawing/2014/main" id="{FA6CB9A6-FB23-DA45-BA18-234D551FBB03}"/>
-                  </a:ext>
-                </a:extLst>
-              </p:cNvPr>
-              <p:cNvSpPr txBox="1">
-                <a:spLocks noRot="1" noChangeAspect="1" noMove="1" noResize="1" noEditPoints="1" noAdjustHandles="1" noChangeArrowheads="1" noChangeShapeType="1" noTextEdit="1"/>
-              </p:cNvSpPr>
-              <p:nvPr/>
-            </p:nvSpPr>
-            <p:spPr>
-              <a:xfrm>
-                <a:off x="5051878" y="2906486"/>
-                <a:ext cx="478972" cy="369332"/>
-              </a:xfrm>
-              <a:prstGeom prst="rect">
-                <a:avLst/>
-              </a:prstGeom>
-              <a:blipFill>
-                <a:blip r:embed="rId9"/>
-                <a:stretch>
-                  <a:fillRect l="-2564" b="-13333"/>
+                  <a:fillRect r="-128571" b="-3846"/>
                 </a:stretch>
               </a:blipFill>
             </p:spPr>
@@ -5430,8 +5323,8 @@
             </p:nvSpPr>
             <p:spPr>
               <a:xfrm>
-                <a:off x="7502523" y="2950030"/>
-                <a:ext cx="348343" cy="369332"/>
+                <a:off x="7657145" y="3189243"/>
+                <a:ext cx="348343" cy="307777"/>
               </a:xfrm>
               <a:prstGeom prst="rect">
                 <a:avLst/>
@@ -5452,40 +5345,33 @@
                     </m:oMathParaPr>
                     <m:oMath xmlns:m="http://schemas.openxmlformats.org/officeDocument/2006/math">
                       <m:r>
-                        <a:rPr lang="en-GB" b="0" i="1" smtClean="0">
+                        <a:rPr lang="en-GB" sz="1400" b="0" i="1" smtClean="0">
                           <a:latin typeface="Cambria Math" panose="02040503050406030204" pitchFamily="18" charset="0"/>
                         </a:rPr>
-                        <m:t>𝑟</m:t>
+                        <m:t>𝑟𝐼</m:t>
                       </m:r>
-                      <m:sSub>
-                        <m:sSubPr>
-                          <m:ctrlPr>
-                            <a:rPr lang="en-GB" i="1" smtClean="0">
-                              <a:latin typeface="Cambria Math" panose="02040503050406030204" pitchFamily="18" charset="0"/>
-                            </a:rPr>
-                          </m:ctrlPr>
-                        </m:sSubPr>
-                        <m:e>
-                          <m:r>
-                            <a:rPr lang="en-GB" b="0" i="1" smtClean="0">
-                              <a:latin typeface="Cambria Math" panose="02040503050406030204" pitchFamily="18" charset="0"/>
-                            </a:rPr>
-                            <m:t>𝐼</m:t>
-                          </m:r>
-                        </m:e>
-                        <m:sub>
-                          <m:r>
-                            <a:rPr lang="en-GB" b="0" i="1" smtClean="0">
-                              <a:latin typeface="Cambria Math" panose="02040503050406030204" pitchFamily="18" charset="0"/>
-                            </a:rPr>
-                            <m:t>𝑡</m:t>
-                          </m:r>
-                        </m:sub>
-                      </m:sSub>
+                      <m:r>
+                        <a:rPr lang="en-GB" sz="1400" b="0" i="1" smtClean="0">
+                          <a:latin typeface="Cambria Math" panose="02040503050406030204" pitchFamily="18" charset="0"/>
+                        </a:rPr>
+                        <m:t>(</m:t>
+                      </m:r>
+                      <m:r>
+                        <a:rPr lang="en-GB" sz="1400" b="0" i="1" smtClean="0">
+                          <a:latin typeface="Cambria Math" panose="02040503050406030204" pitchFamily="18" charset="0"/>
+                        </a:rPr>
+                        <m:t>𝑡</m:t>
+                      </m:r>
+                      <m:r>
+                        <a:rPr lang="en-GB" sz="1400" b="0" i="1" smtClean="0">
+                          <a:latin typeface="Cambria Math" panose="02040503050406030204" pitchFamily="18" charset="0"/>
+                        </a:rPr>
+                        <m:t>)</m:t>
+                      </m:r>
                     </m:oMath>
                   </m:oMathPara>
                 </a14:m>
-                <a:endParaRPr lang="en-GB" dirty="0"/>
+                <a:endParaRPr lang="en-GB" sz="1400" dirty="0"/>
               </a:p>
             </p:txBody>
           </p:sp>
@@ -5507,1994 +5393,16 @@
             </p:nvSpPr>
             <p:spPr>
               <a:xfrm>
-                <a:off x="7502523" y="2950030"/>
-                <a:ext cx="348343" cy="369332"/>
+                <a:off x="7657145" y="3189243"/>
+                <a:ext cx="348343" cy="307777"/>
               </a:xfrm>
               <a:prstGeom prst="rect">
                 <a:avLst/>
               </a:prstGeom>
               <a:blipFill>
-                <a:blip r:embed="rId10"/>
+                <a:blip r:embed="rId7"/>
                 <a:stretch>
-                  <a:fillRect r="-14286"/>
-                </a:stretch>
-              </a:blipFill>
-            </p:spPr>
-            <p:txBody>
-              <a:bodyPr/>
-              <a:lstStyle/>
-              <a:p>
-                <a:r>
-                  <a:rPr lang="en-GB">
-                    <a:noFill/>
-                  </a:rPr>
-                  <a:t> </a:t>
-                </a:r>
-              </a:p>
-            </p:txBody>
-          </p:sp>
-        </mc:Fallback>
-      </mc:AlternateContent>
-      <mc:AlternateContent xmlns:mc="http://schemas.openxmlformats.org/markup-compatibility/2006">
-        <mc:Choice xmlns:a14="http://schemas.microsoft.com/office/drawing/2010/main" Requires="a14">
-          <p:sp>
-            <p:nvSpPr>
-              <p:cNvPr id="15" name="Freeform 14">
-                <a:extLst>
-                  <a:ext uri="{FF2B5EF4-FFF2-40B4-BE49-F238E27FC236}">
-                    <a16:creationId xmlns:a16="http://schemas.microsoft.com/office/drawing/2014/main" id="{A19BC0EB-33E1-6F40-ADA6-D8A953434CD8}"/>
-                  </a:ext>
-                </a:extLst>
-              </p:cNvPr>
-              <p:cNvSpPr/>
-              <p:nvPr/>
-            </p:nvSpPr>
-            <p:spPr>
-              <a:xfrm>
-                <a:off x="5720458" y="1014251"/>
-                <a:ext cx="1669767" cy="1001860"/>
-              </a:xfrm>
-              <a:custGeom>
-                <a:avLst/>
-                <a:gdLst>
-                  <a:gd name="connsiteX0" fmla="*/ 0 w 1669767"/>
-                  <a:gd name="connsiteY0" fmla="*/ 100186 h 1001860"/>
-                  <a:gd name="connsiteX1" fmla="*/ 100186 w 1669767"/>
-                  <a:gd name="connsiteY1" fmla="*/ 0 h 1001860"/>
-                  <a:gd name="connsiteX2" fmla="*/ 1569581 w 1669767"/>
-                  <a:gd name="connsiteY2" fmla="*/ 0 h 1001860"/>
-                  <a:gd name="connsiteX3" fmla="*/ 1669767 w 1669767"/>
-                  <a:gd name="connsiteY3" fmla="*/ 100186 h 1001860"/>
-                  <a:gd name="connsiteX4" fmla="*/ 1669767 w 1669767"/>
-                  <a:gd name="connsiteY4" fmla="*/ 901674 h 1001860"/>
-                  <a:gd name="connsiteX5" fmla="*/ 1569581 w 1669767"/>
-                  <a:gd name="connsiteY5" fmla="*/ 1001860 h 1001860"/>
-                  <a:gd name="connsiteX6" fmla="*/ 100186 w 1669767"/>
-                  <a:gd name="connsiteY6" fmla="*/ 1001860 h 1001860"/>
-                  <a:gd name="connsiteX7" fmla="*/ 0 w 1669767"/>
-                  <a:gd name="connsiteY7" fmla="*/ 901674 h 1001860"/>
-                  <a:gd name="connsiteX8" fmla="*/ 0 w 1669767"/>
-                  <a:gd name="connsiteY8" fmla="*/ 100186 h 1001860"/>
-                </a:gdLst>
-                <a:ahLst/>
-                <a:cxnLst>
-                  <a:cxn ang="0">
-                    <a:pos x="connsiteX0" y="connsiteY0"/>
-                  </a:cxn>
-                  <a:cxn ang="0">
-                    <a:pos x="connsiteX1" y="connsiteY1"/>
-                  </a:cxn>
-                  <a:cxn ang="0">
-                    <a:pos x="connsiteX2" y="connsiteY2"/>
-                  </a:cxn>
-                  <a:cxn ang="0">
-                    <a:pos x="connsiteX3" y="connsiteY3"/>
-                  </a:cxn>
-                  <a:cxn ang="0">
-                    <a:pos x="connsiteX4" y="connsiteY4"/>
-                  </a:cxn>
-                  <a:cxn ang="0">
-                    <a:pos x="connsiteX5" y="connsiteY5"/>
-                  </a:cxn>
-                  <a:cxn ang="0">
-                    <a:pos x="connsiteX6" y="connsiteY6"/>
-                  </a:cxn>
-                  <a:cxn ang="0">
-                    <a:pos x="connsiteX7" y="connsiteY7"/>
-                  </a:cxn>
-                  <a:cxn ang="0">
-                    <a:pos x="connsiteX8" y="connsiteY8"/>
-                  </a:cxn>
-                </a:cxnLst>
-                <a:rect l="l" t="t" r="r" b="b"/>
-                <a:pathLst>
-                  <a:path w="1669767" h="1001860">
-                    <a:moveTo>
-                      <a:pt x="0" y="100186"/>
-                    </a:moveTo>
-                    <a:cubicBezTo>
-                      <a:pt x="0" y="44855"/>
-                      <a:pt x="44855" y="0"/>
-                      <a:pt x="100186" y="0"/>
-                    </a:cubicBezTo>
-                    <a:lnTo>
-                      <a:pt x="1569581" y="0"/>
-                    </a:lnTo>
-                    <a:cubicBezTo>
-                      <a:pt x="1624912" y="0"/>
-                      <a:pt x="1669767" y="44855"/>
-                      <a:pt x="1669767" y="100186"/>
-                    </a:cubicBezTo>
-                    <a:lnTo>
-                      <a:pt x="1669767" y="901674"/>
-                    </a:lnTo>
-                    <a:cubicBezTo>
-                      <a:pt x="1669767" y="957005"/>
-                      <a:pt x="1624912" y="1001860"/>
-                      <a:pt x="1569581" y="1001860"/>
-                    </a:cubicBezTo>
-                    <a:lnTo>
-                      <a:pt x="100186" y="1001860"/>
-                    </a:lnTo>
-                    <a:cubicBezTo>
-                      <a:pt x="44855" y="1001860"/>
-                      <a:pt x="0" y="957005"/>
-                      <a:pt x="0" y="901674"/>
-                    </a:cubicBezTo>
-                    <a:lnTo>
-                      <a:pt x="0" y="100186"/>
-                    </a:lnTo>
-                    <a:close/>
-                  </a:path>
-                </a:pathLst>
-              </a:custGeom>
-              <a:solidFill>
-                <a:prstClr val="white"/>
-              </a:solidFill>
-              <a:ln w="12700" cap="flat" cmpd="sng" algn="ctr">
-                <a:solidFill>
-                  <a:prstClr val="black"/>
-                </a:solidFill>
-                <a:prstDash val="solid"/>
-                <a:miter lim="800000"/>
-              </a:ln>
-              <a:effectLst/>
-            </p:spPr>
-            <p:style>
-              <a:lnRef idx="2">
-                <a:scrgbClr r="0" g="0" b="0"/>
-              </a:lnRef>
-              <a:fillRef idx="1">
-                <a:scrgbClr r="0" g="0" b="0"/>
-              </a:fillRef>
-              <a:effectRef idx="0">
-                <a:scrgbClr r="0" g="0" b="0"/>
-              </a:effectRef>
-              <a:fontRef idx="minor">
-                <a:schemeClr val="lt1"/>
-              </a:fontRef>
-            </p:style>
-            <p:txBody>
-              <a:bodyPr spcFirstLastPara="0" vert="horz" wrap="square" lIns="101733" tIns="101733" rIns="101733" bIns="101733" numCol="1" spcCol="1270" anchor="ctr" anchorCtr="0">
-                <a:noAutofit/>
-              </a:bodyPr>
-              <a:lstStyle/>
-              <a:p>
-                <a:pPr marL="0" lvl="0" indent="0" algn="ctr" defTabSz="844550">
-                  <a:lnSpc>
-                    <a:spcPct val="90000"/>
-                  </a:lnSpc>
-                  <a:spcBef>
-                    <a:spcPct val="0"/>
-                  </a:spcBef>
-                  <a:spcAft>
-                    <a:spcPct val="35000"/>
-                  </a:spcAft>
-                  <a:buNone/>
-                </a:pPr>
-                <a:r>
-                  <a:rPr lang="en-GB" sz="1900" kern="1200" dirty="0">
-                    <a:solidFill>
-                      <a:prstClr val="black"/>
-                    </a:solidFill>
-                    <a:latin typeface="Calibri" panose="020F0502020204030204"/>
-                    <a:ea typeface="+mn-ea"/>
-                    <a:cs typeface="+mn-cs"/>
-                  </a:rPr>
-                  <a:t>Hospitalised</a:t>
-                </a:r>
-              </a:p>
-              <a:p>
-                <a:pPr marL="0" lvl="0" indent="0" algn="ctr" defTabSz="844550">
-                  <a:lnSpc>
-                    <a:spcPct val="90000"/>
-                  </a:lnSpc>
-                  <a:spcBef>
-                    <a:spcPct val="0"/>
-                  </a:spcBef>
-                  <a:spcAft>
-                    <a:spcPct val="35000"/>
-                  </a:spcAft>
-                  <a:buNone/>
-                </a:pPr>
-                <a14:m>
-                  <m:oMathPara xmlns:m="http://schemas.openxmlformats.org/officeDocument/2006/math">
-                    <m:oMathParaPr>
-                      <m:jc m:val="centerGroup"/>
-                    </m:oMathParaPr>
-                    <m:oMath xmlns:m="http://schemas.openxmlformats.org/officeDocument/2006/math">
-                      <m:sSub>
-                        <m:sSubPr>
-                          <m:ctrlPr>
-                            <a:rPr lang="en-GB" sz="1900" i="1" kern="1200" smtClean="0">
-                              <a:solidFill>
-                                <a:prstClr val="black"/>
-                              </a:solidFill>
-                              <a:latin typeface="Cambria Math" panose="02040503050406030204" pitchFamily="18" charset="0"/>
-                              <a:ea typeface="+mn-ea"/>
-                              <a:cs typeface="+mn-cs"/>
-                            </a:rPr>
-                          </m:ctrlPr>
-                        </m:sSubPr>
-                        <m:e>
-                          <m:r>
-                            <a:rPr lang="en-GB" sz="1900" b="0" i="1" kern="1200" smtClean="0">
-                              <a:solidFill>
-                                <a:prstClr val="black"/>
-                              </a:solidFill>
-                              <a:latin typeface="Cambria Math" panose="02040503050406030204" pitchFamily="18" charset="0"/>
-                              <a:ea typeface="+mn-ea"/>
-                              <a:cs typeface="+mn-cs"/>
-                            </a:rPr>
-                            <m:t>𝐻</m:t>
-                          </m:r>
-                        </m:e>
-                        <m:sub>
-                          <m:r>
-                            <a:rPr lang="en-GB" sz="1900" b="0" i="1" kern="1200" smtClean="0">
-                              <a:solidFill>
-                                <a:prstClr val="black"/>
-                              </a:solidFill>
-                              <a:latin typeface="Cambria Math" panose="02040503050406030204" pitchFamily="18" charset="0"/>
-                              <a:ea typeface="+mn-ea"/>
-                              <a:cs typeface="+mn-cs"/>
-                            </a:rPr>
-                            <m:t>𝑡</m:t>
-                          </m:r>
-                        </m:sub>
-                      </m:sSub>
-                    </m:oMath>
-                  </m:oMathPara>
-                </a14:m>
-                <a:endParaRPr lang="en-GB" sz="1900" kern="1200" dirty="0">
-                  <a:solidFill>
-                    <a:prstClr val="black"/>
-                  </a:solidFill>
-                  <a:latin typeface="Calibri" panose="020F0502020204030204"/>
-                  <a:ea typeface="+mn-ea"/>
-                  <a:cs typeface="+mn-cs"/>
-                </a:endParaRPr>
-              </a:p>
-            </p:txBody>
-          </p:sp>
-        </mc:Choice>
-        <mc:Fallback>
-          <p:sp>
-            <p:nvSpPr>
-              <p:cNvPr id="15" name="Freeform 14">
-                <a:extLst>
-                  <a:ext uri="{FF2B5EF4-FFF2-40B4-BE49-F238E27FC236}">
-                    <a16:creationId xmlns:a16="http://schemas.microsoft.com/office/drawing/2014/main" id="{A19BC0EB-33E1-6F40-ADA6-D8A953434CD8}"/>
-                  </a:ext>
-                </a:extLst>
-              </p:cNvPr>
-              <p:cNvSpPr>
-                <a:spLocks noRot="1" noChangeAspect="1" noMove="1" noResize="1" noEditPoints="1" noAdjustHandles="1" noChangeArrowheads="1" noChangeShapeType="1" noTextEdit="1"/>
-              </p:cNvSpPr>
-              <p:nvPr/>
-            </p:nvSpPr>
-            <p:spPr>
-              <a:xfrm>
-                <a:off x="5720458" y="1014251"/>
-                <a:ext cx="1669767" cy="1001860"/>
-              </a:xfrm>
-              <a:custGeom>
-                <a:avLst/>
-                <a:gdLst>
-                  <a:gd name="connsiteX0" fmla="*/ 0 w 1669767"/>
-                  <a:gd name="connsiteY0" fmla="*/ 100186 h 1001860"/>
-                  <a:gd name="connsiteX1" fmla="*/ 100186 w 1669767"/>
-                  <a:gd name="connsiteY1" fmla="*/ 0 h 1001860"/>
-                  <a:gd name="connsiteX2" fmla="*/ 1569581 w 1669767"/>
-                  <a:gd name="connsiteY2" fmla="*/ 0 h 1001860"/>
-                  <a:gd name="connsiteX3" fmla="*/ 1669767 w 1669767"/>
-                  <a:gd name="connsiteY3" fmla="*/ 100186 h 1001860"/>
-                  <a:gd name="connsiteX4" fmla="*/ 1669767 w 1669767"/>
-                  <a:gd name="connsiteY4" fmla="*/ 901674 h 1001860"/>
-                  <a:gd name="connsiteX5" fmla="*/ 1569581 w 1669767"/>
-                  <a:gd name="connsiteY5" fmla="*/ 1001860 h 1001860"/>
-                  <a:gd name="connsiteX6" fmla="*/ 100186 w 1669767"/>
-                  <a:gd name="connsiteY6" fmla="*/ 1001860 h 1001860"/>
-                  <a:gd name="connsiteX7" fmla="*/ 0 w 1669767"/>
-                  <a:gd name="connsiteY7" fmla="*/ 901674 h 1001860"/>
-                  <a:gd name="connsiteX8" fmla="*/ 0 w 1669767"/>
-                  <a:gd name="connsiteY8" fmla="*/ 100186 h 1001860"/>
-                </a:gdLst>
-                <a:ahLst/>
-                <a:cxnLst>
-                  <a:cxn ang="0">
-                    <a:pos x="connsiteX0" y="connsiteY0"/>
-                  </a:cxn>
-                  <a:cxn ang="0">
-                    <a:pos x="connsiteX1" y="connsiteY1"/>
-                  </a:cxn>
-                  <a:cxn ang="0">
-                    <a:pos x="connsiteX2" y="connsiteY2"/>
-                  </a:cxn>
-                  <a:cxn ang="0">
-                    <a:pos x="connsiteX3" y="connsiteY3"/>
-                  </a:cxn>
-                  <a:cxn ang="0">
-                    <a:pos x="connsiteX4" y="connsiteY4"/>
-                  </a:cxn>
-                  <a:cxn ang="0">
-                    <a:pos x="connsiteX5" y="connsiteY5"/>
-                  </a:cxn>
-                  <a:cxn ang="0">
-                    <a:pos x="connsiteX6" y="connsiteY6"/>
-                  </a:cxn>
-                  <a:cxn ang="0">
-                    <a:pos x="connsiteX7" y="connsiteY7"/>
-                  </a:cxn>
-                  <a:cxn ang="0">
-                    <a:pos x="connsiteX8" y="connsiteY8"/>
-                  </a:cxn>
-                </a:cxnLst>
-                <a:rect l="l" t="t" r="r" b="b"/>
-                <a:pathLst>
-                  <a:path w="1669767" h="1001860">
-                    <a:moveTo>
-                      <a:pt x="0" y="100186"/>
-                    </a:moveTo>
-                    <a:cubicBezTo>
-                      <a:pt x="0" y="44855"/>
-                      <a:pt x="44855" y="0"/>
-                      <a:pt x="100186" y="0"/>
-                    </a:cubicBezTo>
-                    <a:lnTo>
-                      <a:pt x="1569581" y="0"/>
-                    </a:lnTo>
-                    <a:cubicBezTo>
-                      <a:pt x="1624912" y="0"/>
-                      <a:pt x="1669767" y="44855"/>
-                      <a:pt x="1669767" y="100186"/>
-                    </a:cubicBezTo>
-                    <a:lnTo>
-                      <a:pt x="1669767" y="901674"/>
-                    </a:lnTo>
-                    <a:cubicBezTo>
-                      <a:pt x="1669767" y="957005"/>
-                      <a:pt x="1624912" y="1001860"/>
-                      <a:pt x="1569581" y="1001860"/>
-                    </a:cubicBezTo>
-                    <a:lnTo>
-                      <a:pt x="100186" y="1001860"/>
-                    </a:lnTo>
-                    <a:cubicBezTo>
-                      <a:pt x="44855" y="1001860"/>
-                      <a:pt x="0" y="957005"/>
-                      <a:pt x="0" y="901674"/>
-                    </a:cubicBezTo>
-                    <a:lnTo>
-                      <a:pt x="0" y="100186"/>
-                    </a:lnTo>
-                    <a:close/>
-                  </a:path>
-                </a:pathLst>
-              </a:custGeom>
-              <a:blipFill>
-                <a:blip r:embed="rId11"/>
-                <a:stretch>
-                  <a:fillRect/>
-                </a:stretch>
-              </a:blipFill>
-              <a:ln w="12700" cap="flat" cmpd="sng" algn="ctr">
-                <a:solidFill>
-                  <a:prstClr val="black"/>
-                </a:solidFill>
-                <a:prstDash val="solid"/>
-                <a:miter lim="800000"/>
-              </a:ln>
-              <a:effectLst/>
-            </p:spPr>
-            <p:txBody>
-              <a:bodyPr/>
-              <a:lstStyle/>
-              <a:p>
-                <a:r>
-                  <a:rPr lang="en-GB">
-                    <a:noFill/>
-                  </a:rPr>
-                  <a:t> </a:t>
-                </a:r>
-              </a:p>
-            </p:txBody>
-          </p:sp>
-        </mc:Fallback>
-      </mc:AlternateContent>
-      <mc:AlternateContent xmlns:mc="http://schemas.openxmlformats.org/markup-compatibility/2006">
-        <mc:Choice xmlns:a14="http://schemas.microsoft.com/office/drawing/2010/main" Requires="a14">
-          <p:sp>
-            <p:nvSpPr>
-              <p:cNvPr id="16" name="Freeform 15">
-                <a:extLst>
-                  <a:ext uri="{FF2B5EF4-FFF2-40B4-BE49-F238E27FC236}">
-                    <a16:creationId xmlns:a16="http://schemas.microsoft.com/office/drawing/2014/main" id="{531B13C4-338D-F144-AAAB-0C41DB390A8A}"/>
-                  </a:ext>
-                </a:extLst>
-              </p:cNvPr>
-              <p:cNvSpPr/>
-              <p:nvPr/>
-            </p:nvSpPr>
-            <p:spPr>
-              <a:xfrm>
-                <a:off x="8143892" y="1014510"/>
-                <a:ext cx="1669767" cy="1001860"/>
-              </a:xfrm>
-              <a:custGeom>
-                <a:avLst/>
-                <a:gdLst>
-                  <a:gd name="connsiteX0" fmla="*/ 0 w 1669767"/>
-                  <a:gd name="connsiteY0" fmla="*/ 100186 h 1001860"/>
-                  <a:gd name="connsiteX1" fmla="*/ 100186 w 1669767"/>
-                  <a:gd name="connsiteY1" fmla="*/ 0 h 1001860"/>
-                  <a:gd name="connsiteX2" fmla="*/ 1569581 w 1669767"/>
-                  <a:gd name="connsiteY2" fmla="*/ 0 h 1001860"/>
-                  <a:gd name="connsiteX3" fmla="*/ 1669767 w 1669767"/>
-                  <a:gd name="connsiteY3" fmla="*/ 100186 h 1001860"/>
-                  <a:gd name="connsiteX4" fmla="*/ 1669767 w 1669767"/>
-                  <a:gd name="connsiteY4" fmla="*/ 901674 h 1001860"/>
-                  <a:gd name="connsiteX5" fmla="*/ 1569581 w 1669767"/>
-                  <a:gd name="connsiteY5" fmla="*/ 1001860 h 1001860"/>
-                  <a:gd name="connsiteX6" fmla="*/ 100186 w 1669767"/>
-                  <a:gd name="connsiteY6" fmla="*/ 1001860 h 1001860"/>
-                  <a:gd name="connsiteX7" fmla="*/ 0 w 1669767"/>
-                  <a:gd name="connsiteY7" fmla="*/ 901674 h 1001860"/>
-                  <a:gd name="connsiteX8" fmla="*/ 0 w 1669767"/>
-                  <a:gd name="connsiteY8" fmla="*/ 100186 h 1001860"/>
-                </a:gdLst>
-                <a:ahLst/>
-                <a:cxnLst>
-                  <a:cxn ang="0">
-                    <a:pos x="connsiteX0" y="connsiteY0"/>
-                  </a:cxn>
-                  <a:cxn ang="0">
-                    <a:pos x="connsiteX1" y="connsiteY1"/>
-                  </a:cxn>
-                  <a:cxn ang="0">
-                    <a:pos x="connsiteX2" y="connsiteY2"/>
-                  </a:cxn>
-                  <a:cxn ang="0">
-                    <a:pos x="connsiteX3" y="connsiteY3"/>
-                  </a:cxn>
-                  <a:cxn ang="0">
-                    <a:pos x="connsiteX4" y="connsiteY4"/>
-                  </a:cxn>
-                  <a:cxn ang="0">
-                    <a:pos x="connsiteX5" y="connsiteY5"/>
-                  </a:cxn>
-                  <a:cxn ang="0">
-                    <a:pos x="connsiteX6" y="connsiteY6"/>
-                  </a:cxn>
-                  <a:cxn ang="0">
-                    <a:pos x="connsiteX7" y="connsiteY7"/>
-                  </a:cxn>
-                  <a:cxn ang="0">
-                    <a:pos x="connsiteX8" y="connsiteY8"/>
-                  </a:cxn>
-                </a:cxnLst>
-                <a:rect l="l" t="t" r="r" b="b"/>
-                <a:pathLst>
-                  <a:path w="1669767" h="1001860">
-                    <a:moveTo>
-                      <a:pt x="0" y="100186"/>
-                    </a:moveTo>
-                    <a:cubicBezTo>
-                      <a:pt x="0" y="44855"/>
-                      <a:pt x="44855" y="0"/>
-                      <a:pt x="100186" y="0"/>
-                    </a:cubicBezTo>
-                    <a:lnTo>
-                      <a:pt x="1569581" y="0"/>
-                    </a:lnTo>
-                    <a:cubicBezTo>
-                      <a:pt x="1624912" y="0"/>
-                      <a:pt x="1669767" y="44855"/>
-                      <a:pt x="1669767" y="100186"/>
-                    </a:cubicBezTo>
-                    <a:lnTo>
-                      <a:pt x="1669767" y="901674"/>
-                    </a:lnTo>
-                    <a:cubicBezTo>
-                      <a:pt x="1669767" y="957005"/>
-                      <a:pt x="1624912" y="1001860"/>
-                      <a:pt x="1569581" y="1001860"/>
-                    </a:cubicBezTo>
-                    <a:lnTo>
-                      <a:pt x="100186" y="1001860"/>
-                    </a:lnTo>
-                    <a:cubicBezTo>
-                      <a:pt x="44855" y="1001860"/>
-                      <a:pt x="0" y="957005"/>
-                      <a:pt x="0" y="901674"/>
-                    </a:cubicBezTo>
-                    <a:lnTo>
-                      <a:pt x="0" y="100186"/>
-                    </a:lnTo>
-                    <a:close/>
-                  </a:path>
-                </a:pathLst>
-              </a:custGeom>
-              <a:solidFill>
-                <a:prstClr val="white"/>
-              </a:solidFill>
-              <a:ln w="12700" cap="flat" cmpd="sng" algn="ctr">
-                <a:solidFill>
-                  <a:prstClr val="black"/>
-                </a:solidFill>
-                <a:prstDash val="solid"/>
-                <a:miter lim="800000"/>
-              </a:ln>
-              <a:effectLst/>
-            </p:spPr>
-            <p:style>
-              <a:lnRef idx="2">
-                <a:scrgbClr r="0" g="0" b="0"/>
-              </a:lnRef>
-              <a:fillRef idx="1">
-                <a:scrgbClr r="0" g="0" b="0"/>
-              </a:fillRef>
-              <a:effectRef idx="0">
-                <a:scrgbClr r="0" g="0" b="0"/>
-              </a:effectRef>
-              <a:fontRef idx="minor">
-                <a:schemeClr val="lt1"/>
-              </a:fontRef>
-            </p:style>
-            <p:txBody>
-              <a:bodyPr spcFirstLastPara="0" vert="horz" wrap="square" lIns="101733" tIns="101733" rIns="101733" bIns="101733" numCol="1" spcCol="1270" anchor="ctr" anchorCtr="0">
-                <a:noAutofit/>
-              </a:bodyPr>
-              <a:lstStyle/>
-              <a:p>
-                <a:pPr marL="0" lvl="0" indent="0" algn="ctr" defTabSz="844550">
-                  <a:lnSpc>
-                    <a:spcPct val="90000"/>
-                  </a:lnSpc>
-                  <a:spcBef>
-                    <a:spcPct val="0"/>
-                  </a:spcBef>
-                  <a:spcAft>
-                    <a:spcPct val="35000"/>
-                  </a:spcAft>
-                  <a:buNone/>
-                </a:pPr>
-                <a:r>
-                  <a:rPr lang="en-GB" sz="1900" dirty="0">
-                    <a:solidFill>
-                      <a:prstClr val="black"/>
-                    </a:solidFill>
-                    <a:latin typeface="Calibri" panose="020F0502020204030204"/>
-                  </a:rPr>
-                  <a:t>Critical C</a:t>
-                </a:r>
-                <a:r>
-                  <a:rPr lang="en-GB" sz="1900" kern="1200" dirty="0">
-                    <a:solidFill>
-                      <a:prstClr val="black"/>
-                    </a:solidFill>
-                    <a:latin typeface="Calibri" panose="020F0502020204030204"/>
-                    <a:ea typeface="+mn-ea"/>
-                    <a:cs typeface="+mn-cs"/>
-                  </a:rPr>
-                  <a:t>are</a:t>
-                </a:r>
-              </a:p>
-              <a:p>
-                <a:pPr marL="0" lvl="0" indent="0" algn="ctr" defTabSz="844550">
-                  <a:lnSpc>
-                    <a:spcPct val="90000"/>
-                  </a:lnSpc>
-                  <a:spcBef>
-                    <a:spcPct val="0"/>
-                  </a:spcBef>
-                  <a:spcAft>
-                    <a:spcPct val="35000"/>
-                  </a:spcAft>
-                  <a:buNone/>
-                </a:pPr>
-                <a14:m>
-                  <m:oMathPara xmlns:m="http://schemas.openxmlformats.org/officeDocument/2006/math">
-                    <m:oMathParaPr>
-                      <m:jc m:val="centerGroup"/>
-                    </m:oMathParaPr>
-                    <m:oMath xmlns:m="http://schemas.openxmlformats.org/officeDocument/2006/math">
-                      <m:sSub>
-                        <m:sSubPr>
-                          <m:ctrlPr>
-                            <a:rPr lang="en-GB" sz="1900" i="1" kern="1200" smtClean="0">
-                              <a:solidFill>
-                                <a:prstClr val="black"/>
-                              </a:solidFill>
-                              <a:latin typeface="Cambria Math" panose="02040503050406030204" pitchFamily="18" charset="0"/>
-                              <a:ea typeface="+mn-ea"/>
-                              <a:cs typeface="+mn-cs"/>
-                            </a:rPr>
-                          </m:ctrlPr>
-                        </m:sSubPr>
-                        <m:e>
-                          <m:r>
-                            <a:rPr lang="en-GB" sz="1900" b="0" i="1" kern="1200" smtClean="0">
-                              <a:solidFill>
-                                <a:prstClr val="black"/>
-                              </a:solidFill>
-                              <a:latin typeface="Cambria Math" panose="02040503050406030204" pitchFamily="18" charset="0"/>
-                              <a:ea typeface="+mn-ea"/>
-                              <a:cs typeface="+mn-cs"/>
-                            </a:rPr>
-                            <m:t>𝐶</m:t>
-                          </m:r>
-                        </m:e>
-                        <m:sub>
-                          <m:r>
-                            <a:rPr lang="en-GB" sz="1900" b="0" i="1" kern="1200" smtClean="0">
-                              <a:solidFill>
-                                <a:prstClr val="black"/>
-                              </a:solidFill>
-                              <a:latin typeface="Cambria Math" panose="02040503050406030204" pitchFamily="18" charset="0"/>
-                              <a:ea typeface="+mn-ea"/>
-                              <a:cs typeface="+mn-cs"/>
-                            </a:rPr>
-                            <m:t>𝑡</m:t>
-                          </m:r>
-                        </m:sub>
-                      </m:sSub>
-                    </m:oMath>
-                  </m:oMathPara>
-                </a14:m>
-                <a:endParaRPr lang="en-GB" sz="1900" kern="1200" dirty="0">
-                  <a:solidFill>
-                    <a:prstClr val="black"/>
-                  </a:solidFill>
-                  <a:latin typeface="Calibri" panose="020F0502020204030204"/>
-                  <a:ea typeface="+mn-ea"/>
-                  <a:cs typeface="+mn-cs"/>
-                </a:endParaRPr>
-              </a:p>
-            </p:txBody>
-          </p:sp>
-        </mc:Choice>
-        <mc:Fallback>
-          <p:sp>
-            <p:nvSpPr>
-              <p:cNvPr id="16" name="Freeform 15">
-                <a:extLst>
-                  <a:ext uri="{FF2B5EF4-FFF2-40B4-BE49-F238E27FC236}">
-                    <a16:creationId xmlns:a16="http://schemas.microsoft.com/office/drawing/2014/main" id="{531B13C4-338D-F144-AAAB-0C41DB390A8A}"/>
-                  </a:ext>
-                </a:extLst>
-              </p:cNvPr>
-              <p:cNvSpPr>
-                <a:spLocks noRot="1" noChangeAspect="1" noMove="1" noResize="1" noEditPoints="1" noAdjustHandles="1" noChangeArrowheads="1" noChangeShapeType="1" noTextEdit="1"/>
-              </p:cNvSpPr>
-              <p:nvPr/>
-            </p:nvSpPr>
-            <p:spPr>
-              <a:xfrm>
-                <a:off x="8143892" y="1014510"/>
-                <a:ext cx="1669767" cy="1001860"/>
-              </a:xfrm>
-              <a:custGeom>
-                <a:avLst/>
-                <a:gdLst>
-                  <a:gd name="connsiteX0" fmla="*/ 0 w 1669767"/>
-                  <a:gd name="connsiteY0" fmla="*/ 100186 h 1001860"/>
-                  <a:gd name="connsiteX1" fmla="*/ 100186 w 1669767"/>
-                  <a:gd name="connsiteY1" fmla="*/ 0 h 1001860"/>
-                  <a:gd name="connsiteX2" fmla="*/ 1569581 w 1669767"/>
-                  <a:gd name="connsiteY2" fmla="*/ 0 h 1001860"/>
-                  <a:gd name="connsiteX3" fmla="*/ 1669767 w 1669767"/>
-                  <a:gd name="connsiteY3" fmla="*/ 100186 h 1001860"/>
-                  <a:gd name="connsiteX4" fmla="*/ 1669767 w 1669767"/>
-                  <a:gd name="connsiteY4" fmla="*/ 901674 h 1001860"/>
-                  <a:gd name="connsiteX5" fmla="*/ 1569581 w 1669767"/>
-                  <a:gd name="connsiteY5" fmla="*/ 1001860 h 1001860"/>
-                  <a:gd name="connsiteX6" fmla="*/ 100186 w 1669767"/>
-                  <a:gd name="connsiteY6" fmla="*/ 1001860 h 1001860"/>
-                  <a:gd name="connsiteX7" fmla="*/ 0 w 1669767"/>
-                  <a:gd name="connsiteY7" fmla="*/ 901674 h 1001860"/>
-                  <a:gd name="connsiteX8" fmla="*/ 0 w 1669767"/>
-                  <a:gd name="connsiteY8" fmla="*/ 100186 h 1001860"/>
-                </a:gdLst>
-                <a:ahLst/>
-                <a:cxnLst>
-                  <a:cxn ang="0">
-                    <a:pos x="connsiteX0" y="connsiteY0"/>
-                  </a:cxn>
-                  <a:cxn ang="0">
-                    <a:pos x="connsiteX1" y="connsiteY1"/>
-                  </a:cxn>
-                  <a:cxn ang="0">
-                    <a:pos x="connsiteX2" y="connsiteY2"/>
-                  </a:cxn>
-                  <a:cxn ang="0">
-                    <a:pos x="connsiteX3" y="connsiteY3"/>
-                  </a:cxn>
-                  <a:cxn ang="0">
-                    <a:pos x="connsiteX4" y="connsiteY4"/>
-                  </a:cxn>
-                  <a:cxn ang="0">
-                    <a:pos x="connsiteX5" y="connsiteY5"/>
-                  </a:cxn>
-                  <a:cxn ang="0">
-                    <a:pos x="connsiteX6" y="connsiteY6"/>
-                  </a:cxn>
-                  <a:cxn ang="0">
-                    <a:pos x="connsiteX7" y="connsiteY7"/>
-                  </a:cxn>
-                  <a:cxn ang="0">
-                    <a:pos x="connsiteX8" y="connsiteY8"/>
-                  </a:cxn>
-                </a:cxnLst>
-                <a:rect l="l" t="t" r="r" b="b"/>
-                <a:pathLst>
-                  <a:path w="1669767" h="1001860">
-                    <a:moveTo>
-                      <a:pt x="0" y="100186"/>
-                    </a:moveTo>
-                    <a:cubicBezTo>
-                      <a:pt x="0" y="44855"/>
-                      <a:pt x="44855" y="0"/>
-                      <a:pt x="100186" y="0"/>
-                    </a:cubicBezTo>
-                    <a:lnTo>
-                      <a:pt x="1569581" y="0"/>
-                    </a:lnTo>
-                    <a:cubicBezTo>
-                      <a:pt x="1624912" y="0"/>
-                      <a:pt x="1669767" y="44855"/>
-                      <a:pt x="1669767" y="100186"/>
-                    </a:cubicBezTo>
-                    <a:lnTo>
-                      <a:pt x="1669767" y="901674"/>
-                    </a:lnTo>
-                    <a:cubicBezTo>
-                      <a:pt x="1669767" y="957005"/>
-                      <a:pt x="1624912" y="1001860"/>
-                      <a:pt x="1569581" y="1001860"/>
-                    </a:cubicBezTo>
-                    <a:lnTo>
-                      <a:pt x="100186" y="1001860"/>
-                    </a:lnTo>
-                    <a:cubicBezTo>
-                      <a:pt x="44855" y="1001860"/>
-                      <a:pt x="0" y="957005"/>
-                      <a:pt x="0" y="901674"/>
-                    </a:cubicBezTo>
-                    <a:lnTo>
-                      <a:pt x="0" y="100186"/>
-                    </a:lnTo>
-                    <a:close/>
-                  </a:path>
-                </a:pathLst>
-              </a:custGeom>
-              <a:blipFill>
-                <a:blip r:embed="rId12"/>
-                <a:stretch>
-                  <a:fillRect/>
-                </a:stretch>
-              </a:blipFill>
-              <a:ln w="12700" cap="flat" cmpd="sng" algn="ctr">
-                <a:solidFill>
-                  <a:prstClr val="black"/>
-                </a:solidFill>
-                <a:prstDash val="solid"/>
-                <a:miter lim="800000"/>
-              </a:ln>
-              <a:effectLst/>
-            </p:spPr>
-            <p:txBody>
-              <a:bodyPr/>
-              <a:lstStyle/>
-              <a:p>
-                <a:r>
-                  <a:rPr lang="en-GB">
-                    <a:noFill/>
-                  </a:rPr>
-                  <a:t> </a:t>
-                </a:r>
-              </a:p>
-            </p:txBody>
-          </p:sp>
-        </mc:Fallback>
-      </mc:AlternateContent>
-      <p:sp>
-        <p:nvSpPr>
-          <p:cNvPr id="17" name="Freeform 16">
-            <a:extLst>
-              <a:ext uri="{FF2B5EF4-FFF2-40B4-BE49-F238E27FC236}">
-                <a16:creationId xmlns:a16="http://schemas.microsoft.com/office/drawing/2014/main" id="{F59BE0F4-4211-4947-9EAB-C3AEDCC10F18}"/>
-              </a:ext>
-            </a:extLst>
-          </p:cNvPr>
-          <p:cNvSpPr/>
-          <p:nvPr/>
-        </p:nvSpPr>
-        <p:spPr>
-          <a:xfrm rot="5400000">
-            <a:off x="1497094" y="4173846"/>
-            <a:ext cx="605497" cy="414102"/>
-          </a:xfrm>
-          <a:custGeom>
-            <a:avLst/>
-            <a:gdLst>
-              <a:gd name="connsiteX0" fmla="*/ 0 w 605497"/>
-              <a:gd name="connsiteY0" fmla="*/ 82820 h 414102"/>
-              <a:gd name="connsiteX1" fmla="*/ 398446 w 605497"/>
-              <a:gd name="connsiteY1" fmla="*/ 82820 h 414102"/>
-              <a:gd name="connsiteX2" fmla="*/ 398446 w 605497"/>
-              <a:gd name="connsiteY2" fmla="*/ 0 h 414102"/>
-              <a:gd name="connsiteX3" fmla="*/ 605497 w 605497"/>
-              <a:gd name="connsiteY3" fmla="*/ 207051 h 414102"/>
-              <a:gd name="connsiteX4" fmla="*/ 398446 w 605497"/>
-              <a:gd name="connsiteY4" fmla="*/ 414102 h 414102"/>
-              <a:gd name="connsiteX5" fmla="*/ 398446 w 605497"/>
-              <a:gd name="connsiteY5" fmla="*/ 331282 h 414102"/>
-              <a:gd name="connsiteX6" fmla="*/ 0 w 605497"/>
-              <a:gd name="connsiteY6" fmla="*/ 331282 h 414102"/>
-              <a:gd name="connsiteX7" fmla="*/ 0 w 605497"/>
-              <a:gd name="connsiteY7" fmla="*/ 82820 h 414102"/>
-            </a:gdLst>
-            <a:ahLst/>
-            <a:cxnLst>
-              <a:cxn ang="0">
-                <a:pos x="connsiteX0" y="connsiteY0"/>
-              </a:cxn>
-              <a:cxn ang="0">
-                <a:pos x="connsiteX1" y="connsiteY1"/>
-              </a:cxn>
-              <a:cxn ang="0">
-                <a:pos x="connsiteX2" y="connsiteY2"/>
-              </a:cxn>
-              <a:cxn ang="0">
-                <a:pos x="connsiteX3" y="connsiteY3"/>
-              </a:cxn>
-              <a:cxn ang="0">
-                <a:pos x="connsiteX4" y="connsiteY4"/>
-              </a:cxn>
-              <a:cxn ang="0">
-                <a:pos x="connsiteX5" y="connsiteY5"/>
-              </a:cxn>
-              <a:cxn ang="0">
-                <a:pos x="connsiteX6" y="connsiteY6"/>
-              </a:cxn>
-              <a:cxn ang="0">
-                <a:pos x="connsiteX7" y="connsiteY7"/>
-              </a:cxn>
-            </a:cxnLst>
-            <a:rect l="l" t="t" r="r" b="b"/>
-            <a:pathLst>
-              <a:path w="605497" h="414102">
-                <a:moveTo>
-                  <a:pt x="0" y="82820"/>
-                </a:moveTo>
-                <a:lnTo>
-                  <a:pt x="398446" y="82820"/>
-                </a:lnTo>
-                <a:lnTo>
-                  <a:pt x="398446" y="0"/>
-                </a:lnTo>
-                <a:lnTo>
-                  <a:pt x="605497" y="207051"/>
-                </a:lnTo>
-                <a:lnTo>
-                  <a:pt x="398446" y="414102"/>
-                </a:lnTo>
-                <a:lnTo>
-                  <a:pt x="398446" y="331282"/>
-                </a:lnTo>
-                <a:lnTo>
-                  <a:pt x="0" y="331282"/>
-                </a:lnTo>
-                <a:lnTo>
-                  <a:pt x="0" y="82820"/>
-                </a:lnTo>
-                <a:close/>
-              </a:path>
-            </a:pathLst>
-          </a:custGeom>
-          <a:solidFill>
-            <a:prstClr val="black"/>
-          </a:solidFill>
-          <a:ln>
-            <a:solidFill>
-              <a:prstClr val="black"/>
-            </a:solidFill>
-          </a:ln>
-          <a:effectLst/>
-        </p:spPr>
-        <p:style>
-          <a:lnRef idx="0">
-            <a:scrgbClr r="0" g="0" b="0"/>
-          </a:lnRef>
-          <a:fillRef idx="1">
-            <a:scrgbClr r="0" g="0" b="0"/>
-          </a:fillRef>
-          <a:effectRef idx="0">
-            <a:scrgbClr r="0" g="0" b="0"/>
-          </a:effectRef>
-          <a:fontRef idx="minor">
-            <a:schemeClr val="lt1"/>
-          </a:fontRef>
-        </p:style>
-        <p:txBody>
-          <a:bodyPr spcFirstLastPara="0" vert="horz" wrap="square" lIns="0" tIns="82820" rIns="124231" bIns="82820" numCol="1" spcCol="1270" anchor="ctr" anchorCtr="0">
-            <a:noAutofit/>
-          </a:bodyPr>
-          <a:lstStyle/>
-          <a:p>
-            <a:pPr marL="0" lvl="0" indent="0" algn="ctr" defTabSz="711200" rtl="0">
-              <a:lnSpc>
-                <a:spcPct val="90000"/>
-              </a:lnSpc>
-              <a:spcBef>
-                <a:spcPct val="0"/>
-              </a:spcBef>
-              <a:spcAft>
-                <a:spcPct val="35000"/>
-              </a:spcAft>
-              <a:buNone/>
-            </a:pPr>
-            <a:endParaRPr lang="en-GB" sz="1600" kern="1200">
-              <a:solidFill>
-                <a:prstClr val="white"/>
-              </a:solidFill>
-              <a:latin typeface="Calibri" panose="020F0502020204030204"/>
-              <a:ea typeface="+mn-ea"/>
-              <a:cs typeface="+mn-cs"/>
-            </a:endParaRPr>
-          </a:p>
-        </p:txBody>
-      </p:sp>
-      <p:sp>
-        <p:nvSpPr>
-          <p:cNvPr id="18" name="Freeform 17">
-            <a:extLst>
-              <a:ext uri="{FF2B5EF4-FFF2-40B4-BE49-F238E27FC236}">
-                <a16:creationId xmlns:a16="http://schemas.microsoft.com/office/drawing/2014/main" id="{A59BA065-35B2-8F47-90EC-5C9F219CCED1}"/>
-              </a:ext>
-            </a:extLst>
-          </p:cNvPr>
-          <p:cNvSpPr/>
-          <p:nvPr/>
-        </p:nvSpPr>
-        <p:spPr>
-          <a:xfrm rot="5400000">
-            <a:off x="3875114" y="4173846"/>
-            <a:ext cx="605497" cy="414102"/>
-          </a:xfrm>
-          <a:custGeom>
-            <a:avLst/>
-            <a:gdLst>
-              <a:gd name="connsiteX0" fmla="*/ 0 w 605497"/>
-              <a:gd name="connsiteY0" fmla="*/ 82820 h 414102"/>
-              <a:gd name="connsiteX1" fmla="*/ 398446 w 605497"/>
-              <a:gd name="connsiteY1" fmla="*/ 82820 h 414102"/>
-              <a:gd name="connsiteX2" fmla="*/ 398446 w 605497"/>
-              <a:gd name="connsiteY2" fmla="*/ 0 h 414102"/>
-              <a:gd name="connsiteX3" fmla="*/ 605497 w 605497"/>
-              <a:gd name="connsiteY3" fmla="*/ 207051 h 414102"/>
-              <a:gd name="connsiteX4" fmla="*/ 398446 w 605497"/>
-              <a:gd name="connsiteY4" fmla="*/ 414102 h 414102"/>
-              <a:gd name="connsiteX5" fmla="*/ 398446 w 605497"/>
-              <a:gd name="connsiteY5" fmla="*/ 331282 h 414102"/>
-              <a:gd name="connsiteX6" fmla="*/ 0 w 605497"/>
-              <a:gd name="connsiteY6" fmla="*/ 331282 h 414102"/>
-              <a:gd name="connsiteX7" fmla="*/ 0 w 605497"/>
-              <a:gd name="connsiteY7" fmla="*/ 82820 h 414102"/>
-            </a:gdLst>
-            <a:ahLst/>
-            <a:cxnLst>
-              <a:cxn ang="0">
-                <a:pos x="connsiteX0" y="connsiteY0"/>
-              </a:cxn>
-              <a:cxn ang="0">
-                <a:pos x="connsiteX1" y="connsiteY1"/>
-              </a:cxn>
-              <a:cxn ang="0">
-                <a:pos x="connsiteX2" y="connsiteY2"/>
-              </a:cxn>
-              <a:cxn ang="0">
-                <a:pos x="connsiteX3" y="connsiteY3"/>
-              </a:cxn>
-              <a:cxn ang="0">
-                <a:pos x="connsiteX4" y="connsiteY4"/>
-              </a:cxn>
-              <a:cxn ang="0">
-                <a:pos x="connsiteX5" y="connsiteY5"/>
-              </a:cxn>
-              <a:cxn ang="0">
-                <a:pos x="connsiteX6" y="connsiteY6"/>
-              </a:cxn>
-              <a:cxn ang="0">
-                <a:pos x="connsiteX7" y="connsiteY7"/>
-              </a:cxn>
-            </a:cxnLst>
-            <a:rect l="l" t="t" r="r" b="b"/>
-            <a:pathLst>
-              <a:path w="605497" h="414102">
-                <a:moveTo>
-                  <a:pt x="0" y="82820"/>
-                </a:moveTo>
-                <a:lnTo>
-                  <a:pt x="398446" y="82820"/>
-                </a:lnTo>
-                <a:lnTo>
-                  <a:pt x="398446" y="0"/>
-                </a:lnTo>
-                <a:lnTo>
-                  <a:pt x="605497" y="207051"/>
-                </a:lnTo>
-                <a:lnTo>
-                  <a:pt x="398446" y="414102"/>
-                </a:lnTo>
-                <a:lnTo>
-                  <a:pt x="398446" y="331282"/>
-                </a:lnTo>
-                <a:lnTo>
-                  <a:pt x="0" y="331282"/>
-                </a:lnTo>
-                <a:lnTo>
-                  <a:pt x="0" y="82820"/>
-                </a:lnTo>
-                <a:close/>
-              </a:path>
-            </a:pathLst>
-          </a:custGeom>
-          <a:solidFill>
-            <a:prstClr val="black"/>
-          </a:solidFill>
-          <a:ln>
-            <a:solidFill>
-              <a:prstClr val="black"/>
-            </a:solidFill>
-          </a:ln>
-          <a:effectLst/>
-        </p:spPr>
-        <p:style>
-          <a:lnRef idx="0">
-            <a:scrgbClr r="0" g="0" b="0"/>
-          </a:lnRef>
-          <a:fillRef idx="1">
-            <a:scrgbClr r="0" g="0" b="0"/>
-          </a:fillRef>
-          <a:effectRef idx="0">
-            <a:scrgbClr r="0" g="0" b="0"/>
-          </a:effectRef>
-          <a:fontRef idx="minor">
-            <a:schemeClr val="lt1"/>
-          </a:fontRef>
-        </p:style>
-        <p:txBody>
-          <a:bodyPr spcFirstLastPara="0" vert="horz" wrap="square" lIns="0" tIns="82820" rIns="124231" bIns="82820" numCol="1" spcCol="1270" anchor="ctr" anchorCtr="0">
-            <a:noAutofit/>
-          </a:bodyPr>
-          <a:lstStyle/>
-          <a:p>
-            <a:pPr marL="0" lvl="0" indent="0" algn="ctr" defTabSz="711200" rtl="0">
-              <a:lnSpc>
-                <a:spcPct val="90000"/>
-              </a:lnSpc>
-              <a:spcBef>
-                <a:spcPct val="0"/>
-              </a:spcBef>
-              <a:spcAft>
-                <a:spcPct val="35000"/>
-              </a:spcAft>
-              <a:buNone/>
-            </a:pPr>
-            <a:endParaRPr lang="en-GB" sz="1600" kern="1200">
-              <a:solidFill>
-                <a:prstClr val="white"/>
-              </a:solidFill>
-              <a:latin typeface="Calibri" panose="020F0502020204030204"/>
-              <a:ea typeface="+mn-ea"/>
-              <a:cs typeface="+mn-cs"/>
-            </a:endParaRPr>
-          </a:p>
-        </p:txBody>
-      </p:sp>
-      <p:sp>
-        <p:nvSpPr>
-          <p:cNvPr id="19" name="Freeform 18">
-            <a:extLst>
-              <a:ext uri="{FF2B5EF4-FFF2-40B4-BE49-F238E27FC236}">
-                <a16:creationId xmlns:a16="http://schemas.microsoft.com/office/drawing/2014/main" id="{ECF6FFD4-1EA2-884F-97B1-1DD722635D31}"/>
-              </a:ext>
-            </a:extLst>
-          </p:cNvPr>
-          <p:cNvSpPr/>
-          <p:nvPr/>
-        </p:nvSpPr>
-        <p:spPr>
-          <a:xfrm rot="5400000">
-            <a:off x="6212788" y="4173846"/>
-            <a:ext cx="605497" cy="414102"/>
-          </a:xfrm>
-          <a:custGeom>
-            <a:avLst/>
-            <a:gdLst>
-              <a:gd name="connsiteX0" fmla="*/ 0 w 605497"/>
-              <a:gd name="connsiteY0" fmla="*/ 82820 h 414102"/>
-              <a:gd name="connsiteX1" fmla="*/ 398446 w 605497"/>
-              <a:gd name="connsiteY1" fmla="*/ 82820 h 414102"/>
-              <a:gd name="connsiteX2" fmla="*/ 398446 w 605497"/>
-              <a:gd name="connsiteY2" fmla="*/ 0 h 414102"/>
-              <a:gd name="connsiteX3" fmla="*/ 605497 w 605497"/>
-              <a:gd name="connsiteY3" fmla="*/ 207051 h 414102"/>
-              <a:gd name="connsiteX4" fmla="*/ 398446 w 605497"/>
-              <a:gd name="connsiteY4" fmla="*/ 414102 h 414102"/>
-              <a:gd name="connsiteX5" fmla="*/ 398446 w 605497"/>
-              <a:gd name="connsiteY5" fmla="*/ 331282 h 414102"/>
-              <a:gd name="connsiteX6" fmla="*/ 0 w 605497"/>
-              <a:gd name="connsiteY6" fmla="*/ 331282 h 414102"/>
-              <a:gd name="connsiteX7" fmla="*/ 0 w 605497"/>
-              <a:gd name="connsiteY7" fmla="*/ 82820 h 414102"/>
-            </a:gdLst>
-            <a:ahLst/>
-            <a:cxnLst>
-              <a:cxn ang="0">
-                <a:pos x="connsiteX0" y="connsiteY0"/>
-              </a:cxn>
-              <a:cxn ang="0">
-                <a:pos x="connsiteX1" y="connsiteY1"/>
-              </a:cxn>
-              <a:cxn ang="0">
-                <a:pos x="connsiteX2" y="connsiteY2"/>
-              </a:cxn>
-              <a:cxn ang="0">
-                <a:pos x="connsiteX3" y="connsiteY3"/>
-              </a:cxn>
-              <a:cxn ang="0">
-                <a:pos x="connsiteX4" y="connsiteY4"/>
-              </a:cxn>
-              <a:cxn ang="0">
-                <a:pos x="connsiteX5" y="connsiteY5"/>
-              </a:cxn>
-              <a:cxn ang="0">
-                <a:pos x="connsiteX6" y="connsiteY6"/>
-              </a:cxn>
-              <a:cxn ang="0">
-                <a:pos x="connsiteX7" y="connsiteY7"/>
-              </a:cxn>
-            </a:cxnLst>
-            <a:rect l="l" t="t" r="r" b="b"/>
-            <a:pathLst>
-              <a:path w="605497" h="414102">
-                <a:moveTo>
-                  <a:pt x="0" y="82820"/>
-                </a:moveTo>
-                <a:lnTo>
-                  <a:pt x="398446" y="82820"/>
-                </a:lnTo>
-                <a:lnTo>
-                  <a:pt x="398446" y="0"/>
-                </a:lnTo>
-                <a:lnTo>
-                  <a:pt x="605497" y="207051"/>
-                </a:lnTo>
-                <a:lnTo>
-                  <a:pt x="398446" y="414102"/>
-                </a:lnTo>
-                <a:lnTo>
-                  <a:pt x="398446" y="331282"/>
-                </a:lnTo>
-                <a:lnTo>
-                  <a:pt x="0" y="331282"/>
-                </a:lnTo>
-                <a:lnTo>
-                  <a:pt x="0" y="82820"/>
-                </a:lnTo>
-                <a:close/>
-              </a:path>
-            </a:pathLst>
-          </a:custGeom>
-          <a:solidFill>
-            <a:prstClr val="black"/>
-          </a:solidFill>
-          <a:ln>
-            <a:solidFill>
-              <a:prstClr val="black"/>
-            </a:solidFill>
-          </a:ln>
-          <a:effectLst/>
-        </p:spPr>
-        <p:style>
-          <a:lnRef idx="0">
-            <a:scrgbClr r="0" g="0" b="0"/>
-          </a:lnRef>
-          <a:fillRef idx="1">
-            <a:scrgbClr r="0" g="0" b="0"/>
-          </a:fillRef>
-          <a:effectRef idx="0">
-            <a:scrgbClr r="0" g="0" b="0"/>
-          </a:effectRef>
-          <a:fontRef idx="minor">
-            <a:schemeClr val="lt1"/>
-          </a:fontRef>
-        </p:style>
-        <p:txBody>
-          <a:bodyPr spcFirstLastPara="0" vert="horz" wrap="square" lIns="0" tIns="82820" rIns="124231" bIns="82820" numCol="1" spcCol="1270" anchor="ctr" anchorCtr="0">
-            <a:noAutofit/>
-          </a:bodyPr>
-          <a:lstStyle/>
-          <a:p>
-            <a:pPr marL="0" lvl="0" indent="0" algn="ctr" defTabSz="711200" rtl="0">
-              <a:lnSpc>
-                <a:spcPct val="90000"/>
-              </a:lnSpc>
-              <a:spcBef>
-                <a:spcPct val="0"/>
-              </a:spcBef>
-              <a:spcAft>
-                <a:spcPct val="35000"/>
-              </a:spcAft>
-              <a:buNone/>
-            </a:pPr>
-            <a:endParaRPr lang="en-GB" sz="1600" kern="1200">
-              <a:solidFill>
-                <a:prstClr val="white"/>
-              </a:solidFill>
-              <a:latin typeface="Calibri" panose="020F0502020204030204"/>
-              <a:ea typeface="+mn-ea"/>
-              <a:cs typeface="+mn-cs"/>
-            </a:endParaRPr>
-          </a:p>
-        </p:txBody>
-      </p:sp>
-      <p:sp>
-        <p:nvSpPr>
-          <p:cNvPr id="20" name="Freeform 19">
-            <a:extLst>
-              <a:ext uri="{FF2B5EF4-FFF2-40B4-BE49-F238E27FC236}">
-                <a16:creationId xmlns:a16="http://schemas.microsoft.com/office/drawing/2014/main" id="{A71DF203-1155-BA44-B6D0-033D01AA312C}"/>
-              </a:ext>
-            </a:extLst>
-          </p:cNvPr>
-          <p:cNvSpPr/>
-          <p:nvPr/>
-        </p:nvSpPr>
-        <p:spPr>
-          <a:xfrm rot="5400000">
-            <a:off x="8720487" y="4173847"/>
-            <a:ext cx="605497" cy="414102"/>
-          </a:xfrm>
-          <a:custGeom>
-            <a:avLst/>
-            <a:gdLst>
-              <a:gd name="connsiteX0" fmla="*/ 0 w 605497"/>
-              <a:gd name="connsiteY0" fmla="*/ 82820 h 414102"/>
-              <a:gd name="connsiteX1" fmla="*/ 398446 w 605497"/>
-              <a:gd name="connsiteY1" fmla="*/ 82820 h 414102"/>
-              <a:gd name="connsiteX2" fmla="*/ 398446 w 605497"/>
-              <a:gd name="connsiteY2" fmla="*/ 0 h 414102"/>
-              <a:gd name="connsiteX3" fmla="*/ 605497 w 605497"/>
-              <a:gd name="connsiteY3" fmla="*/ 207051 h 414102"/>
-              <a:gd name="connsiteX4" fmla="*/ 398446 w 605497"/>
-              <a:gd name="connsiteY4" fmla="*/ 414102 h 414102"/>
-              <a:gd name="connsiteX5" fmla="*/ 398446 w 605497"/>
-              <a:gd name="connsiteY5" fmla="*/ 331282 h 414102"/>
-              <a:gd name="connsiteX6" fmla="*/ 0 w 605497"/>
-              <a:gd name="connsiteY6" fmla="*/ 331282 h 414102"/>
-              <a:gd name="connsiteX7" fmla="*/ 0 w 605497"/>
-              <a:gd name="connsiteY7" fmla="*/ 82820 h 414102"/>
-            </a:gdLst>
-            <a:ahLst/>
-            <a:cxnLst>
-              <a:cxn ang="0">
-                <a:pos x="connsiteX0" y="connsiteY0"/>
-              </a:cxn>
-              <a:cxn ang="0">
-                <a:pos x="connsiteX1" y="connsiteY1"/>
-              </a:cxn>
-              <a:cxn ang="0">
-                <a:pos x="connsiteX2" y="connsiteY2"/>
-              </a:cxn>
-              <a:cxn ang="0">
-                <a:pos x="connsiteX3" y="connsiteY3"/>
-              </a:cxn>
-              <a:cxn ang="0">
-                <a:pos x="connsiteX4" y="connsiteY4"/>
-              </a:cxn>
-              <a:cxn ang="0">
-                <a:pos x="connsiteX5" y="connsiteY5"/>
-              </a:cxn>
-              <a:cxn ang="0">
-                <a:pos x="connsiteX6" y="connsiteY6"/>
-              </a:cxn>
-              <a:cxn ang="0">
-                <a:pos x="connsiteX7" y="connsiteY7"/>
-              </a:cxn>
-            </a:cxnLst>
-            <a:rect l="l" t="t" r="r" b="b"/>
-            <a:pathLst>
-              <a:path w="605497" h="414102">
-                <a:moveTo>
-                  <a:pt x="0" y="82820"/>
-                </a:moveTo>
-                <a:lnTo>
-                  <a:pt x="398446" y="82820"/>
-                </a:lnTo>
-                <a:lnTo>
-                  <a:pt x="398446" y="0"/>
-                </a:lnTo>
-                <a:lnTo>
-                  <a:pt x="605497" y="207051"/>
-                </a:lnTo>
-                <a:lnTo>
-                  <a:pt x="398446" y="414102"/>
-                </a:lnTo>
-                <a:lnTo>
-                  <a:pt x="398446" y="331282"/>
-                </a:lnTo>
-                <a:lnTo>
-                  <a:pt x="0" y="331282"/>
-                </a:lnTo>
-                <a:lnTo>
-                  <a:pt x="0" y="82820"/>
-                </a:lnTo>
-                <a:close/>
-              </a:path>
-            </a:pathLst>
-          </a:custGeom>
-          <a:solidFill>
-            <a:prstClr val="black"/>
-          </a:solidFill>
-          <a:ln>
-            <a:solidFill>
-              <a:prstClr val="black"/>
-            </a:solidFill>
-          </a:ln>
-          <a:effectLst/>
-        </p:spPr>
-        <p:style>
-          <a:lnRef idx="0">
-            <a:scrgbClr r="0" g="0" b="0"/>
-          </a:lnRef>
-          <a:fillRef idx="1">
-            <a:scrgbClr r="0" g="0" b="0"/>
-          </a:fillRef>
-          <a:effectRef idx="0">
-            <a:scrgbClr r="0" g="0" b="0"/>
-          </a:effectRef>
-          <a:fontRef idx="minor">
-            <a:schemeClr val="lt1"/>
-          </a:fontRef>
-        </p:style>
-        <p:txBody>
-          <a:bodyPr spcFirstLastPara="0" vert="horz" wrap="square" lIns="0" tIns="82820" rIns="124231" bIns="82820" numCol="1" spcCol="1270" anchor="ctr" anchorCtr="0">
-            <a:noAutofit/>
-          </a:bodyPr>
-          <a:lstStyle/>
-          <a:p>
-            <a:pPr marL="0" lvl="0" indent="0" algn="ctr" defTabSz="711200" rtl="0">
-              <a:lnSpc>
-                <a:spcPct val="90000"/>
-              </a:lnSpc>
-              <a:spcBef>
-                <a:spcPct val="0"/>
-              </a:spcBef>
-              <a:spcAft>
-                <a:spcPct val="35000"/>
-              </a:spcAft>
-              <a:buNone/>
-            </a:pPr>
-            <a:endParaRPr lang="en-GB" sz="1600" kern="1200">
-              <a:solidFill>
-                <a:prstClr val="white"/>
-              </a:solidFill>
-              <a:latin typeface="Calibri" panose="020F0502020204030204"/>
-              <a:ea typeface="+mn-ea"/>
-              <a:cs typeface="+mn-cs"/>
-            </a:endParaRPr>
-          </a:p>
-        </p:txBody>
-      </p:sp>
-      <mc:AlternateContent xmlns:mc="http://schemas.openxmlformats.org/markup-compatibility/2006">
-        <mc:Choice xmlns:a14="http://schemas.microsoft.com/office/drawing/2010/main" Requires="a14">
-          <p:sp>
-            <p:nvSpPr>
-              <p:cNvPr id="21" name="TextBox 20">
-                <a:extLst>
-                  <a:ext uri="{FF2B5EF4-FFF2-40B4-BE49-F238E27FC236}">
-                    <a16:creationId xmlns:a16="http://schemas.microsoft.com/office/drawing/2014/main" id="{B8ABBDFA-F7D7-0943-B9A2-06D93A13231C}"/>
-                  </a:ext>
-                </a:extLst>
-              </p:cNvPr>
-              <p:cNvSpPr txBox="1"/>
-              <p:nvPr/>
-            </p:nvSpPr>
-            <p:spPr>
-              <a:xfrm>
-                <a:off x="1948539" y="4082143"/>
-                <a:ext cx="348343" cy="391902"/>
-              </a:xfrm>
-              <a:prstGeom prst="rect">
-                <a:avLst/>
-              </a:prstGeom>
-              <a:noFill/>
-            </p:spPr>
-            <p:txBody>
-              <a:bodyPr wrap="square" rtlCol="0">
-                <a:spAutoFit/>
-              </a:bodyPr>
-              <a:lstStyle/>
-              <a:p>
-                <a:pPr/>
-                <a14:m>
-                  <m:oMathPara xmlns:m="http://schemas.openxmlformats.org/officeDocument/2006/math">
-                    <m:oMathParaPr>
-                      <m:jc m:val="centerGroup"/>
-                    </m:oMathParaPr>
-                    <m:oMath xmlns:m="http://schemas.openxmlformats.org/officeDocument/2006/math">
-                      <m:sSub>
-                        <m:sSubPr>
-                          <m:ctrlPr>
-                            <a:rPr lang="en-GB" i="1" smtClean="0">
-                              <a:latin typeface="Cambria Math" panose="02040503050406030204" pitchFamily="18" charset="0"/>
-                            </a:rPr>
-                          </m:ctrlPr>
-                        </m:sSubPr>
-                        <m:e>
-                          <m:r>
-                            <a:rPr lang="en-GB" b="0" i="1" smtClean="0">
-                              <a:latin typeface="Cambria Math" panose="02040503050406030204" pitchFamily="18" charset="0"/>
-                            </a:rPr>
-                            <m:t>𝑚</m:t>
-                          </m:r>
-                        </m:e>
-                        <m:sub>
-                          <m:r>
-                            <a:rPr lang="en-GB" b="0" i="1" smtClean="0">
-                              <a:latin typeface="Cambria Math" panose="02040503050406030204" pitchFamily="18" charset="0"/>
-                            </a:rPr>
-                            <m:t>𝑏𝑔</m:t>
-                          </m:r>
-                        </m:sub>
-                      </m:sSub>
-                      <m:sSub>
-                        <m:sSubPr>
-                          <m:ctrlPr>
-                            <a:rPr lang="en-GB" i="1" smtClean="0">
-                              <a:latin typeface="Cambria Math" panose="02040503050406030204" pitchFamily="18" charset="0"/>
-                            </a:rPr>
-                          </m:ctrlPr>
-                        </m:sSubPr>
-                        <m:e>
-                          <m:r>
-                            <a:rPr lang="en-GB" b="0" i="1" smtClean="0">
-                              <a:latin typeface="Cambria Math" panose="02040503050406030204" pitchFamily="18" charset="0"/>
-                            </a:rPr>
-                            <m:t>𝑆</m:t>
-                          </m:r>
-                        </m:e>
-                        <m:sub>
-                          <m:r>
-                            <a:rPr lang="en-GB" b="0" i="1" smtClean="0">
-                              <a:latin typeface="Cambria Math" panose="02040503050406030204" pitchFamily="18" charset="0"/>
-                            </a:rPr>
-                            <m:t>𝑡</m:t>
-                          </m:r>
-                        </m:sub>
-                      </m:sSub>
-                    </m:oMath>
-                  </m:oMathPara>
-                </a14:m>
-                <a:endParaRPr lang="en-GB" dirty="0"/>
-              </a:p>
-            </p:txBody>
-          </p:sp>
-        </mc:Choice>
-        <mc:Fallback>
-          <p:sp>
-            <p:nvSpPr>
-              <p:cNvPr id="21" name="TextBox 20">
-                <a:extLst>
-                  <a:ext uri="{FF2B5EF4-FFF2-40B4-BE49-F238E27FC236}">
-                    <a16:creationId xmlns:a16="http://schemas.microsoft.com/office/drawing/2014/main" id="{B8ABBDFA-F7D7-0943-B9A2-06D93A13231C}"/>
-                  </a:ext>
-                </a:extLst>
-              </p:cNvPr>
-              <p:cNvSpPr txBox="1">
-                <a:spLocks noRot="1" noChangeAspect="1" noMove="1" noResize="1" noEditPoints="1" noAdjustHandles="1" noChangeArrowheads="1" noChangeShapeType="1" noTextEdit="1"/>
-              </p:cNvSpPr>
-              <p:nvPr/>
-            </p:nvSpPr>
-            <p:spPr>
-              <a:xfrm>
-                <a:off x="1948539" y="4082143"/>
-                <a:ext cx="348343" cy="391902"/>
-              </a:xfrm>
-              <a:prstGeom prst="rect">
-                <a:avLst/>
-              </a:prstGeom>
-              <a:blipFill>
-                <a:blip r:embed="rId13"/>
-                <a:stretch>
-                  <a:fillRect r="-106897" b="-6250"/>
-                </a:stretch>
-              </a:blipFill>
-            </p:spPr>
-            <p:txBody>
-              <a:bodyPr/>
-              <a:lstStyle/>
-              <a:p>
-                <a:r>
-                  <a:rPr lang="en-GB">
-                    <a:noFill/>
-                  </a:rPr>
-                  <a:t> </a:t>
-                </a:r>
-              </a:p>
-            </p:txBody>
-          </p:sp>
-        </mc:Fallback>
-      </mc:AlternateContent>
-      <mc:AlternateContent xmlns:mc="http://schemas.openxmlformats.org/markup-compatibility/2006">
-        <mc:Choice xmlns:a14="http://schemas.microsoft.com/office/drawing/2010/main" Requires="a14">
-          <p:sp>
-            <p:nvSpPr>
-              <p:cNvPr id="22" name="TextBox 21">
-                <a:extLst>
-                  <a:ext uri="{FF2B5EF4-FFF2-40B4-BE49-F238E27FC236}">
-                    <a16:creationId xmlns:a16="http://schemas.microsoft.com/office/drawing/2014/main" id="{D9364D3E-26AD-7E4F-989D-33FED787D856}"/>
-                  </a:ext>
-                </a:extLst>
-              </p:cNvPr>
-              <p:cNvSpPr txBox="1"/>
-              <p:nvPr/>
-            </p:nvSpPr>
-            <p:spPr>
-              <a:xfrm>
-                <a:off x="4357066" y="4082143"/>
-                <a:ext cx="348343" cy="391902"/>
-              </a:xfrm>
-              <a:prstGeom prst="rect">
-                <a:avLst/>
-              </a:prstGeom>
-              <a:noFill/>
-            </p:spPr>
-            <p:txBody>
-              <a:bodyPr wrap="square" rtlCol="0">
-                <a:spAutoFit/>
-              </a:bodyPr>
-              <a:lstStyle/>
-              <a:p>
-                <a:pPr/>
-                <a14:m>
-                  <m:oMathPara xmlns:m="http://schemas.openxmlformats.org/officeDocument/2006/math">
-                    <m:oMathParaPr>
-                      <m:jc m:val="centerGroup"/>
-                    </m:oMathParaPr>
-                    <m:oMath xmlns:m="http://schemas.openxmlformats.org/officeDocument/2006/math">
-                      <m:sSub>
-                        <m:sSubPr>
-                          <m:ctrlPr>
-                            <a:rPr lang="en-GB" i="1" smtClean="0">
-                              <a:latin typeface="Cambria Math" panose="02040503050406030204" pitchFamily="18" charset="0"/>
-                            </a:rPr>
-                          </m:ctrlPr>
-                        </m:sSubPr>
-                        <m:e>
-                          <m:r>
-                            <a:rPr lang="en-GB" b="0" i="1" smtClean="0">
-                              <a:latin typeface="Cambria Math" panose="02040503050406030204" pitchFamily="18" charset="0"/>
-                            </a:rPr>
-                            <m:t>𝑚</m:t>
-                          </m:r>
-                        </m:e>
-                        <m:sub>
-                          <m:r>
-                            <a:rPr lang="en-GB" b="0" i="1" smtClean="0">
-                              <a:latin typeface="Cambria Math" panose="02040503050406030204" pitchFamily="18" charset="0"/>
-                            </a:rPr>
-                            <m:t>𝑏𝑔</m:t>
-                          </m:r>
-                        </m:sub>
-                      </m:sSub>
-                      <m:sSub>
-                        <m:sSubPr>
-                          <m:ctrlPr>
-                            <a:rPr lang="en-GB" i="1" smtClean="0">
-                              <a:latin typeface="Cambria Math" panose="02040503050406030204" pitchFamily="18" charset="0"/>
-                            </a:rPr>
-                          </m:ctrlPr>
-                        </m:sSubPr>
-                        <m:e>
-                          <m:r>
-                            <a:rPr lang="en-GB" b="0" i="1" smtClean="0">
-                              <a:latin typeface="Cambria Math" panose="02040503050406030204" pitchFamily="18" charset="0"/>
-                            </a:rPr>
-                            <m:t>𝐸</m:t>
-                          </m:r>
-                        </m:e>
-                        <m:sub>
-                          <m:r>
-                            <a:rPr lang="en-GB" b="0" i="1" smtClean="0">
-                              <a:latin typeface="Cambria Math" panose="02040503050406030204" pitchFamily="18" charset="0"/>
-                            </a:rPr>
-                            <m:t>𝑡</m:t>
-                          </m:r>
-                        </m:sub>
-                      </m:sSub>
-                    </m:oMath>
-                  </m:oMathPara>
-                </a14:m>
-                <a:endParaRPr lang="en-GB" dirty="0"/>
-              </a:p>
-            </p:txBody>
-          </p:sp>
-        </mc:Choice>
-        <mc:Fallback>
-          <p:sp>
-            <p:nvSpPr>
-              <p:cNvPr id="22" name="TextBox 21">
-                <a:extLst>
-                  <a:ext uri="{FF2B5EF4-FFF2-40B4-BE49-F238E27FC236}">
-                    <a16:creationId xmlns:a16="http://schemas.microsoft.com/office/drawing/2014/main" id="{D9364D3E-26AD-7E4F-989D-33FED787D856}"/>
-                  </a:ext>
-                </a:extLst>
-              </p:cNvPr>
-              <p:cNvSpPr txBox="1">
-                <a:spLocks noRot="1" noChangeAspect="1" noMove="1" noResize="1" noEditPoints="1" noAdjustHandles="1" noChangeArrowheads="1" noChangeShapeType="1" noTextEdit="1"/>
-              </p:cNvSpPr>
-              <p:nvPr/>
-            </p:nvSpPr>
-            <p:spPr>
-              <a:xfrm>
-                <a:off x="4357066" y="4082143"/>
-                <a:ext cx="348343" cy="391902"/>
-              </a:xfrm>
-              <a:prstGeom prst="rect">
-                <a:avLst/>
-              </a:prstGeom>
-              <a:blipFill>
-                <a:blip r:embed="rId14"/>
-                <a:stretch>
-                  <a:fillRect r="-110345" b="-6250"/>
-                </a:stretch>
-              </a:blipFill>
-            </p:spPr>
-            <p:txBody>
-              <a:bodyPr/>
-              <a:lstStyle/>
-              <a:p>
-                <a:r>
-                  <a:rPr lang="en-GB">
-                    <a:noFill/>
-                  </a:rPr>
-                  <a:t> </a:t>
-                </a:r>
-              </a:p>
-            </p:txBody>
-          </p:sp>
-        </mc:Fallback>
-      </mc:AlternateContent>
-      <mc:AlternateContent xmlns:mc="http://schemas.openxmlformats.org/markup-compatibility/2006">
-        <mc:Choice xmlns:a14="http://schemas.microsoft.com/office/drawing/2010/main" Requires="a14">
-          <p:sp>
-            <p:nvSpPr>
-              <p:cNvPr id="23" name="TextBox 22">
-                <a:extLst>
-                  <a:ext uri="{FF2B5EF4-FFF2-40B4-BE49-F238E27FC236}">
-                    <a16:creationId xmlns:a16="http://schemas.microsoft.com/office/drawing/2014/main" id="{CBD8EAA8-86B1-A54E-B6B7-1F94DD78C69B}"/>
-                  </a:ext>
-                </a:extLst>
-              </p:cNvPr>
-              <p:cNvSpPr txBox="1"/>
-              <p:nvPr/>
-            </p:nvSpPr>
-            <p:spPr>
-              <a:xfrm>
-                <a:off x="6633261" y="4082143"/>
-                <a:ext cx="1877132" cy="391902"/>
-              </a:xfrm>
-              <a:prstGeom prst="rect">
-                <a:avLst/>
-              </a:prstGeom>
-              <a:noFill/>
-            </p:spPr>
-            <p:txBody>
-              <a:bodyPr wrap="square" rtlCol="0">
-                <a:spAutoFit/>
-              </a:bodyPr>
-              <a:lstStyle/>
-              <a:p>
-                <a:pPr/>
-                <a14:m>
-                  <m:oMathPara xmlns:m="http://schemas.openxmlformats.org/officeDocument/2006/math">
-                    <m:oMathParaPr>
-                      <m:jc m:val="centerGroup"/>
-                    </m:oMathParaPr>
-                    <m:oMath xmlns:m="http://schemas.openxmlformats.org/officeDocument/2006/math">
-                      <m:r>
-                        <a:rPr lang="en-GB" b="0" i="1" smtClean="0">
-                          <a:latin typeface="Cambria Math" panose="02040503050406030204" pitchFamily="18" charset="0"/>
-                        </a:rPr>
-                        <m:t>(</m:t>
-                      </m:r>
-                      <m:sSub>
-                        <m:sSubPr>
-                          <m:ctrlPr>
-                            <a:rPr lang="en-GB" b="0" i="1" smtClean="0">
-                              <a:latin typeface="Cambria Math" panose="02040503050406030204" pitchFamily="18" charset="0"/>
-                            </a:rPr>
-                          </m:ctrlPr>
-                        </m:sSubPr>
-                        <m:e>
-                          <m:r>
-                            <a:rPr lang="en-GB" b="0" i="1" smtClean="0">
-                              <a:latin typeface="Cambria Math" panose="02040503050406030204" pitchFamily="18" charset="0"/>
-                            </a:rPr>
-                            <m:t>𝑚</m:t>
-                          </m:r>
-                        </m:e>
-                        <m:sub>
-                          <m:r>
-                            <a:rPr lang="en-GB" b="0" i="1" smtClean="0">
-                              <a:latin typeface="Cambria Math" panose="02040503050406030204" pitchFamily="18" charset="0"/>
-                            </a:rPr>
-                            <m:t>𝑏𝑔</m:t>
-                          </m:r>
-                        </m:sub>
-                      </m:sSub>
-                      <m:r>
-                        <a:rPr lang="en-GB" b="0" i="1" smtClean="0">
-                          <a:latin typeface="Cambria Math" panose="02040503050406030204" pitchFamily="18" charset="0"/>
-                        </a:rPr>
-                        <m:t>+</m:t>
-                      </m:r>
-                      <m:sSub>
-                        <m:sSubPr>
-                          <m:ctrlPr>
-                            <a:rPr lang="en-GB" b="0" i="1" smtClean="0">
-                              <a:latin typeface="Cambria Math" panose="02040503050406030204" pitchFamily="18" charset="0"/>
-                            </a:rPr>
-                          </m:ctrlPr>
-                        </m:sSubPr>
-                        <m:e>
-                          <m:r>
-                            <a:rPr lang="en-GB" b="0" i="1" smtClean="0">
-                              <a:latin typeface="Cambria Math" panose="02040503050406030204" pitchFamily="18" charset="0"/>
-                            </a:rPr>
-                            <m:t>𝑚</m:t>
-                          </m:r>
-                        </m:e>
-                        <m:sub>
-                          <m:r>
-                            <a:rPr lang="en-GB" b="0" i="1" smtClean="0">
-                              <a:latin typeface="Cambria Math" panose="02040503050406030204" pitchFamily="18" charset="0"/>
-                            </a:rPr>
-                            <m:t>h𝑜𝑚𝑒</m:t>
-                          </m:r>
-                        </m:sub>
-                      </m:sSub>
-                      <m:r>
-                        <a:rPr lang="en-GB" b="0" i="1" smtClean="0">
-                          <a:latin typeface="Cambria Math" panose="02040503050406030204" pitchFamily="18" charset="0"/>
-                        </a:rPr>
-                        <m:t>)</m:t>
-                      </m:r>
-                      <m:sSub>
-                        <m:sSubPr>
-                          <m:ctrlPr>
-                            <a:rPr lang="en-GB" i="1" smtClean="0">
-                              <a:latin typeface="Cambria Math" panose="02040503050406030204" pitchFamily="18" charset="0"/>
-                            </a:rPr>
-                          </m:ctrlPr>
-                        </m:sSubPr>
-                        <m:e>
-                          <m:r>
-                            <a:rPr lang="en-GB" b="0" i="1" smtClean="0">
-                              <a:latin typeface="Cambria Math" panose="02040503050406030204" pitchFamily="18" charset="0"/>
-                            </a:rPr>
-                            <m:t>𝐼</m:t>
-                          </m:r>
-                        </m:e>
-                        <m:sub>
-                          <m:r>
-                            <a:rPr lang="en-GB" b="0" i="1" smtClean="0">
-                              <a:latin typeface="Cambria Math" panose="02040503050406030204" pitchFamily="18" charset="0"/>
-                            </a:rPr>
-                            <m:t>𝑡</m:t>
-                          </m:r>
-                        </m:sub>
-                      </m:sSub>
-                    </m:oMath>
-                  </m:oMathPara>
-                </a14:m>
-                <a:endParaRPr lang="en-GB" dirty="0"/>
-              </a:p>
-            </p:txBody>
-          </p:sp>
-        </mc:Choice>
-        <mc:Fallback>
-          <p:sp>
-            <p:nvSpPr>
-              <p:cNvPr id="23" name="TextBox 22">
-                <a:extLst>
-                  <a:ext uri="{FF2B5EF4-FFF2-40B4-BE49-F238E27FC236}">
-                    <a16:creationId xmlns:a16="http://schemas.microsoft.com/office/drawing/2014/main" id="{CBD8EAA8-86B1-A54E-B6B7-1F94DD78C69B}"/>
-                  </a:ext>
-                </a:extLst>
-              </p:cNvPr>
-              <p:cNvSpPr txBox="1">
-                <a:spLocks noRot="1" noChangeAspect="1" noMove="1" noResize="1" noEditPoints="1" noAdjustHandles="1" noChangeArrowheads="1" noChangeShapeType="1" noTextEdit="1"/>
-              </p:cNvSpPr>
-              <p:nvPr/>
-            </p:nvSpPr>
-            <p:spPr>
-              <a:xfrm>
-                <a:off x="6633261" y="4082143"/>
-                <a:ext cx="1877132" cy="391902"/>
-              </a:xfrm>
-              <a:prstGeom prst="rect">
-                <a:avLst/>
-              </a:prstGeom>
-              <a:blipFill>
-                <a:blip r:embed="rId15"/>
-                <a:stretch>
-                  <a:fillRect l="-671" b="-6250"/>
-                </a:stretch>
-              </a:blipFill>
-            </p:spPr>
-            <p:txBody>
-              <a:bodyPr/>
-              <a:lstStyle/>
-              <a:p>
-                <a:r>
-                  <a:rPr lang="en-GB">
-                    <a:noFill/>
-                  </a:rPr>
-                  <a:t> </a:t>
-                </a:r>
-              </a:p>
-            </p:txBody>
-          </p:sp>
-        </mc:Fallback>
-      </mc:AlternateContent>
-      <mc:AlternateContent xmlns:mc="http://schemas.openxmlformats.org/markup-compatibility/2006">
-        <mc:Choice xmlns:a14="http://schemas.microsoft.com/office/drawing/2010/main" Requires="a14">
-          <p:sp>
-            <p:nvSpPr>
-              <p:cNvPr id="24" name="TextBox 23">
-                <a:extLst>
-                  <a:ext uri="{FF2B5EF4-FFF2-40B4-BE49-F238E27FC236}">
-                    <a16:creationId xmlns:a16="http://schemas.microsoft.com/office/drawing/2014/main" id="{DE136460-F4FA-244D-97E5-BCDDEC2F1D76}"/>
-                  </a:ext>
-                </a:extLst>
-              </p:cNvPr>
-              <p:cNvSpPr txBox="1"/>
-              <p:nvPr/>
-            </p:nvSpPr>
-            <p:spPr>
-              <a:xfrm>
-                <a:off x="9175857" y="4082144"/>
-                <a:ext cx="348343" cy="391902"/>
-              </a:xfrm>
-              <a:prstGeom prst="rect">
-                <a:avLst/>
-              </a:prstGeom>
-              <a:noFill/>
-            </p:spPr>
-            <p:txBody>
-              <a:bodyPr wrap="square" rtlCol="0">
-                <a:spAutoFit/>
-              </a:bodyPr>
-              <a:lstStyle/>
-              <a:p>
-                <a:pPr/>
-                <a14:m>
-                  <m:oMathPara xmlns:m="http://schemas.openxmlformats.org/officeDocument/2006/math">
-                    <m:oMathParaPr>
-                      <m:jc m:val="centerGroup"/>
-                    </m:oMathParaPr>
-                    <m:oMath xmlns:m="http://schemas.openxmlformats.org/officeDocument/2006/math">
-                      <m:sSub>
-                        <m:sSubPr>
-                          <m:ctrlPr>
-                            <a:rPr lang="en-GB" i="1" smtClean="0">
-                              <a:latin typeface="Cambria Math" panose="02040503050406030204" pitchFamily="18" charset="0"/>
-                            </a:rPr>
-                          </m:ctrlPr>
-                        </m:sSubPr>
-                        <m:e>
-                          <m:r>
-                            <a:rPr lang="en-GB" b="0" i="1" smtClean="0">
-                              <a:latin typeface="Cambria Math" panose="02040503050406030204" pitchFamily="18" charset="0"/>
-                            </a:rPr>
-                            <m:t>𝑚</m:t>
-                          </m:r>
-                        </m:e>
-                        <m:sub>
-                          <m:r>
-                            <a:rPr lang="en-GB" b="0" i="1" smtClean="0">
-                              <a:latin typeface="Cambria Math" panose="02040503050406030204" pitchFamily="18" charset="0"/>
-                            </a:rPr>
-                            <m:t>𝑏𝑔</m:t>
-                          </m:r>
-                        </m:sub>
-                      </m:sSub>
-                      <m:sSub>
-                        <m:sSubPr>
-                          <m:ctrlPr>
-                            <a:rPr lang="en-GB" i="1" smtClean="0">
-                              <a:latin typeface="Cambria Math" panose="02040503050406030204" pitchFamily="18" charset="0"/>
-                            </a:rPr>
-                          </m:ctrlPr>
-                        </m:sSubPr>
-                        <m:e>
-                          <m:r>
-                            <a:rPr lang="en-GB" b="0" i="1" smtClean="0">
-                              <a:latin typeface="Cambria Math" panose="02040503050406030204" pitchFamily="18" charset="0"/>
-                            </a:rPr>
-                            <m:t>𝑅</m:t>
-                          </m:r>
-                        </m:e>
-                        <m:sub>
-                          <m:r>
-                            <a:rPr lang="en-GB" b="0" i="1" smtClean="0">
-                              <a:latin typeface="Cambria Math" panose="02040503050406030204" pitchFamily="18" charset="0"/>
-                            </a:rPr>
-                            <m:t>𝑡</m:t>
-                          </m:r>
-                        </m:sub>
-                      </m:sSub>
-                    </m:oMath>
-                  </m:oMathPara>
-                </a14:m>
-                <a:endParaRPr lang="en-GB" dirty="0"/>
-              </a:p>
-            </p:txBody>
-          </p:sp>
-        </mc:Choice>
-        <mc:Fallback>
-          <p:sp>
-            <p:nvSpPr>
-              <p:cNvPr id="24" name="TextBox 23">
-                <a:extLst>
-                  <a:ext uri="{FF2B5EF4-FFF2-40B4-BE49-F238E27FC236}">
-                    <a16:creationId xmlns:a16="http://schemas.microsoft.com/office/drawing/2014/main" id="{DE136460-F4FA-244D-97E5-BCDDEC2F1D76}"/>
-                  </a:ext>
-                </a:extLst>
-              </p:cNvPr>
-              <p:cNvSpPr txBox="1">
-                <a:spLocks noRot="1" noChangeAspect="1" noMove="1" noResize="1" noEditPoints="1" noAdjustHandles="1" noChangeArrowheads="1" noChangeShapeType="1" noTextEdit="1"/>
-              </p:cNvSpPr>
-              <p:nvPr/>
-            </p:nvSpPr>
-            <p:spPr>
-              <a:xfrm>
-                <a:off x="9175857" y="4082144"/>
-                <a:ext cx="348343" cy="391902"/>
-              </a:xfrm>
-              <a:prstGeom prst="rect">
-                <a:avLst/>
-              </a:prstGeom>
-              <a:blipFill>
-                <a:blip r:embed="rId16"/>
-                <a:stretch>
-                  <a:fillRect r="-117857" b="-6250"/>
+                  <a:fillRect r="-57143" b="-8000"/>
                 </a:stretch>
               </a:blipFill>
             </p:spPr>
@@ -7515,302 +5423,6 @@
       </mc:AlternateContent>
       <p:sp>
         <p:nvSpPr>
-          <p:cNvPr id="25" name="Freeform 24">
-            <a:extLst>
-              <a:ext uri="{FF2B5EF4-FFF2-40B4-BE49-F238E27FC236}">
-                <a16:creationId xmlns:a16="http://schemas.microsoft.com/office/drawing/2014/main" id="{E6ADE650-6379-CD4D-8919-704B59729E20}"/>
-              </a:ext>
-            </a:extLst>
-          </p:cNvPr>
-          <p:cNvSpPr/>
-          <p:nvPr/>
-        </p:nvSpPr>
-        <p:spPr>
-          <a:xfrm rot="16200000">
-            <a:off x="6102485" y="2274287"/>
-            <a:ext cx="826105" cy="414102"/>
-          </a:xfrm>
-          <a:custGeom>
-            <a:avLst/>
-            <a:gdLst>
-              <a:gd name="connsiteX0" fmla="*/ 0 w 605497"/>
-              <a:gd name="connsiteY0" fmla="*/ 82820 h 414102"/>
-              <a:gd name="connsiteX1" fmla="*/ 398446 w 605497"/>
-              <a:gd name="connsiteY1" fmla="*/ 82820 h 414102"/>
-              <a:gd name="connsiteX2" fmla="*/ 398446 w 605497"/>
-              <a:gd name="connsiteY2" fmla="*/ 0 h 414102"/>
-              <a:gd name="connsiteX3" fmla="*/ 605497 w 605497"/>
-              <a:gd name="connsiteY3" fmla="*/ 207051 h 414102"/>
-              <a:gd name="connsiteX4" fmla="*/ 398446 w 605497"/>
-              <a:gd name="connsiteY4" fmla="*/ 414102 h 414102"/>
-              <a:gd name="connsiteX5" fmla="*/ 398446 w 605497"/>
-              <a:gd name="connsiteY5" fmla="*/ 331282 h 414102"/>
-              <a:gd name="connsiteX6" fmla="*/ 0 w 605497"/>
-              <a:gd name="connsiteY6" fmla="*/ 331282 h 414102"/>
-              <a:gd name="connsiteX7" fmla="*/ 0 w 605497"/>
-              <a:gd name="connsiteY7" fmla="*/ 82820 h 414102"/>
-            </a:gdLst>
-            <a:ahLst/>
-            <a:cxnLst>
-              <a:cxn ang="0">
-                <a:pos x="connsiteX0" y="connsiteY0"/>
-              </a:cxn>
-              <a:cxn ang="0">
-                <a:pos x="connsiteX1" y="connsiteY1"/>
-              </a:cxn>
-              <a:cxn ang="0">
-                <a:pos x="connsiteX2" y="connsiteY2"/>
-              </a:cxn>
-              <a:cxn ang="0">
-                <a:pos x="connsiteX3" y="connsiteY3"/>
-              </a:cxn>
-              <a:cxn ang="0">
-                <a:pos x="connsiteX4" y="connsiteY4"/>
-              </a:cxn>
-              <a:cxn ang="0">
-                <a:pos x="connsiteX5" y="connsiteY5"/>
-              </a:cxn>
-              <a:cxn ang="0">
-                <a:pos x="connsiteX6" y="connsiteY6"/>
-              </a:cxn>
-              <a:cxn ang="0">
-                <a:pos x="connsiteX7" y="connsiteY7"/>
-              </a:cxn>
-            </a:cxnLst>
-            <a:rect l="l" t="t" r="r" b="b"/>
-            <a:pathLst>
-              <a:path w="605497" h="414102">
-                <a:moveTo>
-                  <a:pt x="0" y="82820"/>
-                </a:moveTo>
-                <a:lnTo>
-                  <a:pt x="398446" y="82820"/>
-                </a:lnTo>
-                <a:lnTo>
-                  <a:pt x="398446" y="0"/>
-                </a:lnTo>
-                <a:lnTo>
-                  <a:pt x="605497" y="207051"/>
-                </a:lnTo>
-                <a:lnTo>
-                  <a:pt x="398446" y="414102"/>
-                </a:lnTo>
-                <a:lnTo>
-                  <a:pt x="398446" y="331282"/>
-                </a:lnTo>
-                <a:lnTo>
-                  <a:pt x="0" y="331282"/>
-                </a:lnTo>
-                <a:lnTo>
-                  <a:pt x="0" y="82820"/>
-                </a:lnTo>
-                <a:close/>
-              </a:path>
-            </a:pathLst>
-          </a:custGeom>
-          <a:solidFill>
-            <a:prstClr val="black"/>
-          </a:solidFill>
-          <a:ln>
-            <a:solidFill>
-              <a:prstClr val="black"/>
-            </a:solidFill>
-          </a:ln>
-          <a:effectLst/>
-        </p:spPr>
-        <p:style>
-          <a:lnRef idx="0">
-            <a:scrgbClr r="0" g="0" b="0"/>
-          </a:lnRef>
-          <a:fillRef idx="1">
-            <a:scrgbClr r="0" g="0" b="0"/>
-          </a:fillRef>
-          <a:effectRef idx="0">
-            <a:scrgbClr r="0" g="0" b="0"/>
-          </a:effectRef>
-          <a:fontRef idx="minor">
-            <a:schemeClr val="lt1"/>
-          </a:fontRef>
-        </p:style>
-        <p:txBody>
-          <a:bodyPr spcFirstLastPara="0" vert="horz" wrap="square" lIns="0" tIns="82820" rIns="124231" bIns="82820" numCol="1" spcCol="1270" anchor="ctr" anchorCtr="0">
-            <a:noAutofit/>
-          </a:bodyPr>
-          <a:lstStyle/>
-          <a:p>
-            <a:pPr marL="0" lvl="0" indent="0" algn="ctr" defTabSz="711200" rtl="0">
-              <a:lnSpc>
-                <a:spcPct val="90000"/>
-              </a:lnSpc>
-              <a:spcBef>
-                <a:spcPct val="0"/>
-              </a:spcBef>
-              <a:spcAft>
-                <a:spcPct val="35000"/>
-              </a:spcAft>
-              <a:buNone/>
-            </a:pPr>
-            <a:endParaRPr lang="en-GB" sz="1600" kern="1200">
-              <a:solidFill>
-                <a:prstClr val="white"/>
-              </a:solidFill>
-              <a:latin typeface="Calibri" panose="020F0502020204030204"/>
-              <a:ea typeface="+mn-ea"/>
-              <a:cs typeface="+mn-cs"/>
-            </a:endParaRPr>
-          </a:p>
-        </p:txBody>
-      </p:sp>
-      <p:sp>
-        <p:nvSpPr>
-          <p:cNvPr id="26" name="Freeform 25">
-            <a:extLst>
-              <a:ext uri="{FF2B5EF4-FFF2-40B4-BE49-F238E27FC236}">
-                <a16:creationId xmlns:a16="http://schemas.microsoft.com/office/drawing/2014/main" id="{2E9B194E-1239-C84E-869A-5F0D23AAB23F}"/>
-              </a:ext>
-            </a:extLst>
-          </p:cNvPr>
-          <p:cNvSpPr/>
-          <p:nvPr/>
-        </p:nvSpPr>
-        <p:spPr>
-          <a:xfrm rot="5400000">
-            <a:off x="8610182" y="2285174"/>
-            <a:ext cx="826105" cy="414102"/>
-          </a:xfrm>
-          <a:custGeom>
-            <a:avLst/>
-            <a:gdLst>
-              <a:gd name="connsiteX0" fmla="*/ 0 w 605497"/>
-              <a:gd name="connsiteY0" fmla="*/ 82820 h 414102"/>
-              <a:gd name="connsiteX1" fmla="*/ 398446 w 605497"/>
-              <a:gd name="connsiteY1" fmla="*/ 82820 h 414102"/>
-              <a:gd name="connsiteX2" fmla="*/ 398446 w 605497"/>
-              <a:gd name="connsiteY2" fmla="*/ 0 h 414102"/>
-              <a:gd name="connsiteX3" fmla="*/ 605497 w 605497"/>
-              <a:gd name="connsiteY3" fmla="*/ 207051 h 414102"/>
-              <a:gd name="connsiteX4" fmla="*/ 398446 w 605497"/>
-              <a:gd name="connsiteY4" fmla="*/ 414102 h 414102"/>
-              <a:gd name="connsiteX5" fmla="*/ 398446 w 605497"/>
-              <a:gd name="connsiteY5" fmla="*/ 331282 h 414102"/>
-              <a:gd name="connsiteX6" fmla="*/ 0 w 605497"/>
-              <a:gd name="connsiteY6" fmla="*/ 331282 h 414102"/>
-              <a:gd name="connsiteX7" fmla="*/ 0 w 605497"/>
-              <a:gd name="connsiteY7" fmla="*/ 82820 h 414102"/>
-            </a:gdLst>
-            <a:ahLst/>
-            <a:cxnLst>
-              <a:cxn ang="0">
-                <a:pos x="connsiteX0" y="connsiteY0"/>
-              </a:cxn>
-              <a:cxn ang="0">
-                <a:pos x="connsiteX1" y="connsiteY1"/>
-              </a:cxn>
-              <a:cxn ang="0">
-                <a:pos x="connsiteX2" y="connsiteY2"/>
-              </a:cxn>
-              <a:cxn ang="0">
-                <a:pos x="connsiteX3" y="connsiteY3"/>
-              </a:cxn>
-              <a:cxn ang="0">
-                <a:pos x="connsiteX4" y="connsiteY4"/>
-              </a:cxn>
-              <a:cxn ang="0">
-                <a:pos x="connsiteX5" y="connsiteY5"/>
-              </a:cxn>
-              <a:cxn ang="0">
-                <a:pos x="connsiteX6" y="connsiteY6"/>
-              </a:cxn>
-              <a:cxn ang="0">
-                <a:pos x="connsiteX7" y="connsiteY7"/>
-              </a:cxn>
-            </a:cxnLst>
-            <a:rect l="l" t="t" r="r" b="b"/>
-            <a:pathLst>
-              <a:path w="605497" h="414102">
-                <a:moveTo>
-                  <a:pt x="0" y="82820"/>
-                </a:moveTo>
-                <a:lnTo>
-                  <a:pt x="398446" y="82820"/>
-                </a:lnTo>
-                <a:lnTo>
-                  <a:pt x="398446" y="0"/>
-                </a:lnTo>
-                <a:lnTo>
-                  <a:pt x="605497" y="207051"/>
-                </a:lnTo>
-                <a:lnTo>
-                  <a:pt x="398446" y="414102"/>
-                </a:lnTo>
-                <a:lnTo>
-                  <a:pt x="398446" y="331282"/>
-                </a:lnTo>
-                <a:lnTo>
-                  <a:pt x="0" y="331282"/>
-                </a:lnTo>
-                <a:lnTo>
-                  <a:pt x="0" y="82820"/>
-                </a:lnTo>
-                <a:close/>
-              </a:path>
-            </a:pathLst>
-          </a:custGeom>
-          <a:solidFill>
-            <a:prstClr val="black"/>
-          </a:solidFill>
-          <a:ln>
-            <a:solidFill>
-              <a:prstClr val="black"/>
-            </a:solidFill>
-          </a:ln>
-          <a:effectLst/>
-        </p:spPr>
-        <p:style>
-          <a:lnRef idx="0">
-            <a:scrgbClr r="0" g="0" b="0"/>
-          </a:lnRef>
-          <a:fillRef idx="1">
-            <a:scrgbClr r="0" g="0" b="0"/>
-          </a:fillRef>
-          <a:effectRef idx="0">
-            <a:scrgbClr r="0" g="0" b="0"/>
-          </a:effectRef>
-          <a:fontRef idx="minor">
-            <a:schemeClr val="lt1"/>
-          </a:fontRef>
-        </p:style>
-        <p:txBody>
-          <a:bodyPr spcFirstLastPara="0" vert="horz" wrap="square" lIns="0" tIns="82820" rIns="124231" bIns="82820" numCol="1" spcCol="1270" anchor="ctr" anchorCtr="0">
-            <a:noAutofit/>
-          </a:bodyPr>
-          <a:lstStyle/>
-          <a:p>
-            <a:pPr marL="0" lvl="0" indent="0" algn="ctr" defTabSz="711200" rtl="0">
-              <a:lnSpc>
-                <a:spcPct val="90000"/>
-              </a:lnSpc>
-              <a:spcBef>
-                <a:spcPct val="0"/>
-              </a:spcBef>
-              <a:spcAft>
-                <a:spcPct val="35000"/>
-              </a:spcAft>
-              <a:buNone/>
-            </a:pPr>
-            <a:endParaRPr lang="en-GB" sz="1600" kern="1200">
-              <a:solidFill>
-                <a:prstClr val="white"/>
-              </a:solidFill>
-              <a:latin typeface="Calibri" panose="020F0502020204030204"/>
-              <a:ea typeface="+mn-ea"/>
-              <a:cs typeface="+mn-cs"/>
-            </a:endParaRPr>
-          </a:p>
-        </p:txBody>
-      </p:sp>
-      <p:sp>
-        <p:nvSpPr>
           <p:cNvPr id="27" name="Freeform 26">
             <a:extLst>
               <a:ext uri="{FF2B5EF4-FFF2-40B4-BE49-F238E27FC236}">
@@ -7823,1087 +5435,8 @@
         </p:nvSpPr>
         <p:spPr>
           <a:xfrm>
-            <a:off x="7467304" y="3264878"/>
-            <a:ext cx="629193" cy="414102"/>
-          </a:xfrm>
-          <a:custGeom>
-            <a:avLst/>
-            <a:gdLst>
-              <a:gd name="connsiteX0" fmla="*/ 0 w 625260"/>
-              <a:gd name="connsiteY0" fmla="*/ 82820 h 414102"/>
-              <a:gd name="connsiteX1" fmla="*/ 418209 w 625260"/>
-              <a:gd name="connsiteY1" fmla="*/ 82820 h 414102"/>
-              <a:gd name="connsiteX2" fmla="*/ 418209 w 625260"/>
-              <a:gd name="connsiteY2" fmla="*/ 0 h 414102"/>
-              <a:gd name="connsiteX3" fmla="*/ 625260 w 625260"/>
-              <a:gd name="connsiteY3" fmla="*/ 207051 h 414102"/>
-              <a:gd name="connsiteX4" fmla="*/ 418209 w 625260"/>
-              <a:gd name="connsiteY4" fmla="*/ 414102 h 414102"/>
-              <a:gd name="connsiteX5" fmla="*/ 418209 w 625260"/>
-              <a:gd name="connsiteY5" fmla="*/ 331282 h 414102"/>
-              <a:gd name="connsiteX6" fmla="*/ 0 w 625260"/>
-              <a:gd name="connsiteY6" fmla="*/ 331282 h 414102"/>
-              <a:gd name="connsiteX7" fmla="*/ 0 w 625260"/>
-              <a:gd name="connsiteY7" fmla="*/ 82820 h 414102"/>
-            </a:gdLst>
-            <a:ahLst/>
-            <a:cxnLst>
-              <a:cxn ang="0">
-                <a:pos x="connsiteX0" y="connsiteY0"/>
-              </a:cxn>
-              <a:cxn ang="0">
-                <a:pos x="connsiteX1" y="connsiteY1"/>
-              </a:cxn>
-              <a:cxn ang="0">
-                <a:pos x="connsiteX2" y="connsiteY2"/>
-              </a:cxn>
-              <a:cxn ang="0">
-                <a:pos x="connsiteX3" y="connsiteY3"/>
-              </a:cxn>
-              <a:cxn ang="0">
-                <a:pos x="connsiteX4" y="connsiteY4"/>
-              </a:cxn>
-              <a:cxn ang="0">
-                <a:pos x="connsiteX5" y="connsiteY5"/>
-              </a:cxn>
-              <a:cxn ang="0">
-                <a:pos x="connsiteX6" y="connsiteY6"/>
-              </a:cxn>
-              <a:cxn ang="0">
-                <a:pos x="connsiteX7" y="connsiteY7"/>
-              </a:cxn>
-            </a:cxnLst>
-            <a:rect l="l" t="t" r="r" b="b"/>
-            <a:pathLst>
-              <a:path w="625260" h="414102">
-                <a:moveTo>
-                  <a:pt x="0" y="82820"/>
-                </a:moveTo>
-                <a:lnTo>
-                  <a:pt x="418209" y="82820"/>
-                </a:lnTo>
-                <a:lnTo>
-                  <a:pt x="418209" y="0"/>
-                </a:lnTo>
-                <a:lnTo>
-                  <a:pt x="625260" y="207051"/>
-                </a:lnTo>
-                <a:lnTo>
-                  <a:pt x="418209" y="414102"/>
-                </a:lnTo>
-                <a:lnTo>
-                  <a:pt x="418209" y="331282"/>
-                </a:lnTo>
-                <a:lnTo>
-                  <a:pt x="0" y="331282"/>
-                </a:lnTo>
-                <a:lnTo>
-                  <a:pt x="0" y="82820"/>
-                </a:lnTo>
-                <a:close/>
-              </a:path>
-            </a:pathLst>
-          </a:custGeom>
-          <a:solidFill>
-            <a:prstClr val="black"/>
-          </a:solidFill>
-          <a:ln>
-            <a:solidFill>
-              <a:prstClr val="black"/>
-            </a:solidFill>
-          </a:ln>
-          <a:effectLst/>
-        </p:spPr>
-        <p:style>
-          <a:lnRef idx="0">
-            <a:scrgbClr r="0" g="0" b="0"/>
-          </a:lnRef>
-          <a:fillRef idx="1">
-            <a:scrgbClr r="0" g="0" b="0"/>
-          </a:fillRef>
-          <a:effectRef idx="0">
-            <a:scrgbClr r="0" g="0" b="0"/>
-          </a:effectRef>
-          <a:fontRef idx="minor">
-            <a:schemeClr val="lt1"/>
-          </a:fontRef>
-        </p:style>
-        <p:txBody>
-          <a:bodyPr spcFirstLastPara="0" vert="horz" wrap="square" lIns="0" tIns="82820" rIns="124231" bIns="82820" numCol="1" spcCol="1270" anchor="ctr" anchorCtr="0">
-            <a:noAutofit/>
-          </a:bodyPr>
-          <a:lstStyle/>
-          <a:p>
-            <a:pPr marL="0" lvl="0" indent="0" algn="ctr" defTabSz="711200" rtl="0">
-              <a:lnSpc>
-                <a:spcPct val="90000"/>
-              </a:lnSpc>
-              <a:spcBef>
-                <a:spcPct val="0"/>
-              </a:spcBef>
-              <a:spcAft>
-                <a:spcPct val="35000"/>
-              </a:spcAft>
-              <a:buNone/>
-            </a:pPr>
-            <a:endParaRPr lang="en-GB" sz="1600" kern="1200">
-              <a:solidFill>
-                <a:prstClr val="white"/>
-              </a:solidFill>
-              <a:latin typeface="Calibri" panose="020F0502020204030204"/>
-              <a:ea typeface="+mn-ea"/>
-              <a:cs typeface="+mn-cs"/>
-            </a:endParaRPr>
-          </a:p>
-        </p:txBody>
-      </p:sp>
-      <p:sp>
-        <p:nvSpPr>
-          <p:cNvPr id="28" name="Freeform 27">
-            <a:extLst>
-              <a:ext uri="{FF2B5EF4-FFF2-40B4-BE49-F238E27FC236}">
-                <a16:creationId xmlns:a16="http://schemas.microsoft.com/office/drawing/2014/main" id="{722D48B8-6D39-464F-BEE9-0F42410350AD}"/>
-              </a:ext>
-            </a:extLst>
-          </p:cNvPr>
-          <p:cNvSpPr/>
-          <p:nvPr/>
-        </p:nvSpPr>
-        <p:spPr>
-          <a:xfrm>
-            <a:off x="7467304" y="1362560"/>
-            <a:ext cx="629193" cy="414102"/>
-          </a:xfrm>
-          <a:custGeom>
-            <a:avLst/>
-            <a:gdLst>
-              <a:gd name="connsiteX0" fmla="*/ 0 w 625260"/>
-              <a:gd name="connsiteY0" fmla="*/ 82820 h 414102"/>
-              <a:gd name="connsiteX1" fmla="*/ 418209 w 625260"/>
-              <a:gd name="connsiteY1" fmla="*/ 82820 h 414102"/>
-              <a:gd name="connsiteX2" fmla="*/ 418209 w 625260"/>
-              <a:gd name="connsiteY2" fmla="*/ 0 h 414102"/>
-              <a:gd name="connsiteX3" fmla="*/ 625260 w 625260"/>
-              <a:gd name="connsiteY3" fmla="*/ 207051 h 414102"/>
-              <a:gd name="connsiteX4" fmla="*/ 418209 w 625260"/>
-              <a:gd name="connsiteY4" fmla="*/ 414102 h 414102"/>
-              <a:gd name="connsiteX5" fmla="*/ 418209 w 625260"/>
-              <a:gd name="connsiteY5" fmla="*/ 331282 h 414102"/>
-              <a:gd name="connsiteX6" fmla="*/ 0 w 625260"/>
-              <a:gd name="connsiteY6" fmla="*/ 331282 h 414102"/>
-              <a:gd name="connsiteX7" fmla="*/ 0 w 625260"/>
-              <a:gd name="connsiteY7" fmla="*/ 82820 h 414102"/>
-            </a:gdLst>
-            <a:ahLst/>
-            <a:cxnLst>
-              <a:cxn ang="0">
-                <a:pos x="connsiteX0" y="connsiteY0"/>
-              </a:cxn>
-              <a:cxn ang="0">
-                <a:pos x="connsiteX1" y="connsiteY1"/>
-              </a:cxn>
-              <a:cxn ang="0">
-                <a:pos x="connsiteX2" y="connsiteY2"/>
-              </a:cxn>
-              <a:cxn ang="0">
-                <a:pos x="connsiteX3" y="connsiteY3"/>
-              </a:cxn>
-              <a:cxn ang="0">
-                <a:pos x="connsiteX4" y="connsiteY4"/>
-              </a:cxn>
-              <a:cxn ang="0">
-                <a:pos x="connsiteX5" y="connsiteY5"/>
-              </a:cxn>
-              <a:cxn ang="0">
-                <a:pos x="connsiteX6" y="connsiteY6"/>
-              </a:cxn>
-              <a:cxn ang="0">
-                <a:pos x="connsiteX7" y="connsiteY7"/>
-              </a:cxn>
-            </a:cxnLst>
-            <a:rect l="l" t="t" r="r" b="b"/>
-            <a:pathLst>
-              <a:path w="625260" h="414102">
-                <a:moveTo>
-                  <a:pt x="0" y="82820"/>
-                </a:moveTo>
-                <a:lnTo>
-                  <a:pt x="418209" y="82820"/>
-                </a:lnTo>
-                <a:lnTo>
-                  <a:pt x="418209" y="0"/>
-                </a:lnTo>
-                <a:lnTo>
-                  <a:pt x="625260" y="207051"/>
-                </a:lnTo>
-                <a:lnTo>
-                  <a:pt x="418209" y="414102"/>
-                </a:lnTo>
-                <a:lnTo>
-                  <a:pt x="418209" y="331282"/>
-                </a:lnTo>
-                <a:lnTo>
-                  <a:pt x="0" y="331282"/>
-                </a:lnTo>
-                <a:lnTo>
-                  <a:pt x="0" y="82820"/>
-                </a:lnTo>
-                <a:close/>
-              </a:path>
-            </a:pathLst>
-          </a:custGeom>
-          <a:solidFill>
-            <a:prstClr val="black"/>
-          </a:solidFill>
-          <a:ln>
-            <a:solidFill>
-              <a:prstClr val="black"/>
-            </a:solidFill>
-          </a:ln>
-          <a:effectLst/>
-        </p:spPr>
-        <p:style>
-          <a:lnRef idx="0">
-            <a:scrgbClr r="0" g="0" b="0"/>
-          </a:lnRef>
-          <a:fillRef idx="1">
-            <a:scrgbClr r="0" g="0" b="0"/>
-          </a:fillRef>
-          <a:effectRef idx="0">
-            <a:scrgbClr r="0" g="0" b="0"/>
-          </a:effectRef>
-          <a:fontRef idx="minor">
-            <a:schemeClr val="lt1"/>
-          </a:fontRef>
-        </p:style>
-        <p:txBody>
-          <a:bodyPr spcFirstLastPara="0" vert="horz" wrap="square" lIns="0" tIns="82820" rIns="124231" bIns="82820" numCol="1" spcCol="1270" anchor="ctr" anchorCtr="0">
-            <a:noAutofit/>
-          </a:bodyPr>
-          <a:lstStyle/>
-          <a:p>
-            <a:pPr marL="0" lvl="0" indent="0" algn="ctr" defTabSz="711200" rtl="0">
-              <a:lnSpc>
-                <a:spcPct val="90000"/>
-              </a:lnSpc>
-              <a:spcBef>
-                <a:spcPct val="0"/>
-              </a:spcBef>
-              <a:spcAft>
-                <a:spcPct val="35000"/>
-              </a:spcAft>
-              <a:buNone/>
-            </a:pPr>
-            <a:endParaRPr lang="en-GB" sz="1600" kern="1200">
-              <a:solidFill>
-                <a:prstClr val="white"/>
-              </a:solidFill>
-              <a:latin typeface="Calibri" panose="020F0502020204030204"/>
-              <a:ea typeface="+mn-ea"/>
-              <a:cs typeface="+mn-cs"/>
-            </a:endParaRPr>
-          </a:p>
-        </p:txBody>
-      </p:sp>
-      <p:sp>
-        <p:nvSpPr>
-          <p:cNvPr id="29" name="Freeform 28">
-            <a:extLst>
-              <a:ext uri="{FF2B5EF4-FFF2-40B4-BE49-F238E27FC236}">
-                <a16:creationId xmlns:a16="http://schemas.microsoft.com/office/drawing/2014/main" id="{A2E55E6D-A2DA-0147-BCE9-9495AA32B95C}"/>
-              </a:ext>
-            </a:extLst>
-          </p:cNvPr>
-          <p:cNvSpPr/>
-          <p:nvPr/>
-        </p:nvSpPr>
-        <p:spPr>
-          <a:xfrm rot="16200000">
-            <a:off x="6192169" y="411402"/>
-            <a:ext cx="605497" cy="414102"/>
-          </a:xfrm>
-          <a:custGeom>
-            <a:avLst/>
-            <a:gdLst>
-              <a:gd name="connsiteX0" fmla="*/ 0 w 605497"/>
-              <a:gd name="connsiteY0" fmla="*/ 82820 h 414102"/>
-              <a:gd name="connsiteX1" fmla="*/ 398446 w 605497"/>
-              <a:gd name="connsiteY1" fmla="*/ 82820 h 414102"/>
-              <a:gd name="connsiteX2" fmla="*/ 398446 w 605497"/>
-              <a:gd name="connsiteY2" fmla="*/ 0 h 414102"/>
-              <a:gd name="connsiteX3" fmla="*/ 605497 w 605497"/>
-              <a:gd name="connsiteY3" fmla="*/ 207051 h 414102"/>
-              <a:gd name="connsiteX4" fmla="*/ 398446 w 605497"/>
-              <a:gd name="connsiteY4" fmla="*/ 414102 h 414102"/>
-              <a:gd name="connsiteX5" fmla="*/ 398446 w 605497"/>
-              <a:gd name="connsiteY5" fmla="*/ 331282 h 414102"/>
-              <a:gd name="connsiteX6" fmla="*/ 0 w 605497"/>
-              <a:gd name="connsiteY6" fmla="*/ 331282 h 414102"/>
-              <a:gd name="connsiteX7" fmla="*/ 0 w 605497"/>
-              <a:gd name="connsiteY7" fmla="*/ 82820 h 414102"/>
-            </a:gdLst>
-            <a:ahLst/>
-            <a:cxnLst>
-              <a:cxn ang="0">
-                <a:pos x="connsiteX0" y="connsiteY0"/>
-              </a:cxn>
-              <a:cxn ang="0">
-                <a:pos x="connsiteX1" y="connsiteY1"/>
-              </a:cxn>
-              <a:cxn ang="0">
-                <a:pos x="connsiteX2" y="connsiteY2"/>
-              </a:cxn>
-              <a:cxn ang="0">
-                <a:pos x="connsiteX3" y="connsiteY3"/>
-              </a:cxn>
-              <a:cxn ang="0">
-                <a:pos x="connsiteX4" y="connsiteY4"/>
-              </a:cxn>
-              <a:cxn ang="0">
-                <a:pos x="connsiteX5" y="connsiteY5"/>
-              </a:cxn>
-              <a:cxn ang="0">
-                <a:pos x="connsiteX6" y="connsiteY6"/>
-              </a:cxn>
-              <a:cxn ang="0">
-                <a:pos x="connsiteX7" y="connsiteY7"/>
-              </a:cxn>
-            </a:cxnLst>
-            <a:rect l="l" t="t" r="r" b="b"/>
-            <a:pathLst>
-              <a:path w="605497" h="414102">
-                <a:moveTo>
-                  <a:pt x="0" y="82820"/>
-                </a:moveTo>
-                <a:lnTo>
-                  <a:pt x="398446" y="82820"/>
-                </a:lnTo>
-                <a:lnTo>
-                  <a:pt x="398446" y="0"/>
-                </a:lnTo>
-                <a:lnTo>
-                  <a:pt x="605497" y="207051"/>
-                </a:lnTo>
-                <a:lnTo>
-                  <a:pt x="398446" y="414102"/>
-                </a:lnTo>
-                <a:lnTo>
-                  <a:pt x="398446" y="331282"/>
-                </a:lnTo>
-                <a:lnTo>
-                  <a:pt x="0" y="331282"/>
-                </a:lnTo>
-                <a:lnTo>
-                  <a:pt x="0" y="82820"/>
-                </a:lnTo>
-                <a:close/>
-              </a:path>
-            </a:pathLst>
-          </a:custGeom>
-          <a:solidFill>
-            <a:prstClr val="black"/>
-          </a:solidFill>
-          <a:ln>
-            <a:solidFill>
-              <a:prstClr val="black"/>
-            </a:solidFill>
-          </a:ln>
-          <a:effectLst/>
-        </p:spPr>
-        <p:style>
-          <a:lnRef idx="0">
-            <a:scrgbClr r="0" g="0" b="0"/>
-          </a:lnRef>
-          <a:fillRef idx="1">
-            <a:scrgbClr r="0" g="0" b="0"/>
-          </a:fillRef>
-          <a:effectRef idx="0">
-            <a:scrgbClr r="0" g="0" b="0"/>
-          </a:effectRef>
-          <a:fontRef idx="minor">
-            <a:schemeClr val="lt1"/>
-          </a:fontRef>
-        </p:style>
-        <p:txBody>
-          <a:bodyPr spcFirstLastPara="0" vert="horz" wrap="square" lIns="0" tIns="82820" rIns="124231" bIns="82820" numCol="1" spcCol="1270" anchor="ctr" anchorCtr="0">
-            <a:noAutofit/>
-          </a:bodyPr>
-          <a:lstStyle/>
-          <a:p>
-            <a:pPr marL="0" lvl="0" indent="0" algn="ctr" defTabSz="711200" rtl="0">
-              <a:lnSpc>
-                <a:spcPct val="90000"/>
-              </a:lnSpc>
-              <a:spcBef>
-                <a:spcPct val="0"/>
-              </a:spcBef>
-              <a:spcAft>
-                <a:spcPct val="35000"/>
-              </a:spcAft>
-              <a:buNone/>
-            </a:pPr>
-            <a:endParaRPr lang="en-GB" sz="1600" kern="1200">
-              <a:solidFill>
-                <a:prstClr val="white"/>
-              </a:solidFill>
-              <a:latin typeface="Calibri" panose="020F0502020204030204"/>
-              <a:ea typeface="+mn-ea"/>
-              <a:cs typeface="+mn-cs"/>
-            </a:endParaRPr>
-          </a:p>
-        </p:txBody>
-      </p:sp>
-      <mc:AlternateContent xmlns:mc="http://schemas.openxmlformats.org/markup-compatibility/2006">
-        <mc:Choice xmlns:a14="http://schemas.microsoft.com/office/drawing/2010/main" Requires="a14">
-          <p:sp>
-            <p:nvSpPr>
-              <p:cNvPr id="30" name="TextBox 29">
-                <a:extLst>
-                  <a:ext uri="{FF2B5EF4-FFF2-40B4-BE49-F238E27FC236}">
-                    <a16:creationId xmlns:a16="http://schemas.microsoft.com/office/drawing/2014/main" id="{72D924A0-E5C5-054C-9E0D-67AECC855129}"/>
-                  </a:ext>
-                </a:extLst>
-              </p:cNvPr>
-              <p:cNvSpPr txBox="1"/>
-              <p:nvPr/>
-            </p:nvSpPr>
-            <p:spPr>
-              <a:xfrm>
-                <a:off x="4384914" y="526770"/>
-                <a:ext cx="1959513" cy="391902"/>
-              </a:xfrm>
-              <a:prstGeom prst="rect">
-                <a:avLst/>
-              </a:prstGeom>
-              <a:noFill/>
-            </p:spPr>
-            <p:txBody>
-              <a:bodyPr wrap="square" rtlCol="0">
-                <a:spAutoFit/>
-              </a:bodyPr>
-              <a:lstStyle/>
-              <a:p>
-                <a:pPr/>
-                <a14:m>
-                  <m:oMathPara xmlns:m="http://schemas.openxmlformats.org/officeDocument/2006/math">
-                    <m:oMathParaPr>
-                      <m:jc m:val="centerGroup"/>
-                    </m:oMathParaPr>
-                    <m:oMath xmlns:m="http://schemas.openxmlformats.org/officeDocument/2006/math">
-                      <m:r>
-                        <a:rPr lang="en-GB" b="0" i="1" smtClean="0">
-                          <a:latin typeface="Cambria Math" panose="02040503050406030204" pitchFamily="18" charset="0"/>
-                        </a:rPr>
-                        <m:t>(</m:t>
-                      </m:r>
-                      <m:sSub>
-                        <m:sSubPr>
-                          <m:ctrlPr>
-                            <a:rPr lang="en-GB" b="0" i="1" smtClean="0">
-                              <a:latin typeface="Cambria Math" panose="02040503050406030204" pitchFamily="18" charset="0"/>
-                            </a:rPr>
-                          </m:ctrlPr>
-                        </m:sSubPr>
-                        <m:e>
-                          <m:r>
-                            <a:rPr lang="en-GB" b="0" i="1" smtClean="0">
-                              <a:latin typeface="Cambria Math" panose="02040503050406030204" pitchFamily="18" charset="0"/>
-                            </a:rPr>
-                            <m:t>𝑚</m:t>
-                          </m:r>
-                        </m:e>
-                        <m:sub>
-                          <m:r>
-                            <a:rPr lang="en-GB" b="0" i="1" smtClean="0">
-                              <a:latin typeface="Cambria Math" panose="02040503050406030204" pitchFamily="18" charset="0"/>
-                            </a:rPr>
-                            <m:t>𝑏𝑔</m:t>
-                          </m:r>
-                        </m:sub>
-                      </m:sSub>
-                      <m:r>
-                        <a:rPr lang="en-GB" b="0" i="1" smtClean="0">
-                          <a:latin typeface="Cambria Math" panose="02040503050406030204" pitchFamily="18" charset="0"/>
-                        </a:rPr>
-                        <m:t>+</m:t>
-                      </m:r>
-                      <m:sSub>
-                        <m:sSubPr>
-                          <m:ctrlPr>
-                            <a:rPr lang="en-GB" b="0" i="1" smtClean="0">
-                              <a:latin typeface="Cambria Math" panose="02040503050406030204" pitchFamily="18" charset="0"/>
-                            </a:rPr>
-                          </m:ctrlPr>
-                        </m:sSubPr>
-                        <m:e>
-                          <m:r>
-                            <a:rPr lang="en-GB" b="0" i="1" smtClean="0">
-                              <a:latin typeface="Cambria Math" panose="02040503050406030204" pitchFamily="18" charset="0"/>
-                            </a:rPr>
-                            <m:t>𝑚</m:t>
-                          </m:r>
-                        </m:e>
-                        <m:sub>
-                          <m:r>
-                            <a:rPr lang="en-GB" b="0" i="1" smtClean="0">
-                              <a:latin typeface="Cambria Math" panose="02040503050406030204" pitchFamily="18" charset="0"/>
-                            </a:rPr>
-                            <m:t>h𝑜𝑠𝑝</m:t>
-                          </m:r>
-                        </m:sub>
-                      </m:sSub>
-                      <m:r>
-                        <a:rPr lang="en-GB" b="0" i="1" smtClean="0">
-                          <a:latin typeface="Cambria Math" panose="02040503050406030204" pitchFamily="18" charset="0"/>
-                        </a:rPr>
-                        <m:t>)</m:t>
-                      </m:r>
-                      <m:sSub>
-                        <m:sSubPr>
-                          <m:ctrlPr>
-                            <a:rPr lang="en-GB" i="1" smtClean="0">
-                              <a:latin typeface="Cambria Math" panose="02040503050406030204" pitchFamily="18" charset="0"/>
-                            </a:rPr>
-                          </m:ctrlPr>
-                        </m:sSubPr>
-                        <m:e>
-                          <m:r>
-                            <a:rPr lang="en-GB" b="0" i="1" smtClean="0">
-                              <a:latin typeface="Cambria Math" panose="02040503050406030204" pitchFamily="18" charset="0"/>
-                            </a:rPr>
-                            <m:t>𝐻</m:t>
-                          </m:r>
-                        </m:e>
-                        <m:sub>
-                          <m:r>
-                            <a:rPr lang="en-GB" b="0" i="1" smtClean="0">
-                              <a:latin typeface="Cambria Math" panose="02040503050406030204" pitchFamily="18" charset="0"/>
-                            </a:rPr>
-                            <m:t>𝑡</m:t>
-                          </m:r>
-                        </m:sub>
-                      </m:sSub>
-                    </m:oMath>
-                  </m:oMathPara>
-                </a14:m>
-                <a:endParaRPr lang="en-GB" dirty="0"/>
-              </a:p>
-            </p:txBody>
-          </p:sp>
-        </mc:Choice>
-        <mc:Fallback>
-          <p:sp>
-            <p:nvSpPr>
-              <p:cNvPr id="30" name="TextBox 29">
-                <a:extLst>
-                  <a:ext uri="{FF2B5EF4-FFF2-40B4-BE49-F238E27FC236}">
-                    <a16:creationId xmlns:a16="http://schemas.microsoft.com/office/drawing/2014/main" id="{72D924A0-E5C5-054C-9E0D-67AECC855129}"/>
-                  </a:ext>
-                </a:extLst>
-              </p:cNvPr>
-              <p:cNvSpPr txBox="1">
-                <a:spLocks noRot="1" noChangeAspect="1" noMove="1" noResize="1" noEditPoints="1" noAdjustHandles="1" noChangeArrowheads="1" noChangeShapeType="1" noTextEdit="1"/>
-              </p:cNvSpPr>
-              <p:nvPr/>
-            </p:nvSpPr>
-            <p:spPr>
-              <a:xfrm>
-                <a:off x="4384914" y="526770"/>
-                <a:ext cx="1959513" cy="391902"/>
-              </a:xfrm>
-              <a:prstGeom prst="rect">
-                <a:avLst/>
-              </a:prstGeom>
-              <a:blipFill>
-                <a:blip r:embed="rId17"/>
-                <a:stretch>
-                  <a:fillRect b="-6250"/>
-                </a:stretch>
-              </a:blipFill>
-            </p:spPr>
-            <p:txBody>
-              <a:bodyPr/>
-              <a:lstStyle/>
-              <a:p>
-                <a:r>
-                  <a:rPr lang="en-GB">
-                    <a:noFill/>
-                  </a:rPr>
-                  <a:t> </a:t>
-                </a:r>
-              </a:p>
-            </p:txBody>
-          </p:sp>
-        </mc:Fallback>
-      </mc:AlternateContent>
-      <p:sp>
-        <p:nvSpPr>
-          <p:cNvPr id="31" name="Freeform 30">
-            <a:extLst>
-              <a:ext uri="{FF2B5EF4-FFF2-40B4-BE49-F238E27FC236}">
-                <a16:creationId xmlns:a16="http://schemas.microsoft.com/office/drawing/2014/main" id="{3C9C2A13-A80A-684C-BF81-5EED39750DC4}"/>
-              </a:ext>
-            </a:extLst>
-          </p:cNvPr>
-          <p:cNvSpPr/>
-          <p:nvPr/>
-        </p:nvSpPr>
-        <p:spPr>
-          <a:xfrm rot="16200000">
-            <a:off x="8695882" y="433172"/>
-            <a:ext cx="605497" cy="414102"/>
-          </a:xfrm>
-          <a:custGeom>
-            <a:avLst/>
-            <a:gdLst>
-              <a:gd name="connsiteX0" fmla="*/ 0 w 605497"/>
-              <a:gd name="connsiteY0" fmla="*/ 82820 h 414102"/>
-              <a:gd name="connsiteX1" fmla="*/ 398446 w 605497"/>
-              <a:gd name="connsiteY1" fmla="*/ 82820 h 414102"/>
-              <a:gd name="connsiteX2" fmla="*/ 398446 w 605497"/>
-              <a:gd name="connsiteY2" fmla="*/ 0 h 414102"/>
-              <a:gd name="connsiteX3" fmla="*/ 605497 w 605497"/>
-              <a:gd name="connsiteY3" fmla="*/ 207051 h 414102"/>
-              <a:gd name="connsiteX4" fmla="*/ 398446 w 605497"/>
-              <a:gd name="connsiteY4" fmla="*/ 414102 h 414102"/>
-              <a:gd name="connsiteX5" fmla="*/ 398446 w 605497"/>
-              <a:gd name="connsiteY5" fmla="*/ 331282 h 414102"/>
-              <a:gd name="connsiteX6" fmla="*/ 0 w 605497"/>
-              <a:gd name="connsiteY6" fmla="*/ 331282 h 414102"/>
-              <a:gd name="connsiteX7" fmla="*/ 0 w 605497"/>
-              <a:gd name="connsiteY7" fmla="*/ 82820 h 414102"/>
-            </a:gdLst>
-            <a:ahLst/>
-            <a:cxnLst>
-              <a:cxn ang="0">
-                <a:pos x="connsiteX0" y="connsiteY0"/>
-              </a:cxn>
-              <a:cxn ang="0">
-                <a:pos x="connsiteX1" y="connsiteY1"/>
-              </a:cxn>
-              <a:cxn ang="0">
-                <a:pos x="connsiteX2" y="connsiteY2"/>
-              </a:cxn>
-              <a:cxn ang="0">
-                <a:pos x="connsiteX3" y="connsiteY3"/>
-              </a:cxn>
-              <a:cxn ang="0">
-                <a:pos x="connsiteX4" y="connsiteY4"/>
-              </a:cxn>
-              <a:cxn ang="0">
-                <a:pos x="connsiteX5" y="connsiteY5"/>
-              </a:cxn>
-              <a:cxn ang="0">
-                <a:pos x="connsiteX6" y="connsiteY6"/>
-              </a:cxn>
-              <a:cxn ang="0">
-                <a:pos x="connsiteX7" y="connsiteY7"/>
-              </a:cxn>
-            </a:cxnLst>
-            <a:rect l="l" t="t" r="r" b="b"/>
-            <a:pathLst>
-              <a:path w="605497" h="414102">
-                <a:moveTo>
-                  <a:pt x="0" y="82820"/>
-                </a:moveTo>
-                <a:lnTo>
-                  <a:pt x="398446" y="82820"/>
-                </a:lnTo>
-                <a:lnTo>
-                  <a:pt x="398446" y="0"/>
-                </a:lnTo>
-                <a:lnTo>
-                  <a:pt x="605497" y="207051"/>
-                </a:lnTo>
-                <a:lnTo>
-                  <a:pt x="398446" y="414102"/>
-                </a:lnTo>
-                <a:lnTo>
-                  <a:pt x="398446" y="331282"/>
-                </a:lnTo>
-                <a:lnTo>
-                  <a:pt x="0" y="331282"/>
-                </a:lnTo>
-                <a:lnTo>
-                  <a:pt x="0" y="82820"/>
-                </a:lnTo>
-                <a:close/>
-              </a:path>
-            </a:pathLst>
-          </a:custGeom>
-          <a:solidFill>
-            <a:prstClr val="black"/>
-          </a:solidFill>
-          <a:ln>
-            <a:solidFill>
-              <a:prstClr val="black"/>
-            </a:solidFill>
-          </a:ln>
-          <a:effectLst/>
-        </p:spPr>
-        <p:style>
-          <a:lnRef idx="0">
-            <a:scrgbClr r="0" g="0" b="0"/>
-          </a:lnRef>
-          <a:fillRef idx="1">
-            <a:scrgbClr r="0" g="0" b="0"/>
-          </a:fillRef>
-          <a:effectRef idx="0">
-            <a:scrgbClr r="0" g="0" b="0"/>
-          </a:effectRef>
-          <a:fontRef idx="minor">
-            <a:schemeClr val="lt1"/>
-          </a:fontRef>
-        </p:style>
-        <p:txBody>
-          <a:bodyPr spcFirstLastPara="0" vert="horz" wrap="square" lIns="0" tIns="82820" rIns="124231" bIns="82820" numCol="1" spcCol="1270" anchor="ctr" anchorCtr="0">
-            <a:noAutofit/>
-          </a:bodyPr>
-          <a:lstStyle/>
-          <a:p>
-            <a:pPr marL="0" lvl="0" indent="0" algn="ctr" defTabSz="711200" rtl="0">
-              <a:lnSpc>
-                <a:spcPct val="90000"/>
-              </a:lnSpc>
-              <a:spcBef>
-                <a:spcPct val="0"/>
-              </a:spcBef>
-              <a:spcAft>
-                <a:spcPct val="35000"/>
-              </a:spcAft>
-              <a:buNone/>
-            </a:pPr>
-            <a:endParaRPr lang="en-GB" sz="1600" kern="1200">
-              <a:solidFill>
-                <a:prstClr val="white"/>
-              </a:solidFill>
-              <a:latin typeface="Calibri" panose="020F0502020204030204"/>
-              <a:ea typeface="+mn-ea"/>
-              <a:cs typeface="+mn-cs"/>
-            </a:endParaRPr>
-          </a:p>
-        </p:txBody>
-      </p:sp>
-      <mc:AlternateContent xmlns:mc="http://schemas.openxmlformats.org/markup-compatibility/2006">
-        <mc:Choice xmlns:a14="http://schemas.microsoft.com/office/drawing/2010/main" Requires="a14">
-          <p:sp>
-            <p:nvSpPr>
-              <p:cNvPr id="32" name="TextBox 31">
-                <a:extLst>
-                  <a:ext uri="{FF2B5EF4-FFF2-40B4-BE49-F238E27FC236}">
-                    <a16:creationId xmlns:a16="http://schemas.microsoft.com/office/drawing/2014/main" id="{9B47C740-EED4-954E-A4DE-ED7431E8F708}"/>
-                  </a:ext>
-                </a:extLst>
-              </p:cNvPr>
-              <p:cNvSpPr txBox="1"/>
-              <p:nvPr/>
-            </p:nvSpPr>
-            <p:spPr>
-              <a:xfrm>
-                <a:off x="9018490" y="526770"/>
-                <a:ext cx="1959513" cy="391902"/>
-              </a:xfrm>
-              <a:prstGeom prst="rect">
-                <a:avLst/>
-              </a:prstGeom>
-              <a:noFill/>
-            </p:spPr>
-            <p:txBody>
-              <a:bodyPr wrap="square" rtlCol="0">
-                <a:spAutoFit/>
-              </a:bodyPr>
-              <a:lstStyle/>
-              <a:p>
-                <a:pPr/>
-                <a14:m>
-                  <m:oMathPara xmlns:m="http://schemas.openxmlformats.org/officeDocument/2006/math">
-                    <m:oMathParaPr>
-                      <m:jc m:val="centerGroup"/>
-                    </m:oMathParaPr>
-                    <m:oMath xmlns:m="http://schemas.openxmlformats.org/officeDocument/2006/math">
-                      <m:r>
-                        <a:rPr lang="en-GB" b="0" i="1" smtClean="0">
-                          <a:latin typeface="Cambria Math" panose="02040503050406030204" pitchFamily="18" charset="0"/>
-                        </a:rPr>
-                        <m:t>(</m:t>
-                      </m:r>
-                      <m:sSub>
-                        <m:sSubPr>
-                          <m:ctrlPr>
-                            <a:rPr lang="en-GB" b="0" i="1" smtClean="0">
-                              <a:latin typeface="Cambria Math" panose="02040503050406030204" pitchFamily="18" charset="0"/>
-                            </a:rPr>
-                          </m:ctrlPr>
-                        </m:sSubPr>
-                        <m:e>
-                          <m:r>
-                            <a:rPr lang="en-GB" b="0" i="1" smtClean="0">
-                              <a:latin typeface="Cambria Math" panose="02040503050406030204" pitchFamily="18" charset="0"/>
-                            </a:rPr>
-                            <m:t>𝑚</m:t>
-                          </m:r>
-                        </m:e>
-                        <m:sub>
-                          <m:r>
-                            <a:rPr lang="en-GB" b="0" i="1" smtClean="0">
-                              <a:latin typeface="Cambria Math" panose="02040503050406030204" pitchFamily="18" charset="0"/>
-                            </a:rPr>
-                            <m:t>𝑏𝑔</m:t>
-                          </m:r>
-                        </m:sub>
-                      </m:sSub>
-                      <m:r>
-                        <a:rPr lang="en-GB" b="0" i="1" smtClean="0">
-                          <a:latin typeface="Cambria Math" panose="02040503050406030204" pitchFamily="18" charset="0"/>
-                        </a:rPr>
-                        <m:t>+</m:t>
-                      </m:r>
-                      <m:sSub>
-                        <m:sSubPr>
-                          <m:ctrlPr>
-                            <a:rPr lang="en-GB" b="0" i="1" smtClean="0">
-                              <a:latin typeface="Cambria Math" panose="02040503050406030204" pitchFamily="18" charset="0"/>
-                            </a:rPr>
-                          </m:ctrlPr>
-                        </m:sSubPr>
-                        <m:e>
-                          <m:r>
-                            <a:rPr lang="en-GB" b="0" i="1" smtClean="0">
-                              <a:latin typeface="Cambria Math" panose="02040503050406030204" pitchFamily="18" charset="0"/>
-                            </a:rPr>
-                            <m:t>𝑚</m:t>
-                          </m:r>
-                        </m:e>
-                        <m:sub>
-                          <m:r>
-                            <a:rPr lang="en-GB" b="0" i="1" smtClean="0">
-                              <a:latin typeface="Cambria Math" panose="02040503050406030204" pitchFamily="18" charset="0"/>
-                            </a:rPr>
-                            <m:t>𝑐𝑐</m:t>
-                          </m:r>
-                        </m:sub>
-                      </m:sSub>
-                      <m:r>
-                        <a:rPr lang="en-GB" b="0" i="1" smtClean="0">
-                          <a:latin typeface="Cambria Math" panose="02040503050406030204" pitchFamily="18" charset="0"/>
-                        </a:rPr>
-                        <m:t>)</m:t>
-                      </m:r>
-                      <m:sSub>
-                        <m:sSubPr>
-                          <m:ctrlPr>
-                            <a:rPr lang="en-GB" i="1" smtClean="0">
-                              <a:latin typeface="Cambria Math" panose="02040503050406030204" pitchFamily="18" charset="0"/>
-                            </a:rPr>
-                          </m:ctrlPr>
-                        </m:sSubPr>
-                        <m:e>
-                          <m:r>
-                            <a:rPr lang="en-GB" b="0" i="1" smtClean="0">
-                              <a:latin typeface="Cambria Math" panose="02040503050406030204" pitchFamily="18" charset="0"/>
-                            </a:rPr>
-                            <m:t>𝐶</m:t>
-                          </m:r>
-                        </m:e>
-                        <m:sub>
-                          <m:r>
-                            <a:rPr lang="en-GB" b="0" i="1" smtClean="0">
-                              <a:latin typeface="Cambria Math" panose="02040503050406030204" pitchFamily="18" charset="0"/>
-                            </a:rPr>
-                            <m:t>𝑡</m:t>
-                          </m:r>
-                        </m:sub>
-                      </m:sSub>
-                    </m:oMath>
-                  </m:oMathPara>
-                </a14:m>
-                <a:endParaRPr lang="en-GB" dirty="0"/>
-              </a:p>
-            </p:txBody>
-          </p:sp>
-        </mc:Choice>
-        <mc:Fallback>
-          <p:sp>
-            <p:nvSpPr>
-              <p:cNvPr id="32" name="TextBox 31">
-                <a:extLst>
-                  <a:ext uri="{FF2B5EF4-FFF2-40B4-BE49-F238E27FC236}">
-                    <a16:creationId xmlns:a16="http://schemas.microsoft.com/office/drawing/2014/main" id="{9B47C740-EED4-954E-A4DE-ED7431E8F708}"/>
-                  </a:ext>
-                </a:extLst>
-              </p:cNvPr>
-              <p:cNvSpPr txBox="1">
-                <a:spLocks noRot="1" noChangeAspect="1" noMove="1" noResize="1" noEditPoints="1" noAdjustHandles="1" noChangeArrowheads="1" noChangeShapeType="1" noTextEdit="1"/>
-              </p:cNvSpPr>
-              <p:nvPr/>
-            </p:nvSpPr>
-            <p:spPr>
-              <a:xfrm>
-                <a:off x="9018490" y="526770"/>
-                <a:ext cx="1959513" cy="391902"/>
-              </a:xfrm>
-              <a:prstGeom prst="rect">
-                <a:avLst/>
-              </a:prstGeom>
-              <a:blipFill>
-                <a:blip r:embed="rId18"/>
-                <a:stretch>
-                  <a:fillRect b="-6250"/>
-                </a:stretch>
-              </a:blipFill>
-            </p:spPr>
-            <p:txBody>
-              <a:bodyPr/>
-              <a:lstStyle/>
-              <a:p>
-                <a:r>
-                  <a:rPr lang="en-GB">
-                    <a:noFill/>
-                  </a:rPr>
-                  <a:t> </a:t>
-                </a:r>
-              </a:p>
-            </p:txBody>
-          </p:sp>
-        </mc:Fallback>
-      </mc:AlternateContent>
-      <mc:AlternateContent xmlns:mc="http://schemas.openxmlformats.org/markup-compatibility/2006">
-        <mc:Choice xmlns:a14="http://schemas.microsoft.com/office/drawing/2010/main" Requires="a14">
-          <p:sp>
-            <p:nvSpPr>
-              <p:cNvPr id="33" name="TextBox 32">
-                <a:extLst>
-                  <a:ext uri="{FF2B5EF4-FFF2-40B4-BE49-F238E27FC236}">
-                    <a16:creationId xmlns:a16="http://schemas.microsoft.com/office/drawing/2014/main" id="{BD803AF3-49D0-784F-8714-D9E127F02ABF}"/>
-                  </a:ext>
-                </a:extLst>
-              </p:cNvPr>
-              <p:cNvSpPr txBox="1"/>
-              <p:nvPr/>
-            </p:nvSpPr>
-            <p:spPr>
-              <a:xfrm>
-                <a:off x="6657676" y="2386633"/>
-                <a:ext cx="348343" cy="369332"/>
-              </a:xfrm>
-              <a:prstGeom prst="rect">
-                <a:avLst/>
-              </a:prstGeom>
-              <a:noFill/>
-            </p:spPr>
-            <p:txBody>
-              <a:bodyPr wrap="square" rtlCol="0">
-                <a:spAutoFit/>
-              </a:bodyPr>
-              <a:lstStyle/>
-              <a:p>
-                <a:pPr/>
-                <a14:m>
-                  <m:oMathPara xmlns:m="http://schemas.openxmlformats.org/officeDocument/2006/math">
-                    <m:oMathParaPr>
-                      <m:jc m:val="centerGroup"/>
-                    </m:oMathParaPr>
-                    <m:oMath xmlns:m="http://schemas.openxmlformats.org/officeDocument/2006/math">
-                      <m:r>
-                        <a:rPr lang="en-GB" b="0" i="1" smtClean="0">
-                          <a:latin typeface="Cambria Math" panose="02040503050406030204" pitchFamily="18" charset="0"/>
-                        </a:rPr>
-                        <m:t>h</m:t>
-                      </m:r>
-                      <m:sSub>
-                        <m:sSubPr>
-                          <m:ctrlPr>
-                            <a:rPr lang="en-GB" i="1" smtClean="0">
-                              <a:latin typeface="Cambria Math" panose="02040503050406030204" pitchFamily="18" charset="0"/>
-                            </a:rPr>
-                          </m:ctrlPr>
-                        </m:sSubPr>
-                        <m:e>
-                          <m:r>
-                            <a:rPr lang="en-GB" b="0" i="1" smtClean="0">
-                              <a:latin typeface="Cambria Math" panose="02040503050406030204" pitchFamily="18" charset="0"/>
-                            </a:rPr>
-                            <m:t>𝐼</m:t>
-                          </m:r>
-                        </m:e>
-                        <m:sub>
-                          <m:r>
-                            <a:rPr lang="en-GB" b="0" i="1" smtClean="0">
-                              <a:latin typeface="Cambria Math" panose="02040503050406030204" pitchFamily="18" charset="0"/>
-                            </a:rPr>
-                            <m:t>𝑡</m:t>
-                          </m:r>
-                        </m:sub>
-                      </m:sSub>
-                    </m:oMath>
-                  </m:oMathPara>
-                </a14:m>
-                <a:endParaRPr lang="en-GB" dirty="0"/>
-              </a:p>
-            </p:txBody>
-          </p:sp>
-        </mc:Choice>
-        <mc:Fallback>
-          <p:sp>
-            <p:nvSpPr>
-              <p:cNvPr id="33" name="TextBox 32">
-                <a:extLst>
-                  <a:ext uri="{FF2B5EF4-FFF2-40B4-BE49-F238E27FC236}">
-                    <a16:creationId xmlns:a16="http://schemas.microsoft.com/office/drawing/2014/main" id="{BD803AF3-49D0-784F-8714-D9E127F02ABF}"/>
-                  </a:ext>
-                </a:extLst>
-              </p:cNvPr>
-              <p:cNvSpPr txBox="1">
-                <a:spLocks noRot="1" noChangeAspect="1" noMove="1" noResize="1" noEditPoints="1" noAdjustHandles="1" noChangeArrowheads="1" noChangeShapeType="1" noTextEdit="1"/>
-              </p:cNvSpPr>
-              <p:nvPr/>
-            </p:nvSpPr>
-            <p:spPr>
-              <a:xfrm>
-                <a:off x="6657676" y="2386633"/>
-                <a:ext cx="348343" cy="369332"/>
-              </a:xfrm>
-              <a:prstGeom prst="rect">
-                <a:avLst/>
-              </a:prstGeom>
-              <a:blipFill>
-                <a:blip r:embed="rId19"/>
-                <a:stretch>
-                  <a:fillRect r="-17241"/>
-                </a:stretch>
-              </a:blipFill>
-            </p:spPr>
-            <p:txBody>
-              <a:bodyPr/>
-              <a:lstStyle/>
-              <a:p>
-                <a:r>
-                  <a:rPr lang="en-GB">
-                    <a:noFill/>
-                  </a:rPr>
-                  <a:t> </a:t>
-                </a:r>
-              </a:p>
-            </p:txBody>
-          </p:sp>
-        </mc:Fallback>
-      </mc:AlternateContent>
-      <p:sp>
-        <p:nvSpPr>
-          <p:cNvPr id="34" name="Freeform 33">
-            <a:extLst>
-              <a:ext uri="{FF2B5EF4-FFF2-40B4-BE49-F238E27FC236}">
-                <a16:creationId xmlns:a16="http://schemas.microsoft.com/office/drawing/2014/main" id="{9E8E6F9C-31BB-504F-9846-B6ECA78E9E67}"/>
-              </a:ext>
-            </a:extLst>
-          </p:cNvPr>
-          <p:cNvSpPr/>
-          <p:nvPr/>
-        </p:nvSpPr>
-        <p:spPr>
-          <a:xfrm rot="2918316">
-            <a:off x="7203129" y="2274221"/>
-            <a:ext cx="1174968" cy="414102"/>
+            <a:off x="7565306" y="3460223"/>
+            <a:ext cx="880365" cy="414102"/>
           </a:xfrm>
           <a:custGeom>
             <a:avLst/>
@@ -9040,10 +5573,10 @@
         <mc:Choice xmlns:a14="http://schemas.microsoft.com/office/drawing/2010/main" Requires="a14">
           <p:sp>
             <p:nvSpPr>
-              <p:cNvPr id="35" name="TextBox 34">
+              <p:cNvPr id="38" name="TextBox 37">
                 <a:extLst>
                   <a:ext uri="{FF2B5EF4-FFF2-40B4-BE49-F238E27FC236}">
-                    <a16:creationId xmlns:a16="http://schemas.microsoft.com/office/drawing/2014/main" id="{B9B8BA48-8E5E-EB4B-B3BE-45AE49C46B48}"/>
+                    <a16:creationId xmlns:a16="http://schemas.microsoft.com/office/drawing/2014/main" id="{EE9E1008-292B-5044-9EB8-11536612690E}"/>
                   </a:ext>
                 </a:extLst>
               </p:cNvPr>
@@ -9052,8 +5585,8 @@
             </p:nvSpPr>
             <p:spPr>
               <a:xfrm>
-                <a:off x="9178563" y="2321317"/>
-                <a:ext cx="348343" cy="369332"/>
+                <a:off x="5088114" y="3134812"/>
+                <a:ext cx="348343" cy="307777"/>
               </a:xfrm>
               <a:prstGeom prst="rect">
                 <a:avLst/>
@@ -9074,40 +5607,33 @@
                     </m:oMathParaPr>
                     <m:oMath xmlns:m="http://schemas.openxmlformats.org/officeDocument/2006/math">
                       <m:r>
-                        <a:rPr lang="en-GB" b="0" i="1" smtClean="0">
+                        <a:rPr lang="en-GB" sz="1400" b="0" i="1" smtClean="0">
                           <a:latin typeface="Cambria Math" panose="02040503050406030204" pitchFamily="18" charset="0"/>
                         </a:rPr>
-                        <m:t>𝑐𝑟</m:t>
+                        <m:t>𝑓𝐸</m:t>
                       </m:r>
-                      <m:sSub>
-                        <m:sSubPr>
-                          <m:ctrlPr>
-                            <a:rPr lang="en-GB" i="1" smtClean="0">
-                              <a:latin typeface="Cambria Math" panose="02040503050406030204" pitchFamily="18" charset="0"/>
-                            </a:rPr>
-                          </m:ctrlPr>
-                        </m:sSubPr>
-                        <m:e>
-                          <m:r>
-                            <a:rPr lang="en-GB" b="0" i="1" smtClean="0">
-                              <a:latin typeface="Cambria Math" panose="02040503050406030204" pitchFamily="18" charset="0"/>
-                            </a:rPr>
-                            <m:t>𝐶</m:t>
-                          </m:r>
-                        </m:e>
-                        <m:sub>
-                          <m:r>
-                            <a:rPr lang="en-GB" b="0" i="1" smtClean="0">
-                              <a:latin typeface="Cambria Math" panose="02040503050406030204" pitchFamily="18" charset="0"/>
-                            </a:rPr>
-                            <m:t>𝑡</m:t>
-                          </m:r>
-                        </m:sub>
-                      </m:sSub>
+                      <m:r>
+                        <a:rPr lang="en-GB" sz="1400" b="0" i="1" smtClean="0">
+                          <a:latin typeface="Cambria Math" panose="02040503050406030204" pitchFamily="18" charset="0"/>
+                        </a:rPr>
+                        <m:t>(</m:t>
+                      </m:r>
+                      <m:r>
+                        <a:rPr lang="en-GB" sz="1400" b="0" i="1" smtClean="0">
+                          <a:latin typeface="Cambria Math" panose="02040503050406030204" pitchFamily="18" charset="0"/>
+                        </a:rPr>
+                        <m:t>𝑡</m:t>
+                      </m:r>
+                      <m:r>
+                        <a:rPr lang="en-GB" sz="1400" b="0" i="1" smtClean="0">
+                          <a:latin typeface="Cambria Math" panose="02040503050406030204" pitchFamily="18" charset="0"/>
+                        </a:rPr>
+                        <m:t>)</m:t>
+                      </m:r>
                     </m:oMath>
                   </m:oMathPara>
                 </a14:m>
-                <a:endParaRPr lang="en-GB" dirty="0"/>
+                <a:endParaRPr lang="en-GB" sz="1400" dirty="0"/>
               </a:p>
             </p:txBody>
           </p:sp>
@@ -9115,10 +5641,10 @@
         <mc:Fallback>
           <p:sp>
             <p:nvSpPr>
-              <p:cNvPr id="35" name="TextBox 34">
+              <p:cNvPr id="38" name="TextBox 37">
                 <a:extLst>
                   <a:ext uri="{FF2B5EF4-FFF2-40B4-BE49-F238E27FC236}">
-                    <a16:creationId xmlns:a16="http://schemas.microsoft.com/office/drawing/2014/main" id="{B9B8BA48-8E5E-EB4B-B3BE-45AE49C46B48}"/>
+                    <a16:creationId xmlns:a16="http://schemas.microsoft.com/office/drawing/2014/main" id="{EE9E1008-292B-5044-9EB8-11536612690E}"/>
                   </a:ext>
                 </a:extLst>
               </p:cNvPr>
@@ -9129,258 +5655,16 @@
             </p:nvSpPr>
             <p:spPr>
               <a:xfrm>
-                <a:off x="9178563" y="2321317"/>
-                <a:ext cx="348343" cy="369332"/>
+                <a:off x="5088114" y="3134812"/>
+                <a:ext cx="348343" cy="307777"/>
               </a:xfrm>
               <a:prstGeom prst="rect">
                 <a:avLst/>
               </a:prstGeom>
               <a:blipFill>
-                <a:blip r:embed="rId20"/>
+                <a:blip r:embed="rId8"/>
                 <a:stretch>
-                  <a:fillRect r="-57143"/>
-                </a:stretch>
-              </a:blipFill>
-            </p:spPr>
-            <p:txBody>
-              <a:bodyPr/>
-              <a:lstStyle/>
-              <a:p>
-                <a:r>
-                  <a:rPr lang="en-GB">
-                    <a:noFill/>
-                  </a:rPr>
-                  <a:t> </a:t>
-                </a:r>
-              </a:p>
-            </p:txBody>
-          </p:sp>
-        </mc:Fallback>
-      </mc:AlternateContent>
-      <mc:AlternateContent xmlns:mc="http://schemas.openxmlformats.org/markup-compatibility/2006">
-        <mc:Choice xmlns:a14="http://schemas.microsoft.com/office/drawing/2010/main" Requires="a14">
-          <p:sp>
-            <p:nvSpPr>
-              <p:cNvPr id="36" name="TextBox 35">
-                <a:extLst>
-                  <a:ext uri="{FF2B5EF4-FFF2-40B4-BE49-F238E27FC236}">
-                    <a16:creationId xmlns:a16="http://schemas.microsoft.com/office/drawing/2014/main" id="{8D276F89-3543-1841-9DA3-00AB05DF4506}"/>
-                  </a:ext>
-                </a:extLst>
-              </p:cNvPr>
-              <p:cNvSpPr txBox="1"/>
-              <p:nvPr/>
-            </p:nvSpPr>
-            <p:spPr>
-              <a:xfrm>
-                <a:off x="7759040" y="2046514"/>
-                <a:ext cx="348343" cy="369332"/>
-              </a:xfrm>
-              <a:prstGeom prst="rect">
-                <a:avLst/>
-              </a:prstGeom>
-              <a:noFill/>
-            </p:spPr>
-            <p:txBody>
-              <a:bodyPr wrap="square" rtlCol="0">
-                <a:spAutoFit/>
-              </a:bodyPr>
-              <a:lstStyle/>
-              <a:p>
-                <a:pPr/>
-                <a14:m>
-                  <m:oMathPara xmlns:m="http://schemas.openxmlformats.org/officeDocument/2006/math">
-                    <m:oMathParaPr>
-                      <m:jc m:val="centerGroup"/>
-                    </m:oMathParaPr>
-                    <m:oMath xmlns:m="http://schemas.openxmlformats.org/officeDocument/2006/math">
-                      <m:r>
-                        <a:rPr lang="en-GB" b="0" i="1" smtClean="0">
-                          <a:latin typeface="Cambria Math" panose="02040503050406030204" pitchFamily="18" charset="0"/>
-                        </a:rPr>
-                        <m:t>h𝑟</m:t>
-                      </m:r>
-                      <m:sSub>
-                        <m:sSubPr>
-                          <m:ctrlPr>
-                            <a:rPr lang="en-GB" i="1" smtClean="0">
-                              <a:latin typeface="Cambria Math" panose="02040503050406030204" pitchFamily="18" charset="0"/>
-                            </a:rPr>
-                          </m:ctrlPr>
-                        </m:sSubPr>
-                        <m:e>
-                          <m:r>
-                            <a:rPr lang="en-GB" b="0" i="1" smtClean="0">
-                              <a:latin typeface="Cambria Math" panose="02040503050406030204" pitchFamily="18" charset="0"/>
-                            </a:rPr>
-                            <m:t>𝐻</m:t>
-                          </m:r>
-                        </m:e>
-                        <m:sub>
-                          <m:r>
-                            <a:rPr lang="en-GB" b="0" i="1" smtClean="0">
-                              <a:latin typeface="Cambria Math" panose="02040503050406030204" pitchFamily="18" charset="0"/>
-                            </a:rPr>
-                            <m:t>𝑡</m:t>
-                          </m:r>
-                        </m:sub>
-                      </m:sSub>
-                    </m:oMath>
-                  </m:oMathPara>
-                </a14:m>
-                <a:endParaRPr lang="en-GB" dirty="0"/>
-              </a:p>
-            </p:txBody>
-          </p:sp>
-        </mc:Choice>
-        <mc:Fallback>
-          <p:sp>
-            <p:nvSpPr>
-              <p:cNvPr id="36" name="TextBox 35">
-                <a:extLst>
-                  <a:ext uri="{FF2B5EF4-FFF2-40B4-BE49-F238E27FC236}">
-                    <a16:creationId xmlns:a16="http://schemas.microsoft.com/office/drawing/2014/main" id="{8D276F89-3543-1841-9DA3-00AB05DF4506}"/>
-                  </a:ext>
-                </a:extLst>
-              </p:cNvPr>
-              <p:cNvSpPr txBox="1">
-                <a:spLocks noRot="1" noChangeAspect="1" noMove="1" noResize="1" noEditPoints="1" noAdjustHandles="1" noChangeArrowheads="1" noChangeShapeType="1" noTextEdit="1"/>
-              </p:cNvSpPr>
-              <p:nvPr/>
-            </p:nvSpPr>
-            <p:spPr>
-              <a:xfrm>
-                <a:off x="7759040" y="2046514"/>
-                <a:ext cx="348343" cy="369332"/>
-              </a:xfrm>
-              <a:prstGeom prst="rect">
-                <a:avLst/>
-              </a:prstGeom>
-              <a:blipFill>
-                <a:blip r:embed="rId21"/>
-                <a:stretch>
-                  <a:fillRect r="-75000"/>
-                </a:stretch>
-              </a:blipFill>
-            </p:spPr>
-            <p:txBody>
-              <a:bodyPr/>
-              <a:lstStyle/>
-              <a:p>
-                <a:r>
-                  <a:rPr lang="en-GB">
-                    <a:noFill/>
-                  </a:rPr>
-                  <a:t> </a:t>
-                </a:r>
-              </a:p>
-            </p:txBody>
-          </p:sp>
-        </mc:Fallback>
-      </mc:AlternateContent>
-      <mc:AlternateContent xmlns:mc="http://schemas.openxmlformats.org/markup-compatibility/2006">
-        <mc:Choice xmlns:a14="http://schemas.microsoft.com/office/drawing/2010/main" Requires="a14">
-          <p:sp>
-            <p:nvSpPr>
-              <p:cNvPr id="37" name="TextBox 36">
-                <a:extLst>
-                  <a:ext uri="{FF2B5EF4-FFF2-40B4-BE49-F238E27FC236}">
-                    <a16:creationId xmlns:a16="http://schemas.microsoft.com/office/drawing/2014/main" id="{BF2639BC-465E-1E4D-9042-89542FB5FF0F}"/>
-                  </a:ext>
-                </a:extLst>
-              </p:cNvPr>
-              <p:cNvSpPr txBox="1"/>
-              <p:nvPr/>
-            </p:nvSpPr>
-            <p:spPr>
-              <a:xfrm>
-                <a:off x="7454658" y="1040159"/>
-                <a:ext cx="348343" cy="369332"/>
-              </a:xfrm>
-              <a:prstGeom prst="rect">
-                <a:avLst/>
-              </a:prstGeom>
-              <a:noFill/>
-            </p:spPr>
-            <p:txBody>
-              <a:bodyPr wrap="square" rtlCol="0">
-                <a:spAutoFit/>
-              </a:bodyPr>
-              <a:lstStyle/>
-              <a:p>
-                <a:pPr/>
-                <a14:m>
-                  <m:oMathPara xmlns:m="http://schemas.openxmlformats.org/officeDocument/2006/math">
-                    <m:oMathParaPr>
-                      <m:jc m:val="centerGroup"/>
-                    </m:oMathParaPr>
-                    <m:oMath xmlns:m="http://schemas.openxmlformats.org/officeDocument/2006/math">
-                      <m:r>
-                        <a:rPr lang="en-GB" b="0" i="1" smtClean="0">
-                          <a:latin typeface="Cambria Math" panose="02040503050406030204" pitchFamily="18" charset="0"/>
-                        </a:rPr>
-                        <m:t>h𝑐</m:t>
-                      </m:r>
-                      <m:sSub>
-                        <m:sSubPr>
-                          <m:ctrlPr>
-                            <a:rPr lang="en-GB" i="1" smtClean="0">
-                              <a:latin typeface="Cambria Math" panose="02040503050406030204" pitchFamily="18" charset="0"/>
-                            </a:rPr>
-                          </m:ctrlPr>
-                        </m:sSubPr>
-                        <m:e>
-                          <m:r>
-                            <a:rPr lang="en-GB" b="0" i="1" smtClean="0">
-                              <a:latin typeface="Cambria Math" panose="02040503050406030204" pitchFamily="18" charset="0"/>
-                            </a:rPr>
-                            <m:t>𝐻</m:t>
-                          </m:r>
-                        </m:e>
-                        <m:sub>
-                          <m:r>
-                            <a:rPr lang="en-GB" b="0" i="1" smtClean="0">
-                              <a:latin typeface="Cambria Math" panose="02040503050406030204" pitchFamily="18" charset="0"/>
-                            </a:rPr>
-                            <m:t>𝑡</m:t>
-                          </m:r>
-                        </m:sub>
-                      </m:sSub>
-                    </m:oMath>
-                  </m:oMathPara>
-                </a14:m>
-                <a:endParaRPr lang="en-GB" dirty="0"/>
-              </a:p>
-            </p:txBody>
-          </p:sp>
-        </mc:Choice>
-        <mc:Fallback>
-          <p:sp>
-            <p:nvSpPr>
-              <p:cNvPr id="37" name="TextBox 36">
-                <a:extLst>
-                  <a:ext uri="{FF2B5EF4-FFF2-40B4-BE49-F238E27FC236}">
-                    <a16:creationId xmlns:a16="http://schemas.microsoft.com/office/drawing/2014/main" id="{BF2639BC-465E-1E4D-9042-89542FB5FF0F}"/>
-                  </a:ext>
-                </a:extLst>
-              </p:cNvPr>
-              <p:cNvSpPr txBox="1">
-                <a:spLocks noRot="1" noChangeAspect="1" noMove="1" noResize="1" noEditPoints="1" noAdjustHandles="1" noChangeArrowheads="1" noChangeShapeType="1" noTextEdit="1"/>
-              </p:cNvSpPr>
-              <p:nvPr/>
-            </p:nvSpPr>
-            <p:spPr>
-              <a:xfrm>
-                <a:off x="7454658" y="1040159"/>
-                <a:ext cx="348343" cy="369332"/>
-              </a:xfrm>
-              <a:prstGeom prst="rect">
-                <a:avLst/>
-              </a:prstGeom>
-              <a:blipFill>
-                <a:blip r:embed="rId22"/>
-                <a:stretch>
-                  <a:fillRect r="-75000"/>
+                  <a:fillRect r="-71429" b="-8000"/>
                 </a:stretch>
               </a:blipFill>
             </p:spPr>
@@ -9449,8 +5733,8 @@
             <a:chExt cx="8791836" cy="1050053"/>
           </a:xfrm>
         </p:grpSpPr>
-        <mc:AlternateContent xmlns:mc="http://schemas.openxmlformats.org/markup-compatibility/2006">
-          <mc:Choice xmlns:a14="http://schemas.microsoft.com/office/drawing/2010/main" Requires="a14">
+        <mc:AlternateContent xmlns:mc="http://schemas.openxmlformats.org/markup-compatibility/2006" xmlns:a14="http://schemas.microsoft.com/office/drawing/2010/main">
+          <mc:Choice Requires="a14">
             <p:sp>
               <p:nvSpPr>
                 <p:cNvPr id="8" name="Freeform 7">
@@ -9692,7 +5976,7 @@
               </p:txBody>
             </p:sp>
           </mc:Choice>
-          <mc:Fallback>
+          <mc:Fallback xmlns="">
             <p:sp>
               <p:nvSpPr>
                 <p:cNvPr id="8" name="Freeform 7">
@@ -9984,8 +6268,8 @@
             </a:p>
           </p:txBody>
         </p:sp>
-        <mc:AlternateContent xmlns:mc="http://schemas.openxmlformats.org/markup-compatibility/2006">
-          <mc:Choice xmlns:a14="http://schemas.microsoft.com/office/drawing/2010/main" Requires="a14">
+        <mc:AlternateContent xmlns:mc="http://schemas.openxmlformats.org/markup-compatibility/2006" xmlns:a14="http://schemas.microsoft.com/office/drawing/2010/main">
+          <mc:Choice Requires="a14">
             <p:sp>
               <p:nvSpPr>
                 <p:cNvPr id="10" name="Freeform 9">
@@ -10227,7 +6511,7 @@
               </p:txBody>
             </p:sp>
           </mc:Choice>
-          <mc:Fallback>
+          <mc:Fallback xmlns="">
             <p:sp>
               <p:nvSpPr>
                 <p:cNvPr id="10" name="Freeform 9">
@@ -10519,8 +6803,8 @@
             </a:p>
           </p:txBody>
         </p:sp>
-        <mc:AlternateContent xmlns:mc="http://schemas.openxmlformats.org/markup-compatibility/2006">
-          <mc:Choice xmlns:a14="http://schemas.microsoft.com/office/drawing/2010/main" Requires="a14">
+        <mc:AlternateContent xmlns:mc="http://schemas.openxmlformats.org/markup-compatibility/2006" xmlns:a14="http://schemas.microsoft.com/office/drawing/2010/main">
+          <mc:Choice Requires="a14">
             <p:sp>
               <p:nvSpPr>
                 <p:cNvPr id="12" name="Freeform 11">
@@ -10762,7 +7046,7 @@
               </p:txBody>
             </p:sp>
           </mc:Choice>
-          <mc:Fallback>
+          <mc:Fallback xmlns="">
             <p:sp>
               <p:nvSpPr>
                 <p:cNvPr id="12" name="Freeform 11">
@@ -10906,8 +7190,8 @@
             </p:sp>
           </mc:Fallback>
         </mc:AlternateContent>
-        <mc:AlternateContent xmlns:mc="http://schemas.openxmlformats.org/markup-compatibility/2006">
-          <mc:Choice xmlns:a14="http://schemas.microsoft.com/office/drawing/2010/main" Requires="a14">
+        <mc:AlternateContent xmlns:mc="http://schemas.openxmlformats.org/markup-compatibility/2006" xmlns:a14="http://schemas.microsoft.com/office/drawing/2010/main">
+          <mc:Choice Requires="a14">
             <p:sp>
               <p:nvSpPr>
                 <p:cNvPr id="14" name="Freeform 13">
@@ -11139,7 +7423,7 @@
               </p:txBody>
             </p:sp>
           </mc:Choice>
-          <mc:Fallback>
+          <mc:Fallback xmlns="">
             <p:sp>
               <p:nvSpPr>
                 <p:cNvPr id="14" name="Freeform 13">
@@ -11280,8 +7564,8 @@
             </p:sp>
           </mc:Fallback>
         </mc:AlternateContent>
-        <mc:AlternateContent xmlns:mc="http://schemas.openxmlformats.org/markup-compatibility/2006">
-          <mc:Choice xmlns:a14="http://schemas.microsoft.com/office/drawing/2010/main" Requires="a14">
+        <mc:AlternateContent xmlns:mc="http://schemas.openxmlformats.org/markup-compatibility/2006" xmlns:a14="http://schemas.microsoft.com/office/drawing/2010/main">
+          <mc:Choice Requires="a14">
             <p:sp>
               <p:nvSpPr>
                 <p:cNvPr id="3" name="TextBox 2">
@@ -11376,7 +7660,7 @@
               </p:txBody>
             </p:sp>
           </mc:Choice>
-          <mc:Fallback>
+          <mc:Fallback xmlns="">
             <p:sp>
               <p:nvSpPr>
                 <p:cNvPr id="3" name="TextBox 2">
@@ -11421,8 +7705,8 @@
             </p:sp>
           </mc:Fallback>
         </mc:AlternateContent>
-        <mc:AlternateContent xmlns:mc="http://schemas.openxmlformats.org/markup-compatibility/2006">
-          <mc:Choice xmlns:a14="http://schemas.microsoft.com/office/drawing/2010/main" Requires="a14">
+        <mc:AlternateContent xmlns:mc="http://schemas.openxmlformats.org/markup-compatibility/2006" xmlns:a14="http://schemas.microsoft.com/office/drawing/2010/main">
+          <mc:Choice Requires="a14">
             <p:sp>
               <p:nvSpPr>
                 <p:cNvPr id="4" name="TextBox 3">
@@ -11491,7 +7775,7 @@
               </p:txBody>
             </p:sp>
           </mc:Choice>
-          <mc:Fallback>
+          <mc:Fallback xmlns="">
             <p:sp>
               <p:nvSpPr>
                 <p:cNvPr id="4" name="TextBox 3">
@@ -11536,8 +7820,8 @@
             </p:sp>
           </mc:Fallback>
         </mc:AlternateContent>
-        <mc:AlternateContent xmlns:mc="http://schemas.openxmlformats.org/markup-compatibility/2006">
-          <mc:Choice xmlns:a14="http://schemas.microsoft.com/office/drawing/2010/main" Requires="a14">
+        <mc:AlternateContent xmlns:mc="http://schemas.openxmlformats.org/markup-compatibility/2006" xmlns:a14="http://schemas.microsoft.com/office/drawing/2010/main">
+          <mc:Choice Requires="a14">
             <p:sp>
               <p:nvSpPr>
                 <p:cNvPr id="5" name="TextBox 4">
@@ -11612,7 +7896,7 @@
               </p:txBody>
             </p:sp>
           </mc:Choice>
-          <mc:Fallback>
+          <mc:Fallback xmlns="">
             <p:sp>
               <p:nvSpPr>
                 <p:cNvPr id="5" name="TextBox 4">
@@ -12418,8 +8702,8 @@
             </a:p>
           </p:txBody>
         </p:sp>
-        <mc:AlternateContent xmlns:mc="http://schemas.openxmlformats.org/markup-compatibility/2006">
-          <mc:Choice xmlns:a14="http://schemas.microsoft.com/office/drawing/2010/main" Requires="a14">
+        <mc:AlternateContent xmlns:mc="http://schemas.openxmlformats.org/markup-compatibility/2006" xmlns:a14="http://schemas.microsoft.com/office/drawing/2010/main">
+          <mc:Choice Requires="a14">
             <p:sp>
               <p:nvSpPr>
                 <p:cNvPr id="21" name="TextBox 20">
@@ -12513,7 +8797,7 @@
               </p:txBody>
             </p:sp>
           </mc:Choice>
-          <mc:Fallback>
+          <mc:Fallback xmlns="">
             <p:sp>
               <p:nvSpPr>
                 <p:cNvPr id="21" name="TextBox 20">
@@ -12558,8 +8842,8 @@
             </p:sp>
           </mc:Fallback>
         </mc:AlternateContent>
-        <mc:AlternateContent xmlns:mc="http://schemas.openxmlformats.org/markup-compatibility/2006">
-          <mc:Choice xmlns:a14="http://schemas.microsoft.com/office/drawing/2010/main" Requires="a14">
+        <mc:AlternateContent xmlns:mc="http://schemas.openxmlformats.org/markup-compatibility/2006" xmlns:a14="http://schemas.microsoft.com/office/drawing/2010/main">
+          <mc:Choice Requires="a14">
             <p:sp>
               <p:nvSpPr>
                 <p:cNvPr id="22" name="TextBox 21">
@@ -12653,7 +8937,7 @@
               </p:txBody>
             </p:sp>
           </mc:Choice>
-          <mc:Fallback>
+          <mc:Fallback xmlns="">
             <p:sp>
               <p:nvSpPr>
                 <p:cNvPr id="22" name="TextBox 21">
@@ -12698,8 +8982,8 @@
             </p:sp>
           </mc:Fallback>
         </mc:AlternateContent>
-        <mc:AlternateContent xmlns:mc="http://schemas.openxmlformats.org/markup-compatibility/2006">
-          <mc:Choice xmlns:a14="http://schemas.microsoft.com/office/drawing/2010/main" Requires="a14">
+        <mc:AlternateContent xmlns:mc="http://schemas.openxmlformats.org/markup-compatibility/2006" xmlns:a14="http://schemas.microsoft.com/office/drawing/2010/main">
+          <mc:Choice Requires="a14">
             <p:sp>
               <p:nvSpPr>
                 <p:cNvPr id="23" name="TextBox 22">
@@ -12836,7 +9120,7 @@
               </p:txBody>
             </p:sp>
           </mc:Choice>
-          <mc:Fallback>
+          <mc:Fallback xmlns="">
             <p:sp>
               <p:nvSpPr>
                 <p:cNvPr id="23" name="TextBox 22">
@@ -12881,8 +9165,8 @@
             </p:sp>
           </mc:Fallback>
         </mc:AlternateContent>
-        <mc:AlternateContent xmlns:mc="http://schemas.openxmlformats.org/markup-compatibility/2006">
-          <mc:Choice xmlns:a14="http://schemas.microsoft.com/office/drawing/2010/main" Requires="a14">
+        <mc:AlternateContent xmlns:mc="http://schemas.openxmlformats.org/markup-compatibility/2006" xmlns:a14="http://schemas.microsoft.com/office/drawing/2010/main">
+          <mc:Choice Requires="a14">
             <p:sp>
               <p:nvSpPr>
                 <p:cNvPr id="24" name="TextBox 23">
@@ -12976,7 +9260,7 @@
               </p:txBody>
             </p:sp>
           </mc:Choice>
-          <mc:Fallback>
+          <mc:Fallback xmlns="">
             <p:sp>
               <p:nvSpPr>
                 <p:cNvPr id="24" name="TextBox 23">
@@ -13169,8 +9453,8 @@
             </a:p>
           </p:txBody>
         </p:sp>
-        <mc:AlternateContent xmlns:mc="http://schemas.openxmlformats.org/markup-compatibility/2006">
-          <mc:Choice xmlns:a14="http://schemas.microsoft.com/office/drawing/2010/main" Requires="a14">
+        <mc:AlternateContent xmlns:mc="http://schemas.openxmlformats.org/markup-compatibility/2006" xmlns:a14="http://schemas.microsoft.com/office/drawing/2010/main">
+          <mc:Choice Requires="a14">
             <p:sp>
               <p:nvSpPr>
                 <p:cNvPr id="30" name="TextBox 29">
@@ -13307,7 +9591,7 @@
               </p:txBody>
             </p:sp>
           </mc:Choice>
-          <mc:Fallback>
+          <mc:Fallback xmlns="">
             <p:sp>
               <p:nvSpPr>
                 <p:cNvPr id="30" name="TextBox 29">
@@ -13500,8 +9784,8 @@
             </a:p>
           </p:txBody>
         </p:sp>
-        <mc:AlternateContent xmlns:mc="http://schemas.openxmlformats.org/markup-compatibility/2006">
-          <mc:Choice xmlns:a14="http://schemas.microsoft.com/office/drawing/2010/main" Requires="a14">
+        <mc:AlternateContent xmlns:mc="http://schemas.openxmlformats.org/markup-compatibility/2006" xmlns:a14="http://schemas.microsoft.com/office/drawing/2010/main">
+          <mc:Choice Requires="a14">
             <p:sp>
               <p:nvSpPr>
                 <p:cNvPr id="32" name="TextBox 31">
@@ -13638,7 +9922,7 @@
               </p:txBody>
             </p:sp>
           </mc:Choice>
-          <mc:Fallback>
+          <mc:Fallback xmlns="">
             <p:sp>
               <p:nvSpPr>
                 <p:cNvPr id="32" name="TextBox 31">
@@ -13704,8 +9988,8 @@
             <a:chExt cx="2386925" cy="2054505"/>
           </a:xfrm>
         </p:grpSpPr>
-        <mc:AlternateContent xmlns:mc="http://schemas.openxmlformats.org/markup-compatibility/2006">
-          <mc:Choice xmlns:a14="http://schemas.microsoft.com/office/drawing/2010/main" Requires="a14">
+        <mc:AlternateContent xmlns:mc="http://schemas.openxmlformats.org/markup-compatibility/2006" xmlns:a14="http://schemas.microsoft.com/office/drawing/2010/main">
+          <mc:Choice Requires="a14">
             <p:sp>
               <p:nvSpPr>
                 <p:cNvPr id="33" name="TextBox 32">
@@ -13780,7 +10064,7 @@
               </p:txBody>
             </p:sp>
           </mc:Choice>
-          <mc:Fallback>
+          <mc:Fallback xmlns="">
             <p:sp>
               <p:nvSpPr>
                 <p:cNvPr id="33" name="TextBox 32">
@@ -13825,8 +10109,8 @@
             </p:sp>
           </mc:Fallback>
         </mc:AlternateContent>
-        <mc:AlternateContent xmlns:mc="http://schemas.openxmlformats.org/markup-compatibility/2006">
-          <mc:Choice xmlns:a14="http://schemas.microsoft.com/office/drawing/2010/main" Requires="a14">
+        <mc:AlternateContent xmlns:mc="http://schemas.openxmlformats.org/markup-compatibility/2006" xmlns:a14="http://schemas.microsoft.com/office/drawing/2010/main">
+          <mc:Choice Requires="a14">
             <p:sp>
               <p:nvSpPr>
                 <p:cNvPr id="15" name="Freeform 14">
@@ -14068,7 +10352,7 @@
               </p:txBody>
             </p:sp>
           </mc:Choice>
-          <mc:Fallback>
+          <mc:Fallback xmlns="">
             <p:sp>
               <p:nvSpPr>
                 <p:cNvPr id="15" name="Freeform 14">
@@ -14508,8 +10792,8 @@
             </a:p>
           </p:txBody>
         </p:sp>
-        <mc:AlternateContent xmlns:mc="http://schemas.openxmlformats.org/markup-compatibility/2006">
-          <mc:Choice xmlns:a14="http://schemas.microsoft.com/office/drawing/2010/main" Requires="a14">
+        <mc:AlternateContent xmlns:mc="http://schemas.openxmlformats.org/markup-compatibility/2006" xmlns:a14="http://schemas.microsoft.com/office/drawing/2010/main">
+          <mc:Choice Requires="a14">
             <p:sp>
               <p:nvSpPr>
                 <p:cNvPr id="36" name="TextBox 35">
@@ -14584,7 +10868,7 @@
               </p:txBody>
             </p:sp>
           </mc:Choice>
-          <mc:Fallback>
+          <mc:Fallback xmlns="">
             <p:sp>
               <p:nvSpPr>
                 <p:cNvPr id="36" name="TextBox 35">
@@ -14650,8 +10934,8 @@
             <a:chExt cx="2359001" cy="1890767"/>
           </a:xfrm>
         </p:grpSpPr>
-        <mc:AlternateContent xmlns:mc="http://schemas.openxmlformats.org/markup-compatibility/2006">
-          <mc:Choice xmlns:a14="http://schemas.microsoft.com/office/drawing/2010/main" Requires="a14">
+        <mc:AlternateContent xmlns:mc="http://schemas.openxmlformats.org/markup-compatibility/2006" xmlns:a14="http://schemas.microsoft.com/office/drawing/2010/main">
+          <mc:Choice Requires="a14">
             <p:sp>
               <p:nvSpPr>
                 <p:cNvPr id="16" name="Freeform 15">
@@ -14902,7 +11186,7 @@
               </p:txBody>
             </p:sp>
           </mc:Choice>
-          <mc:Fallback>
+          <mc:Fallback xmlns="">
             <p:sp>
               <p:nvSpPr>
                 <p:cNvPr id="16" name="Freeform 15">
@@ -15342,8 +11626,8 @@
             </a:p>
           </p:txBody>
         </p:sp>
-        <mc:AlternateContent xmlns:mc="http://schemas.openxmlformats.org/markup-compatibility/2006">
-          <mc:Choice xmlns:a14="http://schemas.microsoft.com/office/drawing/2010/main" Requires="a14">
+        <mc:AlternateContent xmlns:mc="http://schemas.openxmlformats.org/markup-compatibility/2006" xmlns:a14="http://schemas.microsoft.com/office/drawing/2010/main">
+          <mc:Choice Requires="a14">
             <p:sp>
               <p:nvSpPr>
                 <p:cNvPr id="35" name="TextBox 34">
@@ -15418,7 +11702,7 @@
               </p:txBody>
             </p:sp>
           </mc:Choice>
-          <mc:Fallback>
+          <mc:Fallback xmlns="">
             <p:sp>
               <p:nvSpPr>
                 <p:cNvPr id="35" name="TextBox 34">
@@ -15463,8 +11747,8 @@
             </p:sp>
           </mc:Fallback>
         </mc:AlternateContent>
-        <mc:AlternateContent xmlns:mc="http://schemas.openxmlformats.org/markup-compatibility/2006">
-          <mc:Choice xmlns:a14="http://schemas.microsoft.com/office/drawing/2010/main" Requires="a14">
+        <mc:AlternateContent xmlns:mc="http://schemas.openxmlformats.org/markup-compatibility/2006" xmlns:a14="http://schemas.microsoft.com/office/drawing/2010/main">
+          <mc:Choice Requires="a14">
             <p:sp>
               <p:nvSpPr>
                 <p:cNvPr id="37" name="TextBox 36">
@@ -15539,7 +11823,7 @@
               </p:txBody>
             </p:sp>
           </mc:Choice>
-          <mc:Fallback>
+          <mc:Fallback xmlns="">
             <p:sp>
               <p:nvSpPr>
                 <p:cNvPr id="37" name="TextBox 36">
